--- a/Slides/Lesson1.2.pptx
+++ b/Slides/Lesson1.2.pptx
@@ -15,6 +15,11 @@
     <p:sldId id="263" r:id="rId9"/>
     <p:sldId id="264" r:id="rId10"/>
     <p:sldId id="265" r:id="rId11"/>
+    <p:sldId id="266" r:id="rId12"/>
+    <p:sldId id="267" r:id="rId13"/>
+    <p:sldId id="268" r:id="rId14"/>
+    <p:sldId id="270" r:id="rId15"/>
+    <p:sldId id="269" r:id="rId16"/>
   </p:sldIdLst>
   <p:sldSz cx="12192000" cy="6858000"/>
   <p:notesSz cx="6858000" cy="9144000"/>
@@ -6301,7 +6306,9 @@
         </p:nvSpPr>
         <p:spPr/>
         <p:txBody>
-          <a:bodyPr/>
+          <a:bodyPr>
+            <a:normAutofit fontScale="85000" lnSpcReduction="10000"/>
+          </a:bodyPr>
           <a:lstStyle/>
           <a:p>
             <a:r>
@@ -6367,7 +6374,14 @@
             <a:pPr lvl="1"/>
             <a:r>
               <a:rPr lang="en-US" dirty="0"/>
-              <a:t>Logical Operators (and, or, is equal to, not, is greater than, etc.)</a:t>
+              <a:t>Relational Operators (is equal to, is greater than, etc.)</a:t>
+            </a:r>
+          </a:p>
+          <a:p>
+            <a:pPr lvl="1"/>
+            <a:r>
+              <a:rPr lang="en-US" dirty="0"/>
+              <a:t>Logical Operators (and, or, not, etc.)</a:t>
             </a:r>
           </a:p>
           <a:p>
@@ -6375,6 +6389,20 @@
             <a:r>
               <a:rPr lang="en-US" dirty="0"/>
               <a:t>Assignment Operators</a:t>
+            </a:r>
+          </a:p>
+          <a:p>
+            <a:pPr lvl="1"/>
+            <a:r>
+              <a:rPr lang="en-US" dirty="0"/>
+              <a:t>Increment/Decrement Operators</a:t>
+            </a:r>
+          </a:p>
+          <a:p>
+            <a:pPr lvl="1"/>
+            <a:r>
+              <a:rPr lang="en-US" dirty="0"/>
+              <a:t>Bitwise Operators (these are not in the scope of this class)</a:t>
             </a:r>
           </a:p>
           <a:p>
@@ -6386,6 +6414,3964 @@
     <p:extLst>
       <p:ext uri="{BB962C8B-B14F-4D97-AF65-F5344CB8AC3E}">
         <p14:creationId xmlns:p14="http://schemas.microsoft.com/office/powerpoint/2010/main" val="3874420943"/>
+      </p:ext>
+    </p:extLst>
+  </p:cSld>
+  <p:clrMapOvr>
+    <a:masterClrMapping/>
+  </p:clrMapOvr>
+</p:sld>
+</file>
+
+<file path=ppt/slides/slide11.xml><?xml version="1.0" encoding="utf-8"?>
+<p:sld xmlns:a="http://schemas.openxmlformats.org/drawingml/2006/main" xmlns:r="http://schemas.openxmlformats.org/officeDocument/2006/relationships" xmlns:p="http://schemas.openxmlformats.org/presentationml/2006/main">
+  <p:cSld>
+    <p:bg>
+      <p:bgPr>
+        <a:solidFill>
+          <a:schemeClr val="bg1"/>
+        </a:solidFill>
+        <a:effectLst/>
+      </p:bgPr>
+    </p:bg>
+    <p:spTree>
+      <p:nvGrpSpPr>
+        <p:cNvPr id="1" name=""/>
+        <p:cNvGrpSpPr/>
+        <p:nvPr/>
+      </p:nvGrpSpPr>
+      <p:grpSpPr>
+        <a:xfrm>
+          <a:off x="0" y="0"/>
+          <a:ext cx="0" cy="0"/>
+          <a:chOff x="0" y="0"/>
+          <a:chExt cx="0" cy="0"/>
+        </a:xfrm>
+      </p:grpSpPr>
+      <p:grpSp>
+        <p:nvGrpSpPr>
+          <p:cNvPr id="39" name="Group 24">
+            <a:extLst>
+              <a:ext uri="{FF2B5EF4-FFF2-40B4-BE49-F238E27FC236}">
+                <a16:creationId xmlns:a16="http://schemas.microsoft.com/office/drawing/2014/main" id="{A4D026A2-7476-44B0-9648-BB98882F7BA3}"/>
+              </a:ext>
+              <a:ext uri="{C183D7F6-B498-43B3-948B-1728B52AA6E4}">
+                <adec:decorative xmlns:adec="http://schemas.microsoft.com/office/drawing/2017/decorative" val="1"/>
+              </a:ext>
+            </a:extLst>
+          </p:cNvPr>
+          <p:cNvGrpSpPr>
+            <a:grpSpLocks noGrp="1" noUngrp="1" noRot="1" noChangeAspect="1" noMove="1" noResize="1"/>
+          </p:cNvGrpSpPr>
+          <p:nvPr>
+            <p:extLst>
+              <p:ext uri="{386F3935-93C4-4BCD-93E2-E3B085C9AB24}">
+                <p16:designElem xmlns:p16="http://schemas.microsoft.com/office/powerpoint/2015/main" val="1"/>
+              </p:ext>
+            </p:extLst>
+          </p:nvPr>
+        </p:nvGrpSpPr>
+        <p:grpSpPr>
+          <a:xfrm>
+            <a:off x="0" y="-8467"/>
+            <a:ext cx="12192000" cy="6866467"/>
+            <a:chOff x="0" y="-8467"/>
+            <a:chExt cx="12192000" cy="6866467"/>
+          </a:xfrm>
+        </p:grpSpPr>
+        <p:cxnSp>
+          <p:nvCxnSpPr>
+            <p:cNvPr id="26" name="Straight Connector 25">
+              <a:extLst>
+                <a:ext uri="{FF2B5EF4-FFF2-40B4-BE49-F238E27FC236}">
+                  <a16:creationId xmlns:a16="http://schemas.microsoft.com/office/drawing/2014/main" id="{48F8FC21-0A44-4045-95A1-B7935DBC603D}"/>
+                </a:ext>
+                <a:ext uri="{C183D7F6-B498-43B3-948B-1728B52AA6E4}">
+                  <adec:decorative xmlns:adec="http://schemas.microsoft.com/office/drawing/2017/decorative" val="1"/>
+                </a:ext>
+              </a:extLst>
+            </p:cNvPr>
+            <p:cNvCxnSpPr/>
+            <p:nvPr>
+              <p:extLst>
+                <p:ext uri="{386F3935-93C4-4BCD-93E2-E3B085C9AB24}">
+                  <p16:designElem xmlns:p16="http://schemas.microsoft.com/office/powerpoint/2015/main" val="1"/>
+                </p:ext>
+              </p:extLst>
+            </p:nvPr>
+          </p:nvCxnSpPr>
+          <p:spPr>
+            <a:xfrm>
+              <a:off x="9371012" y="0"/>
+              <a:ext cx="1219200" cy="6858000"/>
+            </a:xfrm>
+            <a:prstGeom prst="line">
+              <a:avLst/>
+            </a:prstGeom>
+            <a:ln w="9525">
+              <a:solidFill>
+                <a:schemeClr val="accent1">
+                  <a:alpha val="70000"/>
+                </a:schemeClr>
+              </a:solidFill>
+            </a:ln>
+          </p:spPr>
+          <p:style>
+            <a:lnRef idx="2">
+              <a:schemeClr val="accent1"/>
+            </a:lnRef>
+            <a:fillRef idx="0">
+              <a:schemeClr val="accent1"/>
+            </a:fillRef>
+            <a:effectRef idx="1">
+              <a:schemeClr val="accent1"/>
+            </a:effectRef>
+            <a:fontRef idx="minor">
+              <a:schemeClr val="tx1"/>
+            </a:fontRef>
+          </p:style>
+        </p:cxnSp>
+        <p:cxnSp>
+          <p:nvCxnSpPr>
+            <p:cNvPr id="27" name="Straight Connector 26">
+              <a:extLst>
+                <a:ext uri="{FF2B5EF4-FFF2-40B4-BE49-F238E27FC236}">
+                  <a16:creationId xmlns:a16="http://schemas.microsoft.com/office/drawing/2014/main" id="{0209B962-CD29-4D46-A7B0-10F6C7CF1C0F}"/>
+                </a:ext>
+                <a:ext uri="{C183D7F6-B498-43B3-948B-1728B52AA6E4}">
+                  <adec:decorative xmlns:adec="http://schemas.microsoft.com/office/drawing/2017/decorative" val="1"/>
+                </a:ext>
+              </a:extLst>
+            </p:cNvPr>
+            <p:cNvCxnSpPr/>
+            <p:nvPr>
+              <p:extLst>
+                <p:ext uri="{386F3935-93C4-4BCD-93E2-E3B085C9AB24}">
+                  <p16:designElem xmlns:p16="http://schemas.microsoft.com/office/powerpoint/2015/main" val="1"/>
+                </p:ext>
+              </p:extLst>
+            </p:nvPr>
+          </p:nvCxnSpPr>
+          <p:spPr>
+            <a:xfrm flipH="1">
+              <a:off x="7425267" y="3681413"/>
+              <a:ext cx="4763558" cy="3176587"/>
+            </a:xfrm>
+            <a:prstGeom prst="line">
+              <a:avLst/>
+            </a:prstGeom>
+            <a:ln w="9525">
+              <a:solidFill>
+                <a:schemeClr val="accent1">
+                  <a:alpha val="70000"/>
+                </a:schemeClr>
+              </a:solidFill>
+            </a:ln>
+          </p:spPr>
+          <p:style>
+            <a:lnRef idx="2">
+              <a:schemeClr val="accent1"/>
+            </a:lnRef>
+            <a:fillRef idx="0">
+              <a:schemeClr val="accent1"/>
+            </a:fillRef>
+            <a:effectRef idx="1">
+              <a:schemeClr val="accent1"/>
+            </a:effectRef>
+            <a:fontRef idx="minor">
+              <a:schemeClr val="tx1"/>
+            </a:fontRef>
+          </p:style>
+        </p:cxnSp>
+        <p:sp>
+          <p:nvSpPr>
+            <p:cNvPr id="28" name="Rectangle 23">
+              <a:extLst>
+                <a:ext uri="{FF2B5EF4-FFF2-40B4-BE49-F238E27FC236}">
+                  <a16:creationId xmlns:a16="http://schemas.microsoft.com/office/drawing/2014/main" id="{CC8D40CF-4D47-411D-A8B7-0E4B29E9832B}"/>
+                </a:ext>
+                <a:ext uri="{C183D7F6-B498-43B3-948B-1728B52AA6E4}">
+                  <adec:decorative xmlns:adec="http://schemas.microsoft.com/office/drawing/2017/decorative" val="1"/>
+                </a:ext>
+              </a:extLst>
+            </p:cNvPr>
+            <p:cNvSpPr/>
+            <p:nvPr>
+              <p:extLst>
+                <p:ext uri="{386F3935-93C4-4BCD-93E2-E3B085C9AB24}">
+                  <p16:designElem xmlns:p16="http://schemas.microsoft.com/office/powerpoint/2015/main" val="1"/>
+                </p:ext>
+              </p:extLst>
+            </p:nvPr>
+          </p:nvSpPr>
+          <p:spPr>
+            <a:xfrm>
+              <a:off x="9181476" y="-8467"/>
+              <a:ext cx="3007349" cy="6866467"/>
+            </a:xfrm>
+            <a:custGeom>
+              <a:avLst/>
+              <a:gdLst/>
+              <a:ahLst/>
+              <a:cxnLst/>
+              <a:rect l="l" t="t" r="r" b="b"/>
+              <a:pathLst>
+                <a:path w="3007349" h="6866467">
+                  <a:moveTo>
+                    <a:pt x="2045532" y="0"/>
+                  </a:moveTo>
+                  <a:lnTo>
+                    <a:pt x="3007349" y="0"/>
+                  </a:lnTo>
+                  <a:lnTo>
+                    <a:pt x="3007349" y="6866467"/>
+                  </a:lnTo>
+                  <a:lnTo>
+                    <a:pt x="0" y="6866467"/>
+                  </a:lnTo>
+                  <a:lnTo>
+                    <a:pt x="2045532" y="0"/>
+                  </a:lnTo>
+                  <a:close/>
+                </a:path>
+              </a:pathLst>
+            </a:custGeom>
+            <a:solidFill>
+              <a:schemeClr val="accent1">
+                <a:alpha val="36000"/>
+              </a:schemeClr>
+            </a:solidFill>
+            <a:ln>
+              <a:noFill/>
+            </a:ln>
+            <a:effectLst/>
+          </p:spPr>
+          <p:style>
+            <a:lnRef idx="1">
+              <a:schemeClr val="accent1"/>
+            </a:lnRef>
+            <a:fillRef idx="3">
+              <a:schemeClr val="accent1"/>
+            </a:fillRef>
+            <a:effectRef idx="2">
+              <a:schemeClr val="accent1"/>
+            </a:effectRef>
+            <a:fontRef idx="minor">
+              <a:schemeClr val="lt1"/>
+            </a:fontRef>
+          </p:style>
+        </p:sp>
+        <p:sp>
+          <p:nvSpPr>
+            <p:cNvPr id="29" name="Rectangle 25">
+              <a:extLst>
+                <a:ext uri="{FF2B5EF4-FFF2-40B4-BE49-F238E27FC236}">
+                  <a16:creationId xmlns:a16="http://schemas.microsoft.com/office/drawing/2014/main" id="{9B48A2AD-5257-4384-A7F5-A1EE4E6883A5}"/>
+                </a:ext>
+                <a:ext uri="{C183D7F6-B498-43B3-948B-1728B52AA6E4}">
+                  <adec:decorative xmlns:adec="http://schemas.microsoft.com/office/drawing/2017/decorative" val="1"/>
+                </a:ext>
+              </a:extLst>
+            </p:cNvPr>
+            <p:cNvSpPr/>
+            <p:nvPr>
+              <p:extLst>
+                <p:ext uri="{386F3935-93C4-4BCD-93E2-E3B085C9AB24}">
+                  <p16:designElem xmlns:p16="http://schemas.microsoft.com/office/powerpoint/2015/main" val="1"/>
+                </p:ext>
+              </p:extLst>
+            </p:nvPr>
+          </p:nvSpPr>
+          <p:spPr>
+            <a:xfrm>
+              <a:off x="9603442" y="-8467"/>
+              <a:ext cx="2588558" cy="6866467"/>
+            </a:xfrm>
+            <a:custGeom>
+              <a:avLst/>
+              <a:gdLst/>
+              <a:ahLst/>
+              <a:cxnLst/>
+              <a:rect l="l" t="t" r="r" b="b"/>
+              <a:pathLst>
+                <a:path w="2573311" h="6866467">
+                  <a:moveTo>
+                    <a:pt x="0" y="0"/>
+                  </a:moveTo>
+                  <a:lnTo>
+                    <a:pt x="2573311" y="0"/>
+                  </a:lnTo>
+                  <a:lnTo>
+                    <a:pt x="2573311" y="6866467"/>
+                  </a:lnTo>
+                  <a:lnTo>
+                    <a:pt x="1202336" y="6866467"/>
+                  </a:lnTo>
+                  <a:lnTo>
+                    <a:pt x="0" y="0"/>
+                  </a:lnTo>
+                  <a:close/>
+                </a:path>
+              </a:pathLst>
+            </a:custGeom>
+            <a:solidFill>
+              <a:schemeClr val="accent1">
+                <a:alpha val="20000"/>
+              </a:schemeClr>
+            </a:solidFill>
+            <a:ln>
+              <a:noFill/>
+            </a:ln>
+            <a:effectLst/>
+          </p:spPr>
+          <p:style>
+            <a:lnRef idx="1">
+              <a:schemeClr val="accent1"/>
+            </a:lnRef>
+            <a:fillRef idx="3">
+              <a:schemeClr val="accent1"/>
+            </a:fillRef>
+            <a:effectRef idx="2">
+              <a:schemeClr val="accent1"/>
+            </a:effectRef>
+            <a:fontRef idx="minor">
+              <a:schemeClr val="lt1"/>
+            </a:fontRef>
+          </p:style>
+        </p:sp>
+        <p:sp>
+          <p:nvSpPr>
+            <p:cNvPr id="30" name="Isosceles Triangle 29">
+              <a:extLst>
+                <a:ext uri="{FF2B5EF4-FFF2-40B4-BE49-F238E27FC236}">
+                  <a16:creationId xmlns:a16="http://schemas.microsoft.com/office/drawing/2014/main" id="{04C26DE3-844C-47DA-831E-E7D7BF617EC2}"/>
+                </a:ext>
+                <a:ext uri="{C183D7F6-B498-43B3-948B-1728B52AA6E4}">
+                  <adec:decorative xmlns:adec="http://schemas.microsoft.com/office/drawing/2017/decorative" val="1"/>
+                </a:ext>
+              </a:extLst>
+            </p:cNvPr>
+            <p:cNvSpPr/>
+            <p:nvPr>
+              <p:extLst>
+                <p:ext uri="{386F3935-93C4-4BCD-93E2-E3B085C9AB24}">
+                  <p16:designElem xmlns:p16="http://schemas.microsoft.com/office/powerpoint/2015/main" val="1"/>
+                </p:ext>
+              </p:extLst>
+            </p:nvPr>
+          </p:nvSpPr>
+          <p:spPr>
+            <a:xfrm>
+              <a:off x="8932333" y="3048000"/>
+              <a:ext cx="3259667" cy="3810000"/>
+            </a:xfrm>
+            <a:prstGeom prst="triangle">
+              <a:avLst>
+                <a:gd name="adj" fmla="val 100000"/>
+              </a:avLst>
+            </a:prstGeom>
+            <a:solidFill>
+              <a:schemeClr val="accent1">
+                <a:lumMod val="75000"/>
+                <a:alpha val="66000"/>
+              </a:schemeClr>
+            </a:solidFill>
+            <a:ln>
+              <a:noFill/>
+            </a:ln>
+            <a:effectLst/>
+          </p:spPr>
+          <p:style>
+            <a:lnRef idx="1">
+              <a:schemeClr val="accent1"/>
+            </a:lnRef>
+            <a:fillRef idx="3">
+              <a:schemeClr val="accent1"/>
+            </a:fillRef>
+            <a:effectRef idx="2">
+              <a:schemeClr val="accent1"/>
+            </a:effectRef>
+            <a:fontRef idx="minor">
+              <a:schemeClr val="lt1"/>
+            </a:fontRef>
+          </p:style>
+        </p:sp>
+        <p:sp>
+          <p:nvSpPr>
+            <p:cNvPr id="31" name="Rectangle 27">
+              <a:extLst>
+                <a:ext uri="{FF2B5EF4-FFF2-40B4-BE49-F238E27FC236}">
+                  <a16:creationId xmlns:a16="http://schemas.microsoft.com/office/drawing/2014/main" id="{922D975E-0684-4AA6-9FB7-929B250D5389}"/>
+                </a:ext>
+                <a:ext uri="{C183D7F6-B498-43B3-948B-1728B52AA6E4}">
+                  <adec:decorative xmlns:adec="http://schemas.microsoft.com/office/drawing/2017/decorative" val="1"/>
+                </a:ext>
+              </a:extLst>
+            </p:cNvPr>
+            <p:cNvSpPr/>
+            <p:nvPr>
+              <p:extLst>
+                <p:ext uri="{386F3935-93C4-4BCD-93E2-E3B085C9AB24}">
+                  <p16:designElem xmlns:p16="http://schemas.microsoft.com/office/powerpoint/2015/main" val="1"/>
+                </p:ext>
+              </p:extLst>
+            </p:nvPr>
+          </p:nvSpPr>
+          <p:spPr>
+            <a:xfrm>
+              <a:off x="9334500" y="-8467"/>
+              <a:ext cx="2854326" cy="6866467"/>
+            </a:xfrm>
+            <a:custGeom>
+              <a:avLst/>
+              <a:gdLst/>
+              <a:ahLst/>
+              <a:cxnLst/>
+              <a:rect l="l" t="t" r="r" b="b"/>
+              <a:pathLst>
+                <a:path w="2858013" h="6866467">
+                  <a:moveTo>
+                    <a:pt x="0" y="0"/>
+                  </a:moveTo>
+                  <a:lnTo>
+                    <a:pt x="2858013" y="0"/>
+                  </a:lnTo>
+                  <a:lnTo>
+                    <a:pt x="2858013" y="6866467"/>
+                  </a:lnTo>
+                  <a:lnTo>
+                    <a:pt x="2473942" y="6866467"/>
+                  </a:lnTo>
+                  <a:lnTo>
+                    <a:pt x="0" y="0"/>
+                  </a:lnTo>
+                  <a:close/>
+                </a:path>
+              </a:pathLst>
+            </a:custGeom>
+            <a:solidFill>
+              <a:schemeClr val="accent1">
+                <a:lumMod val="75000"/>
+                <a:alpha val="50000"/>
+              </a:schemeClr>
+            </a:solidFill>
+            <a:ln>
+              <a:noFill/>
+            </a:ln>
+            <a:effectLst/>
+          </p:spPr>
+          <p:style>
+            <a:lnRef idx="1">
+              <a:schemeClr val="accent1"/>
+            </a:lnRef>
+            <a:fillRef idx="3">
+              <a:schemeClr val="accent1"/>
+            </a:fillRef>
+            <a:effectRef idx="2">
+              <a:schemeClr val="accent1"/>
+            </a:effectRef>
+            <a:fontRef idx="minor">
+              <a:schemeClr val="lt1"/>
+            </a:fontRef>
+          </p:style>
+        </p:sp>
+        <p:sp>
+          <p:nvSpPr>
+            <p:cNvPr id="32" name="Rectangle 28">
+              <a:extLst>
+                <a:ext uri="{FF2B5EF4-FFF2-40B4-BE49-F238E27FC236}">
+                  <a16:creationId xmlns:a16="http://schemas.microsoft.com/office/drawing/2014/main" id="{38ED5A9A-F0C7-4547-BC1E-22FC89BD26D1}"/>
+                </a:ext>
+                <a:ext uri="{C183D7F6-B498-43B3-948B-1728B52AA6E4}">
+                  <adec:decorative xmlns:adec="http://schemas.microsoft.com/office/drawing/2017/decorative" val="1"/>
+                </a:ext>
+              </a:extLst>
+            </p:cNvPr>
+            <p:cNvSpPr/>
+            <p:nvPr>
+              <p:extLst>
+                <p:ext uri="{386F3935-93C4-4BCD-93E2-E3B085C9AB24}">
+                  <p16:designElem xmlns:p16="http://schemas.microsoft.com/office/powerpoint/2015/main" val="1"/>
+                </p:ext>
+              </p:extLst>
+            </p:nvPr>
+          </p:nvSpPr>
+          <p:spPr>
+            <a:xfrm>
+              <a:off x="10898730" y="-8467"/>
+              <a:ext cx="1290094" cy="6866467"/>
+            </a:xfrm>
+            <a:custGeom>
+              <a:avLst/>
+              <a:gdLst/>
+              <a:ahLst/>
+              <a:cxnLst/>
+              <a:rect l="l" t="t" r="r" b="b"/>
+              <a:pathLst>
+                <a:path w="1290094" h="6858000">
+                  <a:moveTo>
+                    <a:pt x="1019735" y="0"/>
+                  </a:moveTo>
+                  <a:lnTo>
+                    <a:pt x="1290094" y="0"/>
+                  </a:lnTo>
+                  <a:lnTo>
+                    <a:pt x="1290094" y="6858000"/>
+                  </a:lnTo>
+                  <a:lnTo>
+                    <a:pt x="0" y="6858000"/>
+                  </a:lnTo>
+                  <a:lnTo>
+                    <a:pt x="1019735" y="0"/>
+                  </a:lnTo>
+                  <a:close/>
+                </a:path>
+              </a:pathLst>
+            </a:custGeom>
+            <a:solidFill>
+              <a:schemeClr val="accent2">
+                <a:alpha val="70000"/>
+              </a:schemeClr>
+            </a:solidFill>
+            <a:ln>
+              <a:noFill/>
+            </a:ln>
+            <a:effectLst/>
+          </p:spPr>
+          <p:style>
+            <a:lnRef idx="1">
+              <a:schemeClr val="accent1"/>
+            </a:lnRef>
+            <a:fillRef idx="3">
+              <a:schemeClr val="accent1"/>
+            </a:fillRef>
+            <a:effectRef idx="2">
+              <a:schemeClr val="accent1"/>
+            </a:effectRef>
+            <a:fontRef idx="minor">
+              <a:schemeClr val="lt1"/>
+            </a:fontRef>
+          </p:style>
+        </p:sp>
+        <p:sp>
+          <p:nvSpPr>
+            <p:cNvPr id="33" name="Rectangle 29">
+              <a:extLst>
+                <a:ext uri="{FF2B5EF4-FFF2-40B4-BE49-F238E27FC236}">
+                  <a16:creationId xmlns:a16="http://schemas.microsoft.com/office/drawing/2014/main" id="{2D743765-A245-4349-A5CE-4AB5F078F91E}"/>
+                </a:ext>
+                <a:ext uri="{C183D7F6-B498-43B3-948B-1728B52AA6E4}">
+                  <adec:decorative xmlns:adec="http://schemas.microsoft.com/office/drawing/2017/decorative" val="1"/>
+                </a:ext>
+              </a:extLst>
+            </p:cNvPr>
+            <p:cNvSpPr/>
+            <p:nvPr>
+              <p:extLst>
+                <p:ext uri="{386F3935-93C4-4BCD-93E2-E3B085C9AB24}">
+                  <p16:designElem xmlns:p16="http://schemas.microsoft.com/office/powerpoint/2015/main" val="1"/>
+                </p:ext>
+              </p:extLst>
+            </p:nvPr>
+          </p:nvSpPr>
+          <p:spPr>
+            <a:xfrm>
+              <a:off x="10938999" y="-8467"/>
+              <a:ext cx="1249825" cy="6866467"/>
+            </a:xfrm>
+            <a:custGeom>
+              <a:avLst/>
+              <a:gdLst/>
+              <a:ahLst/>
+              <a:cxnLst/>
+              <a:rect l="l" t="t" r="r" b="b"/>
+              <a:pathLst>
+                <a:path w="1249825" h="6858000">
+                  <a:moveTo>
+                    <a:pt x="0" y="0"/>
+                  </a:moveTo>
+                  <a:lnTo>
+                    <a:pt x="1249825" y="0"/>
+                  </a:lnTo>
+                  <a:lnTo>
+                    <a:pt x="1249825" y="6858000"/>
+                  </a:lnTo>
+                  <a:lnTo>
+                    <a:pt x="1109382" y="6858000"/>
+                  </a:lnTo>
+                  <a:lnTo>
+                    <a:pt x="0" y="0"/>
+                  </a:lnTo>
+                  <a:close/>
+                </a:path>
+              </a:pathLst>
+            </a:custGeom>
+            <a:solidFill>
+              <a:schemeClr val="accent2">
+                <a:lumMod val="75000"/>
+                <a:alpha val="80000"/>
+              </a:schemeClr>
+            </a:solidFill>
+            <a:ln>
+              <a:noFill/>
+            </a:ln>
+            <a:effectLst/>
+          </p:spPr>
+          <p:style>
+            <a:lnRef idx="1">
+              <a:schemeClr val="accent1"/>
+            </a:lnRef>
+            <a:fillRef idx="3">
+              <a:schemeClr val="accent1"/>
+            </a:fillRef>
+            <a:effectRef idx="2">
+              <a:schemeClr val="accent1"/>
+            </a:effectRef>
+            <a:fontRef idx="minor">
+              <a:schemeClr val="lt1"/>
+            </a:fontRef>
+          </p:style>
+        </p:sp>
+        <p:sp>
+          <p:nvSpPr>
+            <p:cNvPr id="34" name="Isosceles Triangle 33">
+              <a:extLst>
+                <a:ext uri="{FF2B5EF4-FFF2-40B4-BE49-F238E27FC236}">
+                  <a16:creationId xmlns:a16="http://schemas.microsoft.com/office/drawing/2014/main" id="{0AF7217B-D042-44D2-9FC7-71FAB6651A47}"/>
+                </a:ext>
+                <a:ext uri="{C183D7F6-B498-43B3-948B-1728B52AA6E4}">
+                  <adec:decorative xmlns:adec="http://schemas.microsoft.com/office/drawing/2017/decorative" val="1"/>
+                </a:ext>
+              </a:extLst>
+            </p:cNvPr>
+            <p:cNvSpPr/>
+            <p:nvPr>
+              <p:extLst>
+                <p:ext uri="{386F3935-93C4-4BCD-93E2-E3B085C9AB24}">
+                  <p16:designElem xmlns:p16="http://schemas.microsoft.com/office/powerpoint/2015/main" val="1"/>
+                </p:ext>
+              </p:extLst>
+            </p:nvPr>
+          </p:nvSpPr>
+          <p:spPr>
+            <a:xfrm>
+              <a:off x="10371666" y="3589867"/>
+              <a:ext cx="1817159" cy="3268133"/>
+            </a:xfrm>
+            <a:prstGeom prst="triangle">
+              <a:avLst>
+                <a:gd name="adj" fmla="val 100000"/>
+              </a:avLst>
+            </a:prstGeom>
+            <a:solidFill>
+              <a:schemeClr val="accent1">
+                <a:lumMod val="75000"/>
+                <a:alpha val="66000"/>
+              </a:schemeClr>
+            </a:solidFill>
+            <a:ln>
+              <a:noFill/>
+            </a:ln>
+            <a:effectLst/>
+          </p:spPr>
+          <p:style>
+            <a:lnRef idx="1">
+              <a:schemeClr val="accent1"/>
+            </a:lnRef>
+            <a:fillRef idx="3">
+              <a:schemeClr val="accent1"/>
+            </a:fillRef>
+            <a:effectRef idx="2">
+              <a:schemeClr val="accent1"/>
+            </a:effectRef>
+            <a:fontRef idx="minor">
+              <a:schemeClr val="lt1"/>
+            </a:fontRef>
+          </p:style>
+        </p:sp>
+        <p:sp>
+          <p:nvSpPr>
+            <p:cNvPr id="35" name="Isosceles Triangle 34">
+              <a:extLst>
+                <a:ext uri="{FF2B5EF4-FFF2-40B4-BE49-F238E27FC236}">
+                  <a16:creationId xmlns:a16="http://schemas.microsoft.com/office/drawing/2014/main" id="{1CC9171B-8BEB-48B1-B9BE-E9584522D074}"/>
+                </a:ext>
+                <a:ext uri="{C183D7F6-B498-43B3-948B-1728B52AA6E4}">
+                  <adec:decorative xmlns:adec="http://schemas.microsoft.com/office/drawing/2017/decorative" val="1"/>
+                </a:ext>
+              </a:extLst>
+            </p:cNvPr>
+            <p:cNvSpPr/>
+            <p:nvPr>
+              <p:extLst>
+                <p:ext uri="{386F3935-93C4-4BCD-93E2-E3B085C9AB24}">
+                  <p16:designElem xmlns:p16="http://schemas.microsoft.com/office/powerpoint/2015/main" val="1"/>
+                </p:ext>
+              </p:extLst>
+            </p:nvPr>
+          </p:nvSpPr>
+          <p:spPr>
+            <a:xfrm>
+              <a:off x="0" y="4013200"/>
+              <a:ext cx="448733" cy="2844800"/>
+            </a:xfrm>
+            <a:prstGeom prst="triangle">
+              <a:avLst>
+                <a:gd name="adj" fmla="val 0"/>
+              </a:avLst>
+            </a:prstGeom>
+            <a:solidFill>
+              <a:schemeClr val="accent1">
+                <a:alpha val="70000"/>
+              </a:schemeClr>
+            </a:solidFill>
+            <a:ln>
+              <a:noFill/>
+            </a:ln>
+            <a:effectLst/>
+          </p:spPr>
+          <p:style>
+            <a:lnRef idx="1">
+              <a:schemeClr val="accent1"/>
+            </a:lnRef>
+            <a:fillRef idx="3">
+              <a:schemeClr val="accent1"/>
+            </a:fillRef>
+            <a:effectRef idx="2">
+              <a:schemeClr val="accent1"/>
+            </a:effectRef>
+            <a:fontRef idx="minor">
+              <a:schemeClr val="lt1"/>
+            </a:fontRef>
+          </p:style>
+        </p:sp>
+      </p:grpSp>
+      <p:pic>
+        <p:nvPicPr>
+          <p:cNvPr id="5" name="Content Placeholder 4" descr="A screenshot of a cell phone&#10;&#10;Description automatically generated">
+            <a:extLst>
+              <a:ext uri="{FF2B5EF4-FFF2-40B4-BE49-F238E27FC236}">
+                <a16:creationId xmlns:a16="http://schemas.microsoft.com/office/drawing/2014/main" id="{24668495-4AAA-428C-87B6-956F6EE7D757}"/>
+              </a:ext>
+            </a:extLst>
+          </p:cNvPr>
+          <p:cNvPicPr>
+            <a:picLocks noGrp="1" noChangeAspect="1"/>
+          </p:cNvPicPr>
+          <p:nvPr>
+            <p:ph idx="1"/>
+          </p:nvPr>
+        </p:nvPicPr>
+        <p:blipFill rotWithShape="1">
+          <a:blip r:embed="rId2"/>
+          <a:srcRect b="48692"/>
+          <a:stretch/>
+        </p:blipFill>
+        <p:spPr>
+          <a:xfrm>
+            <a:off x="638126" y="2040113"/>
+            <a:ext cx="7478946" cy="2657328"/>
+          </a:xfrm>
+          <a:prstGeom prst="rect">
+            <a:avLst/>
+          </a:prstGeom>
+        </p:spPr>
+      </p:pic>
+    </p:spTree>
+    <p:extLst>
+      <p:ext uri="{BB962C8B-B14F-4D97-AF65-F5344CB8AC3E}">
+        <p14:creationId xmlns:p14="http://schemas.microsoft.com/office/powerpoint/2010/main" val="1100453777"/>
+      </p:ext>
+    </p:extLst>
+  </p:cSld>
+  <p:clrMapOvr>
+    <a:masterClrMapping/>
+  </p:clrMapOvr>
+</p:sld>
+</file>
+
+<file path=ppt/slides/slide12.xml><?xml version="1.0" encoding="utf-8"?>
+<p:sld xmlns:a="http://schemas.openxmlformats.org/drawingml/2006/main" xmlns:r="http://schemas.openxmlformats.org/officeDocument/2006/relationships" xmlns:p="http://schemas.openxmlformats.org/presentationml/2006/main">
+  <p:cSld>
+    <p:bg>
+      <p:bgPr>
+        <a:solidFill>
+          <a:schemeClr val="bg1"/>
+        </a:solidFill>
+        <a:effectLst/>
+      </p:bgPr>
+    </p:bg>
+    <p:spTree>
+      <p:nvGrpSpPr>
+        <p:cNvPr id="1" name=""/>
+        <p:cNvGrpSpPr/>
+        <p:nvPr/>
+      </p:nvGrpSpPr>
+      <p:grpSpPr>
+        <a:xfrm>
+          <a:off x="0" y="0"/>
+          <a:ext cx="0" cy="0"/>
+          <a:chOff x="0" y="0"/>
+          <a:chExt cx="0" cy="0"/>
+        </a:xfrm>
+      </p:grpSpPr>
+      <p:grpSp>
+        <p:nvGrpSpPr>
+          <p:cNvPr id="10" name="Group 9">
+            <a:extLst>
+              <a:ext uri="{FF2B5EF4-FFF2-40B4-BE49-F238E27FC236}">
+                <a16:creationId xmlns:a16="http://schemas.microsoft.com/office/drawing/2014/main" id="{4815A7B4-532E-48C9-AC24-D78ACF3339DB}"/>
+              </a:ext>
+              <a:ext uri="{C183D7F6-B498-43B3-948B-1728B52AA6E4}">
+                <adec:decorative xmlns:adec="http://schemas.microsoft.com/office/drawing/2017/decorative" val="1"/>
+              </a:ext>
+            </a:extLst>
+          </p:cNvPr>
+          <p:cNvGrpSpPr>
+            <a:grpSpLocks noGrp="1" noUngrp="1" noRot="1" noChangeAspect="1" noMove="1" noResize="1"/>
+          </p:cNvGrpSpPr>
+          <p:nvPr>
+            <p:extLst>
+              <p:ext uri="{386F3935-93C4-4BCD-93E2-E3B085C9AB24}">
+                <p16:designElem xmlns:p16="http://schemas.microsoft.com/office/powerpoint/2015/main" val="1"/>
+              </p:ext>
+            </p:extLst>
+          </p:nvPr>
+        </p:nvGrpSpPr>
+        <p:grpSpPr>
+          <a:xfrm>
+            <a:off x="0" y="-8467"/>
+            <a:ext cx="12192000" cy="6866467"/>
+            <a:chOff x="0" y="-8467"/>
+            <a:chExt cx="12192000" cy="6866467"/>
+          </a:xfrm>
+        </p:grpSpPr>
+        <p:sp>
+          <p:nvSpPr>
+            <p:cNvPr id="11" name="Freeform 14">
+              <a:extLst>
+                <a:ext uri="{FF2B5EF4-FFF2-40B4-BE49-F238E27FC236}">
+                  <a16:creationId xmlns:a16="http://schemas.microsoft.com/office/drawing/2014/main" id="{D40109F4-CE5C-45F4-856E-F3F69C9FD4E1}"/>
+                </a:ext>
+                <a:ext uri="{C183D7F6-B498-43B3-948B-1728B52AA6E4}">
+                  <adec:decorative xmlns:adec="http://schemas.microsoft.com/office/drawing/2017/decorative" val="1"/>
+                </a:ext>
+              </a:extLst>
+            </p:cNvPr>
+            <p:cNvSpPr/>
+            <p:nvPr>
+              <p:extLst>
+                <p:ext uri="{386F3935-93C4-4BCD-93E2-E3B085C9AB24}">
+                  <p16:designElem xmlns:p16="http://schemas.microsoft.com/office/powerpoint/2015/main" val="1"/>
+                </p:ext>
+              </p:extLst>
+            </p:nvPr>
+          </p:nvSpPr>
+          <p:spPr>
+            <a:xfrm>
+              <a:off x="0" y="-7862"/>
+              <a:ext cx="863600" cy="5698067"/>
+            </a:xfrm>
+            <a:custGeom>
+              <a:avLst/>
+              <a:gdLst/>
+              <a:ahLst/>
+              <a:cxnLst/>
+              <a:rect l="l" t="t" r="r" b="b"/>
+              <a:pathLst>
+                <a:path w="863600" h="5698067">
+                  <a:moveTo>
+                    <a:pt x="0" y="8467"/>
+                  </a:moveTo>
+                  <a:lnTo>
+                    <a:pt x="863600" y="0"/>
+                  </a:lnTo>
+                  <a:lnTo>
+                    <a:pt x="863600" y="16934"/>
+                  </a:lnTo>
+                  <a:lnTo>
+                    <a:pt x="0" y="5698067"/>
+                  </a:lnTo>
+                  <a:lnTo>
+                    <a:pt x="0" y="8467"/>
+                  </a:lnTo>
+                  <a:close/>
+                </a:path>
+              </a:pathLst>
+            </a:custGeom>
+            <a:solidFill>
+              <a:schemeClr val="accent1">
+                <a:alpha val="70000"/>
+              </a:schemeClr>
+            </a:solidFill>
+            <a:ln>
+              <a:noFill/>
+            </a:ln>
+            <a:effectLst/>
+          </p:spPr>
+          <p:style>
+            <a:lnRef idx="1">
+              <a:schemeClr val="accent1"/>
+            </a:lnRef>
+            <a:fillRef idx="3">
+              <a:schemeClr val="accent1"/>
+            </a:fillRef>
+            <a:effectRef idx="2">
+              <a:schemeClr val="accent1"/>
+            </a:effectRef>
+            <a:fontRef idx="minor">
+              <a:schemeClr val="lt1"/>
+            </a:fontRef>
+          </p:style>
+        </p:sp>
+        <p:cxnSp>
+          <p:nvCxnSpPr>
+            <p:cNvPr id="12" name="Straight Connector 11">
+              <a:extLst>
+                <a:ext uri="{FF2B5EF4-FFF2-40B4-BE49-F238E27FC236}">
+                  <a16:creationId xmlns:a16="http://schemas.microsoft.com/office/drawing/2014/main" id="{3CBAA4DE-3D7B-460B-AE98-D9F9990C0B62}"/>
+                </a:ext>
+                <a:ext uri="{C183D7F6-B498-43B3-948B-1728B52AA6E4}">
+                  <adec:decorative xmlns:adec="http://schemas.microsoft.com/office/drawing/2017/decorative" val="1"/>
+                </a:ext>
+              </a:extLst>
+            </p:cNvPr>
+            <p:cNvCxnSpPr/>
+            <p:nvPr>
+              <p:extLst>
+                <p:ext uri="{386F3935-93C4-4BCD-93E2-E3B085C9AB24}">
+                  <p16:designElem xmlns:p16="http://schemas.microsoft.com/office/powerpoint/2015/main" val="1"/>
+                </p:ext>
+              </p:extLst>
+            </p:nvPr>
+          </p:nvCxnSpPr>
+          <p:spPr>
+            <a:xfrm>
+              <a:off x="9371012" y="0"/>
+              <a:ext cx="1219200" cy="6858000"/>
+            </a:xfrm>
+            <a:prstGeom prst="line">
+              <a:avLst/>
+            </a:prstGeom>
+            <a:ln w="9525">
+              <a:solidFill>
+                <a:schemeClr val="accent1">
+                  <a:alpha val="70000"/>
+                </a:schemeClr>
+              </a:solidFill>
+            </a:ln>
+          </p:spPr>
+          <p:style>
+            <a:lnRef idx="2">
+              <a:schemeClr val="accent1"/>
+            </a:lnRef>
+            <a:fillRef idx="0">
+              <a:schemeClr val="accent1"/>
+            </a:fillRef>
+            <a:effectRef idx="1">
+              <a:schemeClr val="accent1"/>
+            </a:effectRef>
+            <a:fontRef idx="minor">
+              <a:schemeClr val="tx1"/>
+            </a:fontRef>
+          </p:style>
+        </p:cxnSp>
+        <p:cxnSp>
+          <p:nvCxnSpPr>
+            <p:cNvPr id="13" name="Straight Connector 12">
+              <a:extLst>
+                <a:ext uri="{FF2B5EF4-FFF2-40B4-BE49-F238E27FC236}">
+                  <a16:creationId xmlns:a16="http://schemas.microsoft.com/office/drawing/2014/main" id="{7BF1ED3E-4F80-4AF6-A41B-44F53DDE610D}"/>
+                </a:ext>
+                <a:ext uri="{C183D7F6-B498-43B3-948B-1728B52AA6E4}">
+                  <adec:decorative xmlns:adec="http://schemas.microsoft.com/office/drawing/2017/decorative" val="1"/>
+                </a:ext>
+              </a:extLst>
+            </p:cNvPr>
+            <p:cNvCxnSpPr/>
+            <p:nvPr>
+              <p:extLst>
+                <p:ext uri="{386F3935-93C4-4BCD-93E2-E3B085C9AB24}">
+                  <p16:designElem xmlns:p16="http://schemas.microsoft.com/office/powerpoint/2015/main" val="1"/>
+                </p:ext>
+              </p:extLst>
+            </p:nvPr>
+          </p:nvCxnSpPr>
+          <p:spPr>
+            <a:xfrm flipH="1">
+              <a:off x="7425267" y="3681413"/>
+              <a:ext cx="4763558" cy="3176587"/>
+            </a:xfrm>
+            <a:prstGeom prst="line">
+              <a:avLst/>
+            </a:prstGeom>
+            <a:ln w="9525">
+              <a:solidFill>
+                <a:schemeClr val="accent1">
+                  <a:alpha val="70000"/>
+                </a:schemeClr>
+              </a:solidFill>
+            </a:ln>
+          </p:spPr>
+          <p:style>
+            <a:lnRef idx="2">
+              <a:schemeClr val="accent1"/>
+            </a:lnRef>
+            <a:fillRef idx="0">
+              <a:schemeClr val="accent1"/>
+            </a:fillRef>
+            <a:effectRef idx="1">
+              <a:schemeClr val="accent1"/>
+            </a:effectRef>
+            <a:fontRef idx="minor">
+              <a:schemeClr val="tx1"/>
+            </a:fontRef>
+          </p:style>
+        </p:cxnSp>
+        <p:sp>
+          <p:nvSpPr>
+            <p:cNvPr id="14" name="Rectangle 23">
+              <a:extLst>
+                <a:ext uri="{FF2B5EF4-FFF2-40B4-BE49-F238E27FC236}">
+                  <a16:creationId xmlns:a16="http://schemas.microsoft.com/office/drawing/2014/main" id="{C0B2D747-3E31-45C5-9A98-A9710A585FBB}"/>
+                </a:ext>
+                <a:ext uri="{C183D7F6-B498-43B3-948B-1728B52AA6E4}">
+                  <adec:decorative xmlns:adec="http://schemas.microsoft.com/office/drawing/2017/decorative" val="1"/>
+                </a:ext>
+              </a:extLst>
+            </p:cNvPr>
+            <p:cNvSpPr/>
+            <p:nvPr>
+              <p:extLst>
+                <p:ext uri="{386F3935-93C4-4BCD-93E2-E3B085C9AB24}">
+                  <p16:designElem xmlns:p16="http://schemas.microsoft.com/office/powerpoint/2015/main" val="1"/>
+                </p:ext>
+              </p:extLst>
+            </p:nvPr>
+          </p:nvSpPr>
+          <p:spPr>
+            <a:xfrm>
+              <a:off x="9181476" y="-8467"/>
+              <a:ext cx="3007349" cy="6866467"/>
+            </a:xfrm>
+            <a:custGeom>
+              <a:avLst/>
+              <a:gdLst/>
+              <a:ahLst/>
+              <a:cxnLst/>
+              <a:rect l="l" t="t" r="r" b="b"/>
+              <a:pathLst>
+                <a:path w="3007349" h="6866467">
+                  <a:moveTo>
+                    <a:pt x="2045532" y="0"/>
+                  </a:moveTo>
+                  <a:lnTo>
+                    <a:pt x="3007349" y="0"/>
+                  </a:lnTo>
+                  <a:lnTo>
+                    <a:pt x="3007349" y="6866467"/>
+                  </a:lnTo>
+                  <a:lnTo>
+                    <a:pt x="0" y="6866467"/>
+                  </a:lnTo>
+                  <a:lnTo>
+                    <a:pt x="2045532" y="0"/>
+                  </a:lnTo>
+                  <a:close/>
+                </a:path>
+              </a:pathLst>
+            </a:custGeom>
+            <a:solidFill>
+              <a:schemeClr val="accent1">
+                <a:alpha val="36000"/>
+              </a:schemeClr>
+            </a:solidFill>
+            <a:ln>
+              <a:noFill/>
+            </a:ln>
+            <a:effectLst/>
+          </p:spPr>
+          <p:style>
+            <a:lnRef idx="1">
+              <a:schemeClr val="accent1"/>
+            </a:lnRef>
+            <a:fillRef idx="3">
+              <a:schemeClr val="accent1"/>
+            </a:fillRef>
+            <a:effectRef idx="2">
+              <a:schemeClr val="accent1"/>
+            </a:effectRef>
+            <a:fontRef idx="minor">
+              <a:schemeClr val="lt1"/>
+            </a:fontRef>
+          </p:style>
+        </p:sp>
+        <p:sp>
+          <p:nvSpPr>
+            <p:cNvPr id="15" name="Rectangle 25">
+              <a:extLst>
+                <a:ext uri="{FF2B5EF4-FFF2-40B4-BE49-F238E27FC236}">
+                  <a16:creationId xmlns:a16="http://schemas.microsoft.com/office/drawing/2014/main" id="{A15FD4BA-3020-462D-8BE8-B3A65B8E492A}"/>
+                </a:ext>
+                <a:ext uri="{C183D7F6-B498-43B3-948B-1728B52AA6E4}">
+                  <adec:decorative xmlns:adec="http://schemas.microsoft.com/office/drawing/2017/decorative" val="1"/>
+                </a:ext>
+              </a:extLst>
+            </p:cNvPr>
+            <p:cNvSpPr/>
+            <p:nvPr>
+              <p:extLst>
+                <p:ext uri="{386F3935-93C4-4BCD-93E2-E3B085C9AB24}">
+                  <p16:designElem xmlns:p16="http://schemas.microsoft.com/office/powerpoint/2015/main" val="1"/>
+                </p:ext>
+              </p:extLst>
+            </p:nvPr>
+          </p:nvSpPr>
+          <p:spPr>
+            <a:xfrm>
+              <a:off x="9603442" y="-8467"/>
+              <a:ext cx="2588558" cy="6866467"/>
+            </a:xfrm>
+            <a:custGeom>
+              <a:avLst/>
+              <a:gdLst/>
+              <a:ahLst/>
+              <a:cxnLst/>
+              <a:rect l="l" t="t" r="r" b="b"/>
+              <a:pathLst>
+                <a:path w="2573311" h="6866467">
+                  <a:moveTo>
+                    <a:pt x="0" y="0"/>
+                  </a:moveTo>
+                  <a:lnTo>
+                    <a:pt x="2573311" y="0"/>
+                  </a:lnTo>
+                  <a:lnTo>
+                    <a:pt x="2573311" y="6866467"/>
+                  </a:lnTo>
+                  <a:lnTo>
+                    <a:pt x="1202336" y="6866467"/>
+                  </a:lnTo>
+                  <a:lnTo>
+                    <a:pt x="0" y="0"/>
+                  </a:lnTo>
+                  <a:close/>
+                </a:path>
+              </a:pathLst>
+            </a:custGeom>
+            <a:solidFill>
+              <a:schemeClr val="accent1">
+                <a:alpha val="20000"/>
+              </a:schemeClr>
+            </a:solidFill>
+            <a:ln>
+              <a:noFill/>
+            </a:ln>
+            <a:effectLst/>
+          </p:spPr>
+          <p:style>
+            <a:lnRef idx="1">
+              <a:schemeClr val="accent1"/>
+            </a:lnRef>
+            <a:fillRef idx="3">
+              <a:schemeClr val="accent1"/>
+            </a:fillRef>
+            <a:effectRef idx="2">
+              <a:schemeClr val="accent1"/>
+            </a:effectRef>
+            <a:fontRef idx="minor">
+              <a:schemeClr val="lt1"/>
+            </a:fontRef>
+          </p:style>
+        </p:sp>
+        <p:sp>
+          <p:nvSpPr>
+            <p:cNvPr id="16" name="Isosceles Triangle 15">
+              <a:extLst>
+                <a:ext uri="{FF2B5EF4-FFF2-40B4-BE49-F238E27FC236}">
+                  <a16:creationId xmlns:a16="http://schemas.microsoft.com/office/drawing/2014/main" id="{A304284A-7318-4DD5-898C-2F6B23C778FA}"/>
+                </a:ext>
+                <a:ext uri="{C183D7F6-B498-43B3-948B-1728B52AA6E4}">
+                  <adec:decorative xmlns:adec="http://schemas.microsoft.com/office/drawing/2017/decorative" val="1"/>
+                </a:ext>
+              </a:extLst>
+            </p:cNvPr>
+            <p:cNvSpPr/>
+            <p:nvPr>
+              <p:extLst>
+                <p:ext uri="{386F3935-93C4-4BCD-93E2-E3B085C9AB24}">
+                  <p16:designElem xmlns:p16="http://schemas.microsoft.com/office/powerpoint/2015/main" val="1"/>
+                </p:ext>
+              </p:extLst>
+            </p:nvPr>
+          </p:nvSpPr>
+          <p:spPr>
+            <a:xfrm>
+              <a:off x="8932333" y="3048000"/>
+              <a:ext cx="3259667" cy="3810000"/>
+            </a:xfrm>
+            <a:prstGeom prst="triangle">
+              <a:avLst>
+                <a:gd name="adj" fmla="val 100000"/>
+              </a:avLst>
+            </a:prstGeom>
+            <a:solidFill>
+              <a:schemeClr val="accent1">
+                <a:lumMod val="75000"/>
+                <a:alpha val="66000"/>
+              </a:schemeClr>
+            </a:solidFill>
+            <a:ln>
+              <a:noFill/>
+            </a:ln>
+            <a:effectLst/>
+          </p:spPr>
+          <p:style>
+            <a:lnRef idx="1">
+              <a:schemeClr val="accent1"/>
+            </a:lnRef>
+            <a:fillRef idx="3">
+              <a:schemeClr val="accent1"/>
+            </a:fillRef>
+            <a:effectRef idx="2">
+              <a:schemeClr val="accent1"/>
+            </a:effectRef>
+            <a:fontRef idx="minor">
+              <a:schemeClr val="lt1"/>
+            </a:fontRef>
+          </p:style>
+        </p:sp>
+        <p:sp>
+          <p:nvSpPr>
+            <p:cNvPr id="17" name="Rectangle 27">
+              <a:extLst>
+                <a:ext uri="{FF2B5EF4-FFF2-40B4-BE49-F238E27FC236}">
+                  <a16:creationId xmlns:a16="http://schemas.microsoft.com/office/drawing/2014/main" id="{9DF48E66-B635-4509-B115-E0987C014EBC}"/>
+                </a:ext>
+                <a:ext uri="{C183D7F6-B498-43B3-948B-1728B52AA6E4}">
+                  <adec:decorative xmlns:adec="http://schemas.microsoft.com/office/drawing/2017/decorative" val="1"/>
+                </a:ext>
+              </a:extLst>
+            </p:cNvPr>
+            <p:cNvSpPr/>
+            <p:nvPr>
+              <p:extLst>
+                <p:ext uri="{386F3935-93C4-4BCD-93E2-E3B085C9AB24}">
+                  <p16:designElem xmlns:p16="http://schemas.microsoft.com/office/powerpoint/2015/main" val="1"/>
+                </p:ext>
+              </p:extLst>
+            </p:nvPr>
+          </p:nvSpPr>
+          <p:spPr>
+            <a:xfrm>
+              <a:off x="9334500" y="-8467"/>
+              <a:ext cx="2854326" cy="6866467"/>
+            </a:xfrm>
+            <a:custGeom>
+              <a:avLst/>
+              <a:gdLst/>
+              <a:ahLst/>
+              <a:cxnLst/>
+              <a:rect l="l" t="t" r="r" b="b"/>
+              <a:pathLst>
+                <a:path w="2858013" h="6866467">
+                  <a:moveTo>
+                    <a:pt x="0" y="0"/>
+                  </a:moveTo>
+                  <a:lnTo>
+                    <a:pt x="2858013" y="0"/>
+                  </a:lnTo>
+                  <a:lnTo>
+                    <a:pt x="2858013" y="6866467"/>
+                  </a:lnTo>
+                  <a:lnTo>
+                    <a:pt x="2473942" y="6866467"/>
+                  </a:lnTo>
+                  <a:lnTo>
+                    <a:pt x="0" y="0"/>
+                  </a:lnTo>
+                  <a:close/>
+                </a:path>
+              </a:pathLst>
+            </a:custGeom>
+            <a:solidFill>
+              <a:schemeClr val="accent1">
+                <a:lumMod val="75000"/>
+                <a:alpha val="50000"/>
+              </a:schemeClr>
+            </a:solidFill>
+            <a:ln>
+              <a:noFill/>
+            </a:ln>
+            <a:effectLst/>
+          </p:spPr>
+          <p:style>
+            <a:lnRef idx="1">
+              <a:schemeClr val="accent1"/>
+            </a:lnRef>
+            <a:fillRef idx="3">
+              <a:schemeClr val="accent1"/>
+            </a:fillRef>
+            <a:effectRef idx="2">
+              <a:schemeClr val="accent1"/>
+            </a:effectRef>
+            <a:fontRef idx="minor">
+              <a:schemeClr val="lt1"/>
+            </a:fontRef>
+          </p:style>
+        </p:sp>
+        <p:sp>
+          <p:nvSpPr>
+            <p:cNvPr id="18" name="Rectangle 28">
+              <a:extLst>
+                <a:ext uri="{FF2B5EF4-FFF2-40B4-BE49-F238E27FC236}">
+                  <a16:creationId xmlns:a16="http://schemas.microsoft.com/office/drawing/2014/main" id="{E3B96D94-5F5A-4F4C-810C-917BF4D266C3}"/>
+                </a:ext>
+                <a:ext uri="{C183D7F6-B498-43B3-948B-1728B52AA6E4}">
+                  <adec:decorative xmlns:adec="http://schemas.microsoft.com/office/drawing/2017/decorative" val="1"/>
+                </a:ext>
+              </a:extLst>
+            </p:cNvPr>
+            <p:cNvSpPr/>
+            <p:nvPr>
+              <p:extLst>
+                <p:ext uri="{386F3935-93C4-4BCD-93E2-E3B085C9AB24}">
+                  <p16:designElem xmlns:p16="http://schemas.microsoft.com/office/powerpoint/2015/main" val="1"/>
+                </p:ext>
+              </p:extLst>
+            </p:nvPr>
+          </p:nvSpPr>
+          <p:spPr>
+            <a:xfrm>
+              <a:off x="10898730" y="-8467"/>
+              <a:ext cx="1290094" cy="6866467"/>
+            </a:xfrm>
+            <a:custGeom>
+              <a:avLst/>
+              <a:gdLst/>
+              <a:ahLst/>
+              <a:cxnLst/>
+              <a:rect l="l" t="t" r="r" b="b"/>
+              <a:pathLst>
+                <a:path w="1290094" h="6858000">
+                  <a:moveTo>
+                    <a:pt x="1019735" y="0"/>
+                  </a:moveTo>
+                  <a:lnTo>
+                    <a:pt x="1290094" y="0"/>
+                  </a:lnTo>
+                  <a:lnTo>
+                    <a:pt x="1290094" y="6858000"/>
+                  </a:lnTo>
+                  <a:lnTo>
+                    <a:pt x="0" y="6858000"/>
+                  </a:lnTo>
+                  <a:lnTo>
+                    <a:pt x="1019735" y="0"/>
+                  </a:lnTo>
+                  <a:close/>
+                </a:path>
+              </a:pathLst>
+            </a:custGeom>
+            <a:solidFill>
+              <a:schemeClr val="accent2">
+                <a:alpha val="70000"/>
+              </a:schemeClr>
+            </a:solidFill>
+            <a:ln>
+              <a:noFill/>
+            </a:ln>
+            <a:effectLst/>
+          </p:spPr>
+          <p:style>
+            <a:lnRef idx="1">
+              <a:schemeClr val="accent1"/>
+            </a:lnRef>
+            <a:fillRef idx="3">
+              <a:schemeClr val="accent1"/>
+            </a:fillRef>
+            <a:effectRef idx="2">
+              <a:schemeClr val="accent1"/>
+            </a:effectRef>
+            <a:fontRef idx="minor">
+              <a:schemeClr val="lt1"/>
+            </a:fontRef>
+          </p:style>
+        </p:sp>
+        <p:sp>
+          <p:nvSpPr>
+            <p:cNvPr id="19" name="Rectangle 29">
+              <a:extLst>
+                <a:ext uri="{FF2B5EF4-FFF2-40B4-BE49-F238E27FC236}">
+                  <a16:creationId xmlns:a16="http://schemas.microsoft.com/office/drawing/2014/main" id="{7F3782D6-BFF8-4389-9D39-A023ADAA92C1}"/>
+                </a:ext>
+                <a:ext uri="{C183D7F6-B498-43B3-948B-1728B52AA6E4}">
+                  <adec:decorative xmlns:adec="http://schemas.microsoft.com/office/drawing/2017/decorative" val="1"/>
+                </a:ext>
+              </a:extLst>
+            </p:cNvPr>
+            <p:cNvSpPr/>
+            <p:nvPr>
+              <p:extLst>
+                <p:ext uri="{386F3935-93C4-4BCD-93E2-E3B085C9AB24}">
+                  <p16:designElem xmlns:p16="http://schemas.microsoft.com/office/powerpoint/2015/main" val="1"/>
+                </p:ext>
+              </p:extLst>
+            </p:nvPr>
+          </p:nvSpPr>
+          <p:spPr>
+            <a:xfrm>
+              <a:off x="10938999" y="-8467"/>
+              <a:ext cx="1249825" cy="6866467"/>
+            </a:xfrm>
+            <a:custGeom>
+              <a:avLst/>
+              <a:gdLst/>
+              <a:ahLst/>
+              <a:cxnLst/>
+              <a:rect l="l" t="t" r="r" b="b"/>
+              <a:pathLst>
+                <a:path w="1249825" h="6858000">
+                  <a:moveTo>
+                    <a:pt x="0" y="0"/>
+                  </a:moveTo>
+                  <a:lnTo>
+                    <a:pt x="1249825" y="0"/>
+                  </a:lnTo>
+                  <a:lnTo>
+                    <a:pt x="1249825" y="6858000"/>
+                  </a:lnTo>
+                  <a:lnTo>
+                    <a:pt x="1109382" y="6858000"/>
+                  </a:lnTo>
+                  <a:lnTo>
+                    <a:pt x="0" y="0"/>
+                  </a:lnTo>
+                  <a:close/>
+                </a:path>
+              </a:pathLst>
+            </a:custGeom>
+            <a:solidFill>
+              <a:schemeClr val="accent2">
+                <a:lumMod val="75000"/>
+                <a:alpha val="80000"/>
+              </a:schemeClr>
+            </a:solidFill>
+            <a:ln>
+              <a:noFill/>
+            </a:ln>
+            <a:effectLst/>
+          </p:spPr>
+          <p:style>
+            <a:lnRef idx="1">
+              <a:schemeClr val="accent1"/>
+            </a:lnRef>
+            <a:fillRef idx="3">
+              <a:schemeClr val="accent1"/>
+            </a:fillRef>
+            <a:effectRef idx="2">
+              <a:schemeClr val="accent1"/>
+            </a:effectRef>
+            <a:fontRef idx="minor">
+              <a:schemeClr val="lt1"/>
+            </a:fontRef>
+          </p:style>
+        </p:sp>
+        <p:sp>
+          <p:nvSpPr>
+            <p:cNvPr id="20" name="Isosceles Triangle 19">
+              <a:extLst>
+                <a:ext uri="{FF2B5EF4-FFF2-40B4-BE49-F238E27FC236}">
+                  <a16:creationId xmlns:a16="http://schemas.microsoft.com/office/drawing/2014/main" id="{ECE162D4-FCAE-441B-B5E9-C91DE62124EF}"/>
+                </a:ext>
+                <a:ext uri="{C183D7F6-B498-43B3-948B-1728B52AA6E4}">
+                  <adec:decorative xmlns:adec="http://schemas.microsoft.com/office/drawing/2017/decorative" val="1"/>
+                </a:ext>
+              </a:extLst>
+            </p:cNvPr>
+            <p:cNvSpPr/>
+            <p:nvPr>
+              <p:extLst>
+                <p:ext uri="{386F3935-93C4-4BCD-93E2-E3B085C9AB24}">
+                  <p16:designElem xmlns:p16="http://schemas.microsoft.com/office/powerpoint/2015/main" val="1"/>
+                </p:ext>
+              </p:extLst>
+            </p:nvPr>
+          </p:nvSpPr>
+          <p:spPr>
+            <a:xfrm>
+              <a:off x="10371666" y="3589867"/>
+              <a:ext cx="1817159" cy="3268133"/>
+            </a:xfrm>
+            <a:prstGeom prst="triangle">
+              <a:avLst>
+                <a:gd name="adj" fmla="val 100000"/>
+              </a:avLst>
+            </a:prstGeom>
+            <a:solidFill>
+              <a:schemeClr val="accent1">
+                <a:lumMod val="75000"/>
+                <a:alpha val="66000"/>
+              </a:schemeClr>
+            </a:solidFill>
+            <a:ln>
+              <a:noFill/>
+            </a:ln>
+            <a:effectLst/>
+          </p:spPr>
+          <p:style>
+            <a:lnRef idx="1">
+              <a:schemeClr val="accent1"/>
+            </a:lnRef>
+            <a:fillRef idx="3">
+              <a:schemeClr val="accent1"/>
+            </a:fillRef>
+            <a:effectRef idx="2">
+              <a:schemeClr val="accent1"/>
+            </a:effectRef>
+            <a:fontRef idx="minor">
+              <a:schemeClr val="lt1"/>
+            </a:fontRef>
+          </p:style>
+        </p:sp>
+      </p:grpSp>
+      <p:sp>
+        <p:nvSpPr>
+          <p:cNvPr id="2" name="Title 1">
+            <a:extLst>
+              <a:ext uri="{FF2B5EF4-FFF2-40B4-BE49-F238E27FC236}">
+                <a16:creationId xmlns:a16="http://schemas.microsoft.com/office/drawing/2014/main" id="{02571633-4D57-46C0-A431-D6305670E635}"/>
+              </a:ext>
+            </a:extLst>
+          </p:cNvPr>
+          <p:cNvSpPr>
+            <a:spLocks noGrp="1"/>
+          </p:cNvSpPr>
+          <p:nvPr>
+            <p:ph type="title"/>
+          </p:nvPr>
+        </p:nvSpPr>
+        <p:spPr>
+          <a:xfrm>
+            <a:off x="985969" y="4553712"/>
+            <a:ext cx="8288032" cy="1096316"/>
+          </a:xfrm>
+        </p:spPr>
+        <p:txBody>
+          <a:bodyPr vert="horz" lIns="91440" tIns="45720" rIns="91440" bIns="45720" rtlCol="0" anchor="b">
+            <a:normAutofit/>
+          </a:bodyPr>
+          <a:lstStyle/>
+          <a:p>
+            <a:pPr algn="ctr"/>
+            <a:r>
+              <a:rPr lang="en-US" sz="4800"/>
+              <a:t>Relational Operators</a:t>
+            </a:r>
+          </a:p>
+        </p:txBody>
+      </p:sp>
+      <p:pic>
+        <p:nvPicPr>
+          <p:cNvPr id="5" name="Content Placeholder 4" descr="A screenshot of a cell phone&#10;&#10;Description automatically generated">
+            <a:extLst>
+              <a:ext uri="{FF2B5EF4-FFF2-40B4-BE49-F238E27FC236}">
+                <a16:creationId xmlns:a16="http://schemas.microsoft.com/office/drawing/2014/main" id="{B68BA11A-3E53-4C85-9248-715DD590AC7F}"/>
+              </a:ext>
+            </a:extLst>
+          </p:cNvPr>
+          <p:cNvPicPr>
+            <a:picLocks noGrp="1" noChangeAspect="1"/>
+          </p:cNvPicPr>
+          <p:nvPr>
+            <p:ph idx="1"/>
+          </p:nvPr>
+        </p:nvPicPr>
+        <p:blipFill>
+          <a:blip r:embed="rId2"/>
+          <a:stretch>
+            <a:fillRect/>
+          </a:stretch>
+        </p:blipFill>
+        <p:spPr>
+          <a:xfrm>
+            <a:off x="1563012" y="934222"/>
+            <a:ext cx="7133945" cy="3299450"/>
+          </a:xfrm>
+          <a:prstGeom prst="rect">
+            <a:avLst/>
+          </a:prstGeom>
+        </p:spPr>
+      </p:pic>
+    </p:spTree>
+    <p:extLst>
+      <p:ext uri="{BB962C8B-B14F-4D97-AF65-F5344CB8AC3E}">
+        <p14:creationId xmlns:p14="http://schemas.microsoft.com/office/powerpoint/2010/main" val="2954317718"/>
+      </p:ext>
+    </p:extLst>
+  </p:cSld>
+  <p:clrMapOvr>
+    <a:masterClrMapping/>
+  </p:clrMapOvr>
+</p:sld>
+</file>
+
+<file path=ppt/slides/slide13.xml><?xml version="1.0" encoding="utf-8"?>
+<p:sld xmlns:a="http://schemas.openxmlformats.org/drawingml/2006/main" xmlns:r="http://schemas.openxmlformats.org/officeDocument/2006/relationships" xmlns:p="http://schemas.openxmlformats.org/presentationml/2006/main">
+  <p:cSld>
+    <p:bg>
+      <p:bgPr>
+        <a:solidFill>
+          <a:schemeClr val="bg1"/>
+        </a:solidFill>
+        <a:effectLst/>
+      </p:bgPr>
+    </p:bg>
+    <p:spTree>
+      <p:nvGrpSpPr>
+        <p:cNvPr id="1" name=""/>
+        <p:cNvGrpSpPr/>
+        <p:nvPr/>
+      </p:nvGrpSpPr>
+      <p:grpSpPr>
+        <a:xfrm>
+          <a:off x="0" y="0"/>
+          <a:ext cx="0" cy="0"/>
+          <a:chOff x="0" y="0"/>
+          <a:chExt cx="0" cy="0"/>
+        </a:xfrm>
+      </p:grpSpPr>
+      <p:grpSp>
+        <p:nvGrpSpPr>
+          <p:cNvPr id="25" name="Group 24">
+            <a:extLst>
+              <a:ext uri="{FF2B5EF4-FFF2-40B4-BE49-F238E27FC236}">
+                <a16:creationId xmlns:a16="http://schemas.microsoft.com/office/drawing/2014/main" id="{A4D026A2-7476-44B0-9648-BB98882F7BA3}"/>
+              </a:ext>
+              <a:ext uri="{C183D7F6-B498-43B3-948B-1728B52AA6E4}">
+                <adec:decorative xmlns:adec="http://schemas.microsoft.com/office/drawing/2017/decorative" val="1"/>
+              </a:ext>
+            </a:extLst>
+          </p:cNvPr>
+          <p:cNvGrpSpPr>
+            <a:grpSpLocks noGrp="1" noUngrp="1" noRot="1" noChangeAspect="1" noMove="1" noResize="1"/>
+          </p:cNvGrpSpPr>
+          <p:nvPr>
+            <p:extLst>
+              <p:ext uri="{386F3935-93C4-4BCD-93E2-E3B085C9AB24}">
+                <p16:designElem xmlns:p16="http://schemas.microsoft.com/office/powerpoint/2015/main" val="1"/>
+              </p:ext>
+            </p:extLst>
+          </p:nvPr>
+        </p:nvGrpSpPr>
+        <p:grpSpPr>
+          <a:xfrm>
+            <a:off x="0" y="-8467"/>
+            <a:ext cx="12192000" cy="6866467"/>
+            <a:chOff x="0" y="-8467"/>
+            <a:chExt cx="12192000" cy="6866467"/>
+          </a:xfrm>
+        </p:grpSpPr>
+        <p:cxnSp>
+          <p:nvCxnSpPr>
+            <p:cNvPr id="26" name="Straight Connector 25">
+              <a:extLst>
+                <a:ext uri="{FF2B5EF4-FFF2-40B4-BE49-F238E27FC236}">
+                  <a16:creationId xmlns:a16="http://schemas.microsoft.com/office/drawing/2014/main" id="{48F8FC21-0A44-4045-95A1-B7935DBC603D}"/>
+                </a:ext>
+                <a:ext uri="{C183D7F6-B498-43B3-948B-1728B52AA6E4}">
+                  <adec:decorative xmlns:adec="http://schemas.microsoft.com/office/drawing/2017/decorative" val="1"/>
+                </a:ext>
+              </a:extLst>
+            </p:cNvPr>
+            <p:cNvCxnSpPr/>
+            <p:nvPr>
+              <p:extLst>
+                <p:ext uri="{386F3935-93C4-4BCD-93E2-E3B085C9AB24}">
+                  <p16:designElem xmlns:p16="http://schemas.microsoft.com/office/powerpoint/2015/main" val="1"/>
+                </p:ext>
+              </p:extLst>
+            </p:nvPr>
+          </p:nvCxnSpPr>
+          <p:spPr>
+            <a:xfrm>
+              <a:off x="9371012" y="0"/>
+              <a:ext cx="1219200" cy="6858000"/>
+            </a:xfrm>
+            <a:prstGeom prst="line">
+              <a:avLst/>
+            </a:prstGeom>
+            <a:ln w="9525">
+              <a:solidFill>
+                <a:schemeClr val="accent1">
+                  <a:alpha val="70000"/>
+                </a:schemeClr>
+              </a:solidFill>
+            </a:ln>
+          </p:spPr>
+          <p:style>
+            <a:lnRef idx="2">
+              <a:schemeClr val="accent1"/>
+            </a:lnRef>
+            <a:fillRef idx="0">
+              <a:schemeClr val="accent1"/>
+            </a:fillRef>
+            <a:effectRef idx="1">
+              <a:schemeClr val="accent1"/>
+            </a:effectRef>
+            <a:fontRef idx="minor">
+              <a:schemeClr val="tx1"/>
+            </a:fontRef>
+          </p:style>
+        </p:cxnSp>
+        <p:cxnSp>
+          <p:nvCxnSpPr>
+            <p:cNvPr id="27" name="Straight Connector 26">
+              <a:extLst>
+                <a:ext uri="{FF2B5EF4-FFF2-40B4-BE49-F238E27FC236}">
+                  <a16:creationId xmlns:a16="http://schemas.microsoft.com/office/drawing/2014/main" id="{0209B962-CD29-4D46-A7B0-10F6C7CF1C0F}"/>
+                </a:ext>
+                <a:ext uri="{C183D7F6-B498-43B3-948B-1728B52AA6E4}">
+                  <adec:decorative xmlns:adec="http://schemas.microsoft.com/office/drawing/2017/decorative" val="1"/>
+                </a:ext>
+              </a:extLst>
+            </p:cNvPr>
+            <p:cNvCxnSpPr/>
+            <p:nvPr>
+              <p:extLst>
+                <p:ext uri="{386F3935-93C4-4BCD-93E2-E3B085C9AB24}">
+                  <p16:designElem xmlns:p16="http://schemas.microsoft.com/office/powerpoint/2015/main" val="1"/>
+                </p:ext>
+              </p:extLst>
+            </p:nvPr>
+          </p:nvCxnSpPr>
+          <p:spPr>
+            <a:xfrm flipH="1">
+              <a:off x="7425267" y="3681413"/>
+              <a:ext cx="4763558" cy="3176587"/>
+            </a:xfrm>
+            <a:prstGeom prst="line">
+              <a:avLst/>
+            </a:prstGeom>
+            <a:ln w="9525">
+              <a:solidFill>
+                <a:schemeClr val="accent1">
+                  <a:alpha val="70000"/>
+                </a:schemeClr>
+              </a:solidFill>
+            </a:ln>
+          </p:spPr>
+          <p:style>
+            <a:lnRef idx="2">
+              <a:schemeClr val="accent1"/>
+            </a:lnRef>
+            <a:fillRef idx="0">
+              <a:schemeClr val="accent1"/>
+            </a:fillRef>
+            <a:effectRef idx="1">
+              <a:schemeClr val="accent1"/>
+            </a:effectRef>
+            <a:fontRef idx="minor">
+              <a:schemeClr val="tx1"/>
+            </a:fontRef>
+          </p:style>
+        </p:cxnSp>
+        <p:sp>
+          <p:nvSpPr>
+            <p:cNvPr id="28" name="Rectangle 23">
+              <a:extLst>
+                <a:ext uri="{FF2B5EF4-FFF2-40B4-BE49-F238E27FC236}">
+                  <a16:creationId xmlns:a16="http://schemas.microsoft.com/office/drawing/2014/main" id="{CC8D40CF-4D47-411D-A8B7-0E4B29E9832B}"/>
+                </a:ext>
+                <a:ext uri="{C183D7F6-B498-43B3-948B-1728B52AA6E4}">
+                  <adec:decorative xmlns:adec="http://schemas.microsoft.com/office/drawing/2017/decorative" val="1"/>
+                </a:ext>
+              </a:extLst>
+            </p:cNvPr>
+            <p:cNvSpPr/>
+            <p:nvPr>
+              <p:extLst>
+                <p:ext uri="{386F3935-93C4-4BCD-93E2-E3B085C9AB24}">
+                  <p16:designElem xmlns:p16="http://schemas.microsoft.com/office/powerpoint/2015/main" val="1"/>
+                </p:ext>
+              </p:extLst>
+            </p:nvPr>
+          </p:nvSpPr>
+          <p:spPr>
+            <a:xfrm>
+              <a:off x="9181476" y="-8467"/>
+              <a:ext cx="3007349" cy="6866467"/>
+            </a:xfrm>
+            <a:custGeom>
+              <a:avLst/>
+              <a:gdLst/>
+              <a:ahLst/>
+              <a:cxnLst/>
+              <a:rect l="l" t="t" r="r" b="b"/>
+              <a:pathLst>
+                <a:path w="3007349" h="6866467">
+                  <a:moveTo>
+                    <a:pt x="2045532" y="0"/>
+                  </a:moveTo>
+                  <a:lnTo>
+                    <a:pt x="3007349" y="0"/>
+                  </a:lnTo>
+                  <a:lnTo>
+                    <a:pt x="3007349" y="6866467"/>
+                  </a:lnTo>
+                  <a:lnTo>
+                    <a:pt x="0" y="6866467"/>
+                  </a:lnTo>
+                  <a:lnTo>
+                    <a:pt x="2045532" y="0"/>
+                  </a:lnTo>
+                  <a:close/>
+                </a:path>
+              </a:pathLst>
+            </a:custGeom>
+            <a:solidFill>
+              <a:schemeClr val="accent1">
+                <a:alpha val="36000"/>
+              </a:schemeClr>
+            </a:solidFill>
+            <a:ln>
+              <a:noFill/>
+            </a:ln>
+            <a:effectLst/>
+          </p:spPr>
+          <p:style>
+            <a:lnRef idx="1">
+              <a:schemeClr val="accent1"/>
+            </a:lnRef>
+            <a:fillRef idx="3">
+              <a:schemeClr val="accent1"/>
+            </a:fillRef>
+            <a:effectRef idx="2">
+              <a:schemeClr val="accent1"/>
+            </a:effectRef>
+            <a:fontRef idx="minor">
+              <a:schemeClr val="lt1"/>
+            </a:fontRef>
+          </p:style>
+        </p:sp>
+        <p:sp>
+          <p:nvSpPr>
+            <p:cNvPr id="29" name="Rectangle 25">
+              <a:extLst>
+                <a:ext uri="{FF2B5EF4-FFF2-40B4-BE49-F238E27FC236}">
+                  <a16:creationId xmlns:a16="http://schemas.microsoft.com/office/drawing/2014/main" id="{9B48A2AD-5257-4384-A7F5-A1EE4E6883A5}"/>
+                </a:ext>
+                <a:ext uri="{C183D7F6-B498-43B3-948B-1728B52AA6E4}">
+                  <adec:decorative xmlns:adec="http://schemas.microsoft.com/office/drawing/2017/decorative" val="1"/>
+                </a:ext>
+              </a:extLst>
+            </p:cNvPr>
+            <p:cNvSpPr/>
+            <p:nvPr>
+              <p:extLst>
+                <p:ext uri="{386F3935-93C4-4BCD-93E2-E3B085C9AB24}">
+                  <p16:designElem xmlns:p16="http://schemas.microsoft.com/office/powerpoint/2015/main" val="1"/>
+                </p:ext>
+              </p:extLst>
+            </p:nvPr>
+          </p:nvSpPr>
+          <p:spPr>
+            <a:xfrm>
+              <a:off x="9603442" y="-8467"/>
+              <a:ext cx="2588558" cy="6866467"/>
+            </a:xfrm>
+            <a:custGeom>
+              <a:avLst/>
+              <a:gdLst/>
+              <a:ahLst/>
+              <a:cxnLst/>
+              <a:rect l="l" t="t" r="r" b="b"/>
+              <a:pathLst>
+                <a:path w="2573311" h="6866467">
+                  <a:moveTo>
+                    <a:pt x="0" y="0"/>
+                  </a:moveTo>
+                  <a:lnTo>
+                    <a:pt x="2573311" y="0"/>
+                  </a:lnTo>
+                  <a:lnTo>
+                    <a:pt x="2573311" y="6866467"/>
+                  </a:lnTo>
+                  <a:lnTo>
+                    <a:pt x="1202336" y="6866467"/>
+                  </a:lnTo>
+                  <a:lnTo>
+                    <a:pt x="0" y="0"/>
+                  </a:lnTo>
+                  <a:close/>
+                </a:path>
+              </a:pathLst>
+            </a:custGeom>
+            <a:solidFill>
+              <a:schemeClr val="accent1">
+                <a:alpha val="20000"/>
+              </a:schemeClr>
+            </a:solidFill>
+            <a:ln>
+              <a:noFill/>
+            </a:ln>
+            <a:effectLst/>
+          </p:spPr>
+          <p:style>
+            <a:lnRef idx="1">
+              <a:schemeClr val="accent1"/>
+            </a:lnRef>
+            <a:fillRef idx="3">
+              <a:schemeClr val="accent1"/>
+            </a:fillRef>
+            <a:effectRef idx="2">
+              <a:schemeClr val="accent1"/>
+            </a:effectRef>
+            <a:fontRef idx="minor">
+              <a:schemeClr val="lt1"/>
+            </a:fontRef>
+          </p:style>
+        </p:sp>
+        <p:sp>
+          <p:nvSpPr>
+            <p:cNvPr id="30" name="Isosceles Triangle 29">
+              <a:extLst>
+                <a:ext uri="{FF2B5EF4-FFF2-40B4-BE49-F238E27FC236}">
+                  <a16:creationId xmlns:a16="http://schemas.microsoft.com/office/drawing/2014/main" id="{04C26DE3-844C-47DA-831E-E7D7BF617EC2}"/>
+                </a:ext>
+                <a:ext uri="{C183D7F6-B498-43B3-948B-1728B52AA6E4}">
+                  <adec:decorative xmlns:adec="http://schemas.microsoft.com/office/drawing/2017/decorative" val="1"/>
+                </a:ext>
+              </a:extLst>
+            </p:cNvPr>
+            <p:cNvSpPr/>
+            <p:nvPr>
+              <p:extLst>
+                <p:ext uri="{386F3935-93C4-4BCD-93E2-E3B085C9AB24}">
+                  <p16:designElem xmlns:p16="http://schemas.microsoft.com/office/powerpoint/2015/main" val="1"/>
+                </p:ext>
+              </p:extLst>
+            </p:nvPr>
+          </p:nvSpPr>
+          <p:spPr>
+            <a:xfrm>
+              <a:off x="8932333" y="3048000"/>
+              <a:ext cx="3259667" cy="3810000"/>
+            </a:xfrm>
+            <a:prstGeom prst="triangle">
+              <a:avLst>
+                <a:gd name="adj" fmla="val 100000"/>
+              </a:avLst>
+            </a:prstGeom>
+            <a:solidFill>
+              <a:schemeClr val="accent1">
+                <a:lumMod val="75000"/>
+                <a:alpha val="66000"/>
+              </a:schemeClr>
+            </a:solidFill>
+            <a:ln>
+              <a:noFill/>
+            </a:ln>
+            <a:effectLst/>
+          </p:spPr>
+          <p:style>
+            <a:lnRef idx="1">
+              <a:schemeClr val="accent1"/>
+            </a:lnRef>
+            <a:fillRef idx="3">
+              <a:schemeClr val="accent1"/>
+            </a:fillRef>
+            <a:effectRef idx="2">
+              <a:schemeClr val="accent1"/>
+            </a:effectRef>
+            <a:fontRef idx="minor">
+              <a:schemeClr val="lt1"/>
+            </a:fontRef>
+          </p:style>
+        </p:sp>
+        <p:sp>
+          <p:nvSpPr>
+            <p:cNvPr id="31" name="Rectangle 27">
+              <a:extLst>
+                <a:ext uri="{FF2B5EF4-FFF2-40B4-BE49-F238E27FC236}">
+                  <a16:creationId xmlns:a16="http://schemas.microsoft.com/office/drawing/2014/main" id="{922D975E-0684-4AA6-9FB7-929B250D5389}"/>
+                </a:ext>
+                <a:ext uri="{C183D7F6-B498-43B3-948B-1728B52AA6E4}">
+                  <adec:decorative xmlns:adec="http://schemas.microsoft.com/office/drawing/2017/decorative" val="1"/>
+                </a:ext>
+              </a:extLst>
+            </p:cNvPr>
+            <p:cNvSpPr/>
+            <p:nvPr>
+              <p:extLst>
+                <p:ext uri="{386F3935-93C4-4BCD-93E2-E3B085C9AB24}">
+                  <p16:designElem xmlns:p16="http://schemas.microsoft.com/office/powerpoint/2015/main" val="1"/>
+                </p:ext>
+              </p:extLst>
+            </p:nvPr>
+          </p:nvSpPr>
+          <p:spPr>
+            <a:xfrm>
+              <a:off x="9334500" y="-8467"/>
+              <a:ext cx="2854326" cy="6866467"/>
+            </a:xfrm>
+            <a:custGeom>
+              <a:avLst/>
+              <a:gdLst/>
+              <a:ahLst/>
+              <a:cxnLst/>
+              <a:rect l="l" t="t" r="r" b="b"/>
+              <a:pathLst>
+                <a:path w="2858013" h="6866467">
+                  <a:moveTo>
+                    <a:pt x="0" y="0"/>
+                  </a:moveTo>
+                  <a:lnTo>
+                    <a:pt x="2858013" y="0"/>
+                  </a:lnTo>
+                  <a:lnTo>
+                    <a:pt x="2858013" y="6866467"/>
+                  </a:lnTo>
+                  <a:lnTo>
+                    <a:pt x="2473942" y="6866467"/>
+                  </a:lnTo>
+                  <a:lnTo>
+                    <a:pt x="0" y="0"/>
+                  </a:lnTo>
+                  <a:close/>
+                </a:path>
+              </a:pathLst>
+            </a:custGeom>
+            <a:solidFill>
+              <a:schemeClr val="accent1">
+                <a:lumMod val="75000"/>
+                <a:alpha val="50000"/>
+              </a:schemeClr>
+            </a:solidFill>
+            <a:ln>
+              <a:noFill/>
+            </a:ln>
+            <a:effectLst/>
+          </p:spPr>
+          <p:style>
+            <a:lnRef idx="1">
+              <a:schemeClr val="accent1"/>
+            </a:lnRef>
+            <a:fillRef idx="3">
+              <a:schemeClr val="accent1"/>
+            </a:fillRef>
+            <a:effectRef idx="2">
+              <a:schemeClr val="accent1"/>
+            </a:effectRef>
+            <a:fontRef idx="minor">
+              <a:schemeClr val="lt1"/>
+            </a:fontRef>
+          </p:style>
+        </p:sp>
+        <p:sp>
+          <p:nvSpPr>
+            <p:cNvPr id="32" name="Rectangle 28">
+              <a:extLst>
+                <a:ext uri="{FF2B5EF4-FFF2-40B4-BE49-F238E27FC236}">
+                  <a16:creationId xmlns:a16="http://schemas.microsoft.com/office/drawing/2014/main" id="{38ED5A9A-F0C7-4547-BC1E-22FC89BD26D1}"/>
+                </a:ext>
+                <a:ext uri="{C183D7F6-B498-43B3-948B-1728B52AA6E4}">
+                  <adec:decorative xmlns:adec="http://schemas.microsoft.com/office/drawing/2017/decorative" val="1"/>
+                </a:ext>
+              </a:extLst>
+            </p:cNvPr>
+            <p:cNvSpPr/>
+            <p:nvPr>
+              <p:extLst>
+                <p:ext uri="{386F3935-93C4-4BCD-93E2-E3B085C9AB24}">
+                  <p16:designElem xmlns:p16="http://schemas.microsoft.com/office/powerpoint/2015/main" val="1"/>
+                </p:ext>
+              </p:extLst>
+            </p:nvPr>
+          </p:nvSpPr>
+          <p:spPr>
+            <a:xfrm>
+              <a:off x="10898730" y="-8467"/>
+              <a:ext cx="1290094" cy="6866467"/>
+            </a:xfrm>
+            <a:custGeom>
+              <a:avLst/>
+              <a:gdLst/>
+              <a:ahLst/>
+              <a:cxnLst/>
+              <a:rect l="l" t="t" r="r" b="b"/>
+              <a:pathLst>
+                <a:path w="1290094" h="6858000">
+                  <a:moveTo>
+                    <a:pt x="1019735" y="0"/>
+                  </a:moveTo>
+                  <a:lnTo>
+                    <a:pt x="1290094" y="0"/>
+                  </a:lnTo>
+                  <a:lnTo>
+                    <a:pt x="1290094" y="6858000"/>
+                  </a:lnTo>
+                  <a:lnTo>
+                    <a:pt x="0" y="6858000"/>
+                  </a:lnTo>
+                  <a:lnTo>
+                    <a:pt x="1019735" y="0"/>
+                  </a:lnTo>
+                  <a:close/>
+                </a:path>
+              </a:pathLst>
+            </a:custGeom>
+            <a:solidFill>
+              <a:schemeClr val="accent2">
+                <a:alpha val="70000"/>
+              </a:schemeClr>
+            </a:solidFill>
+            <a:ln>
+              <a:noFill/>
+            </a:ln>
+            <a:effectLst/>
+          </p:spPr>
+          <p:style>
+            <a:lnRef idx="1">
+              <a:schemeClr val="accent1"/>
+            </a:lnRef>
+            <a:fillRef idx="3">
+              <a:schemeClr val="accent1"/>
+            </a:fillRef>
+            <a:effectRef idx="2">
+              <a:schemeClr val="accent1"/>
+            </a:effectRef>
+            <a:fontRef idx="minor">
+              <a:schemeClr val="lt1"/>
+            </a:fontRef>
+          </p:style>
+        </p:sp>
+        <p:sp>
+          <p:nvSpPr>
+            <p:cNvPr id="33" name="Rectangle 29">
+              <a:extLst>
+                <a:ext uri="{FF2B5EF4-FFF2-40B4-BE49-F238E27FC236}">
+                  <a16:creationId xmlns:a16="http://schemas.microsoft.com/office/drawing/2014/main" id="{2D743765-A245-4349-A5CE-4AB5F078F91E}"/>
+                </a:ext>
+                <a:ext uri="{C183D7F6-B498-43B3-948B-1728B52AA6E4}">
+                  <adec:decorative xmlns:adec="http://schemas.microsoft.com/office/drawing/2017/decorative" val="1"/>
+                </a:ext>
+              </a:extLst>
+            </p:cNvPr>
+            <p:cNvSpPr/>
+            <p:nvPr>
+              <p:extLst>
+                <p:ext uri="{386F3935-93C4-4BCD-93E2-E3B085C9AB24}">
+                  <p16:designElem xmlns:p16="http://schemas.microsoft.com/office/powerpoint/2015/main" val="1"/>
+                </p:ext>
+              </p:extLst>
+            </p:nvPr>
+          </p:nvSpPr>
+          <p:spPr>
+            <a:xfrm>
+              <a:off x="10938999" y="-8467"/>
+              <a:ext cx="1249825" cy="6866467"/>
+            </a:xfrm>
+            <a:custGeom>
+              <a:avLst/>
+              <a:gdLst/>
+              <a:ahLst/>
+              <a:cxnLst/>
+              <a:rect l="l" t="t" r="r" b="b"/>
+              <a:pathLst>
+                <a:path w="1249825" h="6858000">
+                  <a:moveTo>
+                    <a:pt x="0" y="0"/>
+                  </a:moveTo>
+                  <a:lnTo>
+                    <a:pt x="1249825" y="0"/>
+                  </a:lnTo>
+                  <a:lnTo>
+                    <a:pt x="1249825" y="6858000"/>
+                  </a:lnTo>
+                  <a:lnTo>
+                    <a:pt x="1109382" y="6858000"/>
+                  </a:lnTo>
+                  <a:lnTo>
+                    <a:pt x="0" y="0"/>
+                  </a:lnTo>
+                  <a:close/>
+                </a:path>
+              </a:pathLst>
+            </a:custGeom>
+            <a:solidFill>
+              <a:schemeClr val="accent2">
+                <a:lumMod val="75000"/>
+                <a:alpha val="80000"/>
+              </a:schemeClr>
+            </a:solidFill>
+            <a:ln>
+              <a:noFill/>
+            </a:ln>
+            <a:effectLst/>
+          </p:spPr>
+          <p:style>
+            <a:lnRef idx="1">
+              <a:schemeClr val="accent1"/>
+            </a:lnRef>
+            <a:fillRef idx="3">
+              <a:schemeClr val="accent1"/>
+            </a:fillRef>
+            <a:effectRef idx="2">
+              <a:schemeClr val="accent1"/>
+            </a:effectRef>
+            <a:fontRef idx="minor">
+              <a:schemeClr val="lt1"/>
+            </a:fontRef>
+          </p:style>
+        </p:sp>
+        <p:sp>
+          <p:nvSpPr>
+            <p:cNvPr id="34" name="Isosceles Triangle 33">
+              <a:extLst>
+                <a:ext uri="{FF2B5EF4-FFF2-40B4-BE49-F238E27FC236}">
+                  <a16:creationId xmlns:a16="http://schemas.microsoft.com/office/drawing/2014/main" id="{0AF7217B-D042-44D2-9FC7-71FAB6651A47}"/>
+                </a:ext>
+                <a:ext uri="{C183D7F6-B498-43B3-948B-1728B52AA6E4}">
+                  <adec:decorative xmlns:adec="http://schemas.microsoft.com/office/drawing/2017/decorative" val="1"/>
+                </a:ext>
+              </a:extLst>
+            </p:cNvPr>
+            <p:cNvSpPr/>
+            <p:nvPr>
+              <p:extLst>
+                <p:ext uri="{386F3935-93C4-4BCD-93E2-E3B085C9AB24}">
+                  <p16:designElem xmlns:p16="http://schemas.microsoft.com/office/powerpoint/2015/main" val="1"/>
+                </p:ext>
+              </p:extLst>
+            </p:nvPr>
+          </p:nvSpPr>
+          <p:spPr>
+            <a:xfrm>
+              <a:off x="10371666" y="3589867"/>
+              <a:ext cx="1817159" cy="3268133"/>
+            </a:xfrm>
+            <a:prstGeom prst="triangle">
+              <a:avLst>
+                <a:gd name="adj" fmla="val 100000"/>
+              </a:avLst>
+            </a:prstGeom>
+            <a:solidFill>
+              <a:schemeClr val="accent1">
+                <a:lumMod val="75000"/>
+                <a:alpha val="66000"/>
+              </a:schemeClr>
+            </a:solidFill>
+            <a:ln>
+              <a:noFill/>
+            </a:ln>
+            <a:effectLst/>
+          </p:spPr>
+          <p:style>
+            <a:lnRef idx="1">
+              <a:schemeClr val="accent1"/>
+            </a:lnRef>
+            <a:fillRef idx="3">
+              <a:schemeClr val="accent1"/>
+            </a:fillRef>
+            <a:effectRef idx="2">
+              <a:schemeClr val="accent1"/>
+            </a:effectRef>
+            <a:fontRef idx="minor">
+              <a:schemeClr val="lt1"/>
+            </a:fontRef>
+          </p:style>
+        </p:sp>
+        <p:sp>
+          <p:nvSpPr>
+            <p:cNvPr id="35" name="Isosceles Triangle 34">
+              <a:extLst>
+                <a:ext uri="{FF2B5EF4-FFF2-40B4-BE49-F238E27FC236}">
+                  <a16:creationId xmlns:a16="http://schemas.microsoft.com/office/drawing/2014/main" id="{1CC9171B-8BEB-48B1-B9BE-E9584522D074}"/>
+                </a:ext>
+                <a:ext uri="{C183D7F6-B498-43B3-948B-1728B52AA6E4}">
+                  <adec:decorative xmlns:adec="http://schemas.microsoft.com/office/drawing/2017/decorative" val="1"/>
+                </a:ext>
+              </a:extLst>
+            </p:cNvPr>
+            <p:cNvSpPr/>
+            <p:nvPr>
+              <p:extLst>
+                <p:ext uri="{386F3935-93C4-4BCD-93E2-E3B085C9AB24}">
+                  <p16:designElem xmlns:p16="http://schemas.microsoft.com/office/powerpoint/2015/main" val="1"/>
+                </p:ext>
+              </p:extLst>
+            </p:nvPr>
+          </p:nvSpPr>
+          <p:spPr>
+            <a:xfrm>
+              <a:off x="0" y="4013200"/>
+              <a:ext cx="448733" cy="2844800"/>
+            </a:xfrm>
+            <a:prstGeom prst="triangle">
+              <a:avLst>
+                <a:gd name="adj" fmla="val 0"/>
+              </a:avLst>
+            </a:prstGeom>
+            <a:solidFill>
+              <a:schemeClr val="accent1">
+                <a:alpha val="70000"/>
+              </a:schemeClr>
+            </a:solidFill>
+            <a:ln>
+              <a:noFill/>
+            </a:ln>
+            <a:effectLst/>
+          </p:spPr>
+          <p:style>
+            <a:lnRef idx="1">
+              <a:schemeClr val="accent1"/>
+            </a:lnRef>
+            <a:fillRef idx="3">
+              <a:schemeClr val="accent1"/>
+            </a:fillRef>
+            <a:effectRef idx="2">
+              <a:schemeClr val="accent1"/>
+            </a:effectRef>
+            <a:fontRef idx="minor">
+              <a:schemeClr val="lt1"/>
+            </a:fontRef>
+          </p:style>
+        </p:sp>
+      </p:grpSp>
+      <p:pic>
+        <p:nvPicPr>
+          <p:cNvPr id="5" name="Content Placeholder 4" descr="A screenshot of a cell phone&#10;&#10;Description automatically generated">
+            <a:extLst>
+              <a:ext uri="{FF2B5EF4-FFF2-40B4-BE49-F238E27FC236}">
+                <a16:creationId xmlns:a16="http://schemas.microsoft.com/office/drawing/2014/main" id="{D2AAC767-0B95-4ADC-B423-A46D87804B25}"/>
+              </a:ext>
+            </a:extLst>
+          </p:cNvPr>
+          <p:cNvPicPr>
+            <a:picLocks noGrp="1" noChangeAspect="1"/>
+          </p:cNvPicPr>
+          <p:nvPr>
+            <p:ph idx="1"/>
+          </p:nvPr>
+        </p:nvPicPr>
+        <p:blipFill>
+          <a:blip r:embed="rId2"/>
+          <a:stretch>
+            <a:fillRect/>
+          </a:stretch>
+        </p:blipFill>
+        <p:spPr>
+          <a:xfrm>
+            <a:off x="1977338" y="1066377"/>
+            <a:ext cx="6139733" cy="4604800"/>
+          </a:xfrm>
+          <a:prstGeom prst="rect">
+            <a:avLst/>
+          </a:prstGeom>
+        </p:spPr>
+      </p:pic>
+    </p:spTree>
+    <p:extLst>
+      <p:ext uri="{BB962C8B-B14F-4D97-AF65-F5344CB8AC3E}">
+        <p14:creationId xmlns:p14="http://schemas.microsoft.com/office/powerpoint/2010/main" val="1219639411"/>
+      </p:ext>
+    </p:extLst>
+  </p:cSld>
+  <p:clrMapOvr>
+    <a:masterClrMapping/>
+  </p:clrMapOvr>
+</p:sld>
+</file>
+
+<file path=ppt/slides/slide14.xml><?xml version="1.0" encoding="utf-8"?>
+<p:sld xmlns:a="http://schemas.openxmlformats.org/drawingml/2006/main" xmlns:r="http://schemas.openxmlformats.org/officeDocument/2006/relationships" xmlns:p="http://schemas.openxmlformats.org/presentationml/2006/main">
+  <p:cSld>
+    <p:bg>
+      <p:bgPr>
+        <a:solidFill>
+          <a:schemeClr val="bg1"/>
+        </a:solidFill>
+        <a:effectLst/>
+      </p:bgPr>
+    </p:bg>
+    <p:spTree>
+      <p:nvGrpSpPr>
+        <p:cNvPr id="1" name=""/>
+        <p:cNvGrpSpPr/>
+        <p:nvPr/>
+      </p:nvGrpSpPr>
+      <p:grpSpPr>
+        <a:xfrm>
+          <a:off x="0" y="0"/>
+          <a:ext cx="0" cy="0"/>
+          <a:chOff x="0" y="0"/>
+          <a:chExt cx="0" cy="0"/>
+        </a:xfrm>
+      </p:grpSpPr>
+      <p:grpSp>
+        <p:nvGrpSpPr>
+          <p:cNvPr id="27" name="Group 26">
+            <a:extLst>
+              <a:ext uri="{FF2B5EF4-FFF2-40B4-BE49-F238E27FC236}">
+                <a16:creationId xmlns:a16="http://schemas.microsoft.com/office/drawing/2014/main" id="{A4D026A2-7476-44B0-9648-BB98882F7BA3}"/>
+              </a:ext>
+              <a:ext uri="{C183D7F6-B498-43B3-948B-1728B52AA6E4}">
+                <adec:decorative xmlns:adec="http://schemas.microsoft.com/office/drawing/2017/decorative" val="1"/>
+              </a:ext>
+            </a:extLst>
+          </p:cNvPr>
+          <p:cNvGrpSpPr>
+            <a:grpSpLocks noGrp="1" noUngrp="1" noRot="1" noChangeAspect="1" noMove="1" noResize="1"/>
+          </p:cNvGrpSpPr>
+          <p:nvPr>
+            <p:extLst>
+              <p:ext uri="{386F3935-93C4-4BCD-93E2-E3B085C9AB24}">
+                <p16:designElem xmlns:p16="http://schemas.microsoft.com/office/powerpoint/2015/main" val="1"/>
+              </p:ext>
+            </p:extLst>
+          </p:nvPr>
+        </p:nvGrpSpPr>
+        <p:grpSpPr>
+          <a:xfrm>
+            <a:off x="0" y="-8467"/>
+            <a:ext cx="12192000" cy="6866467"/>
+            <a:chOff x="0" y="-8467"/>
+            <a:chExt cx="12192000" cy="6866467"/>
+          </a:xfrm>
+        </p:grpSpPr>
+        <p:cxnSp>
+          <p:nvCxnSpPr>
+            <p:cNvPr id="28" name="Straight Connector 27">
+              <a:extLst>
+                <a:ext uri="{FF2B5EF4-FFF2-40B4-BE49-F238E27FC236}">
+                  <a16:creationId xmlns:a16="http://schemas.microsoft.com/office/drawing/2014/main" id="{48F8FC21-0A44-4045-95A1-B7935DBC603D}"/>
+                </a:ext>
+                <a:ext uri="{C183D7F6-B498-43B3-948B-1728B52AA6E4}">
+                  <adec:decorative xmlns:adec="http://schemas.microsoft.com/office/drawing/2017/decorative" val="1"/>
+                </a:ext>
+              </a:extLst>
+            </p:cNvPr>
+            <p:cNvCxnSpPr/>
+            <p:nvPr>
+              <p:extLst>
+                <p:ext uri="{386F3935-93C4-4BCD-93E2-E3B085C9AB24}">
+                  <p16:designElem xmlns:p16="http://schemas.microsoft.com/office/powerpoint/2015/main" val="1"/>
+                </p:ext>
+              </p:extLst>
+            </p:nvPr>
+          </p:nvCxnSpPr>
+          <p:spPr>
+            <a:xfrm>
+              <a:off x="9371012" y="0"/>
+              <a:ext cx="1219200" cy="6858000"/>
+            </a:xfrm>
+            <a:prstGeom prst="line">
+              <a:avLst/>
+            </a:prstGeom>
+            <a:ln w="9525">
+              <a:solidFill>
+                <a:schemeClr val="accent1">
+                  <a:alpha val="70000"/>
+                </a:schemeClr>
+              </a:solidFill>
+            </a:ln>
+          </p:spPr>
+          <p:style>
+            <a:lnRef idx="2">
+              <a:schemeClr val="accent1"/>
+            </a:lnRef>
+            <a:fillRef idx="0">
+              <a:schemeClr val="accent1"/>
+            </a:fillRef>
+            <a:effectRef idx="1">
+              <a:schemeClr val="accent1"/>
+            </a:effectRef>
+            <a:fontRef idx="minor">
+              <a:schemeClr val="tx1"/>
+            </a:fontRef>
+          </p:style>
+        </p:cxnSp>
+        <p:cxnSp>
+          <p:nvCxnSpPr>
+            <p:cNvPr id="29" name="Straight Connector 28">
+              <a:extLst>
+                <a:ext uri="{FF2B5EF4-FFF2-40B4-BE49-F238E27FC236}">
+                  <a16:creationId xmlns:a16="http://schemas.microsoft.com/office/drawing/2014/main" id="{0209B962-CD29-4D46-A7B0-10F6C7CF1C0F}"/>
+                </a:ext>
+                <a:ext uri="{C183D7F6-B498-43B3-948B-1728B52AA6E4}">
+                  <adec:decorative xmlns:adec="http://schemas.microsoft.com/office/drawing/2017/decorative" val="1"/>
+                </a:ext>
+              </a:extLst>
+            </p:cNvPr>
+            <p:cNvCxnSpPr/>
+            <p:nvPr>
+              <p:extLst>
+                <p:ext uri="{386F3935-93C4-4BCD-93E2-E3B085C9AB24}">
+                  <p16:designElem xmlns:p16="http://schemas.microsoft.com/office/powerpoint/2015/main" val="1"/>
+                </p:ext>
+              </p:extLst>
+            </p:nvPr>
+          </p:nvCxnSpPr>
+          <p:spPr>
+            <a:xfrm flipH="1">
+              <a:off x="7425267" y="3681413"/>
+              <a:ext cx="4763558" cy="3176587"/>
+            </a:xfrm>
+            <a:prstGeom prst="line">
+              <a:avLst/>
+            </a:prstGeom>
+            <a:ln w="9525">
+              <a:solidFill>
+                <a:schemeClr val="accent1">
+                  <a:alpha val="70000"/>
+                </a:schemeClr>
+              </a:solidFill>
+            </a:ln>
+          </p:spPr>
+          <p:style>
+            <a:lnRef idx="2">
+              <a:schemeClr val="accent1"/>
+            </a:lnRef>
+            <a:fillRef idx="0">
+              <a:schemeClr val="accent1"/>
+            </a:fillRef>
+            <a:effectRef idx="1">
+              <a:schemeClr val="accent1"/>
+            </a:effectRef>
+            <a:fontRef idx="minor">
+              <a:schemeClr val="tx1"/>
+            </a:fontRef>
+          </p:style>
+        </p:cxnSp>
+        <p:sp>
+          <p:nvSpPr>
+            <p:cNvPr id="30" name="Rectangle 23">
+              <a:extLst>
+                <a:ext uri="{FF2B5EF4-FFF2-40B4-BE49-F238E27FC236}">
+                  <a16:creationId xmlns:a16="http://schemas.microsoft.com/office/drawing/2014/main" id="{CC8D40CF-4D47-411D-A8B7-0E4B29E9832B}"/>
+                </a:ext>
+                <a:ext uri="{C183D7F6-B498-43B3-948B-1728B52AA6E4}">
+                  <adec:decorative xmlns:adec="http://schemas.microsoft.com/office/drawing/2017/decorative" val="1"/>
+                </a:ext>
+              </a:extLst>
+            </p:cNvPr>
+            <p:cNvSpPr/>
+            <p:nvPr>
+              <p:extLst>
+                <p:ext uri="{386F3935-93C4-4BCD-93E2-E3B085C9AB24}">
+                  <p16:designElem xmlns:p16="http://schemas.microsoft.com/office/powerpoint/2015/main" val="1"/>
+                </p:ext>
+              </p:extLst>
+            </p:nvPr>
+          </p:nvSpPr>
+          <p:spPr>
+            <a:xfrm>
+              <a:off x="9181476" y="-8467"/>
+              <a:ext cx="3007349" cy="6866467"/>
+            </a:xfrm>
+            <a:custGeom>
+              <a:avLst/>
+              <a:gdLst/>
+              <a:ahLst/>
+              <a:cxnLst/>
+              <a:rect l="l" t="t" r="r" b="b"/>
+              <a:pathLst>
+                <a:path w="3007349" h="6866467">
+                  <a:moveTo>
+                    <a:pt x="2045532" y="0"/>
+                  </a:moveTo>
+                  <a:lnTo>
+                    <a:pt x="3007349" y="0"/>
+                  </a:lnTo>
+                  <a:lnTo>
+                    <a:pt x="3007349" y="6866467"/>
+                  </a:lnTo>
+                  <a:lnTo>
+                    <a:pt x="0" y="6866467"/>
+                  </a:lnTo>
+                  <a:lnTo>
+                    <a:pt x="2045532" y="0"/>
+                  </a:lnTo>
+                  <a:close/>
+                </a:path>
+              </a:pathLst>
+            </a:custGeom>
+            <a:solidFill>
+              <a:schemeClr val="accent1">
+                <a:alpha val="36000"/>
+              </a:schemeClr>
+            </a:solidFill>
+            <a:ln>
+              <a:noFill/>
+            </a:ln>
+            <a:effectLst/>
+          </p:spPr>
+          <p:style>
+            <a:lnRef idx="1">
+              <a:schemeClr val="accent1"/>
+            </a:lnRef>
+            <a:fillRef idx="3">
+              <a:schemeClr val="accent1"/>
+            </a:fillRef>
+            <a:effectRef idx="2">
+              <a:schemeClr val="accent1"/>
+            </a:effectRef>
+            <a:fontRef idx="minor">
+              <a:schemeClr val="lt1"/>
+            </a:fontRef>
+          </p:style>
+        </p:sp>
+        <p:sp>
+          <p:nvSpPr>
+            <p:cNvPr id="31" name="Rectangle 25">
+              <a:extLst>
+                <a:ext uri="{FF2B5EF4-FFF2-40B4-BE49-F238E27FC236}">
+                  <a16:creationId xmlns:a16="http://schemas.microsoft.com/office/drawing/2014/main" id="{9B48A2AD-5257-4384-A7F5-A1EE4E6883A5}"/>
+                </a:ext>
+                <a:ext uri="{C183D7F6-B498-43B3-948B-1728B52AA6E4}">
+                  <adec:decorative xmlns:adec="http://schemas.microsoft.com/office/drawing/2017/decorative" val="1"/>
+                </a:ext>
+              </a:extLst>
+            </p:cNvPr>
+            <p:cNvSpPr/>
+            <p:nvPr>
+              <p:extLst>
+                <p:ext uri="{386F3935-93C4-4BCD-93E2-E3B085C9AB24}">
+                  <p16:designElem xmlns:p16="http://schemas.microsoft.com/office/powerpoint/2015/main" val="1"/>
+                </p:ext>
+              </p:extLst>
+            </p:nvPr>
+          </p:nvSpPr>
+          <p:spPr>
+            <a:xfrm>
+              <a:off x="9603442" y="-8467"/>
+              <a:ext cx="2588558" cy="6866467"/>
+            </a:xfrm>
+            <a:custGeom>
+              <a:avLst/>
+              <a:gdLst/>
+              <a:ahLst/>
+              <a:cxnLst/>
+              <a:rect l="l" t="t" r="r" b="b"/>
+              <a:pathLst>
+                <a:path w="2573311" h="6866467">
+                  <a:moveTo>
+                    <a:pt x="0" y="0"/>
+                  </a:moveTo>
+                  <a:lnTo>
+                    <a:pt x="2573311" y="0"/>
+                  </a:lnTo>
+                  <a:lnTo>
+                    <a:pt x="2573311" y="6866467"/>
+                  </a:lnTo>
+                  <a:lnTo>
+                    <a:pt x="1202336" y="6866467"/>
+                  </a:lnTo>
+                  <a:lnTo>
+                    <a:pt x="0" y="0"/>
+                  </a:lnTo>
+                  <a:close/>
+                </a:path>
+              </a:pathLst>
+            </a:custGeom>
+            <a:solidFill>
+              <a:schemeClr val="accent1">
+                <a:alpha val="20000"/>
+              </a:schemeClr>
+            </a:solidFill>
+            <a:ln>
+              <a:noFill/>
+            </a:ln>
+            <a:effectLst/>
+          </p:spPr>
+          <p:style>
+            <a:lnRef idx="1">
+              <a:schemeClr val="accent1"/>
+            </a:lnRef>
+            <a:fillRef idx="3">
+              <a:schemeClr val="accent1"/>
+            </a:fillRef>
+            <a:effectRef idx="2">
+              <a:schemeClr val="accent1"/>
+            </a:effectRef>
+            <a:fontRef idx="minor">
+              <a:schemeClr val="lt1"/>
+            </a:fontRef>
+          </p:style>
+        </p:sp>
+        <p:sp>
+          <p:nvSpPr>
+            <p:cNvPr id="32" name="Isosceles Triangle 31">
+              <a:extLst>
+                <a:ext uri="{FF2B5EF4-FFF2-40B4-BE49-F238E27FC236}">
+                  <a16:creationId xmlns:a16="http://schemas.microsoft.com/office/drawing/2014/main" id="{04C26DE3-844C-47DA-831E-E7D7BF617EC2}"/>
+                </a:ext>
+                <a:ext uri="{C183D7F6-B498-43B3-948B-1728B52AA6E4}">
+                  <adec:decorative xmlns:adec="http://schemas.microsoft.com/office/drawing/2017/decorative" val="1"/>
+                </a:ext>
+              </a:extLst>
+            </p:cNvPr>
+            <p:cNvSpPr/>
+            <p:nvPr>
+              <p:extLst>
+                <p:ext uri="{386F3935-93C4-4BCD-93E2-E3B085C9AB24}">
+                  <p16:designElem xmlns:p16="http://schemas.microsoft.com/office/powerpoint/2015/main" val="1"/>
+                </p:ext>
+              </p:extLst>
+            </p:nvPr>
+          </p:nvSpPr>
+          <p:spPr>
+            <a:xfrm>
+              <a:off x="8932333" y="3048000"/>
+              <a:ext cx="3259667" cy="3810000"/>
+            </a:xfrm>
+            <a:prstGeom prst="triangle">
+              <a:avLst>
+                <a:gd name="adj" fmla="val 100000"/>
+              </a:avLst>
+            </a:prstGeom>
+            <a:solidFill>
+              <a:schemeClr val="accent1">
+                <a:lumMod val="75000"/>
+                <a:alpha val="66000"/>
+              </a:schemeClr>
+            </a:solidFill>
+            <a:ln>
+              <a:noFill/>
+            </a:ln>
+            <a:effectLst/>
+          </p:spPr>
+          <p:style>
+            <a:lnRef idx="1">
+              <a:schemeClr val="accent1"/>
+            </a:lnRef>
+            <a:fillRef idx="3">
+              <a:schemeClr val="accent1"/>
+            </a:fillRef>
+            <a:effectRef idx="2">
+              <a:schemeClr val="accent1"/>
+            </a:effectRef>
+            <a:fontRef idx="minor">
+              <a:schemeClr val="lt1"/>
+            </a:fontRef>
+          </p:style>
+        </p:sp>
+        <p:sp>
+          <p:nvSpPr>
+            <p:cNvPr id="33" name="Rectangle 27">
+              <a:extLst>
+                <a:ext uri="{FF2B5EF4-FFF2-40B4-BE49-F238E27FC236}">
+                  <a16:creationId xmlns:a16="http://schemas.microsoft.com/office/drawing/2014/main" id="{922D975E-0684-4AA6-9FB7-929B250D5389}"/>
+                </a:ext>
+                <a:ext uri="{C183D7F6-B498-43B3-948B-1728B52AA6E4}">
+                  <adec:decorative xmlns:adec="http://schemas.microsoft.com/office/drawing/2017/decorative" val="1"/>
+                </a:ext>
+              </a:extLst>
+            </p:cNvPr>
+            <p:cNvSpPr/>
+            <p:nvPr>
+              <p:extLst>
+                <p:ext uri="{386F3935-93C4-4BCD-93E2-E3B085C9AB24}">
+                  <p16:designElem xmlns:p16="http://schemas.microsoft.com/office/powerpoint/2015/main" val="1"/>
+                </p:ext>
+              </p:extLst>
+            </p:nvPr>
+          </p:nvSpPr>
+          <p:spPr>
+            <a:xfrm>
+              <a:off x="9334500" y="-8467"/>
+              <a:ext cx="2854326" cy="6866467"/>
+            </a:xfrm>
+            <a:custGeom>
+              <a:avLst/>
+              <a:gdLst/>
+              <a:ahLst/>
+              <a:cxnLst/>
+              <a:rect l="l" t="t" r="r" b="b"/>
+              <a:pathLst>
+                <a:path w="2858013" h="6866467">
+                  <a:moveTo>
+                    <a:pt x="0" y="0"/>
+                  </a:moveTo>
+                  <a:lnTo>
+                    <a:pt x="2858013" y="0"/>
+                  </a:lnTo>
+                  <a:lnTo>
+                    <a:pt x="2858013" y="6866467"/>
+                  </a:lnTo>
+                  <a:lnTo>
+                    <a:pt x="2473942" y="6866467"/>
+                  </a:lnTo>
+                  <a:lnTo>
+                    <a:pt x="0" y="0"/>
+                  </a:lnTo>
+                  <a:close/>
+                </a:path>
+              </a:pathLst>
+            </a:custGeom>
+            <a:solidFill>
+              <a:schemeClr val="accent1">
+                <a:lumMod val="75000"/>
+                <a:alpha val="50000"/>
+              </a:schemeClr>
+            </a:solidFill>
+            <a:ln>
+              <a:noFill/>
+            </a:ln>
+            <a:effectLst/>
+          </p:spPr>
+          <p:style>
+            <a:lnRef idx="1">
+              <a:schemeClr val="accent1"/>
+            </a:lnRef>
+            <a:fillRef idx="3">
+              <a:schemeClr val="accent1"/>
+            </a:fillRef>
+            <a:effectRef idx="2">
+              <a:schemeClr val="accent1"/>
+            </a:effectRef>
+            <a:fontRef idx="minor">
+              <a:schemeClr val="lt1"/>
+            </a:fontRef>
+          </p:style>
+        </p:sp>
+        <p:sp>
+          <p:nvSpPr>
+            <p:cNvPr id="34" name="Rectangle 28">
+              <a:extLst>
+                <a:ext uri="{FF2B5EF4-FFF2-40B4-BE49-F238E27FC236}">
+                  <a16:creationId xmlns:a16="http://schemas.microsoft.com/office/drawing/2014/main" id="{38ED5A9A-F0C7-4547-BC1E-22FC89BD26D1}"/>
+                </a:ext>
+                <a:ext uri="{C183D7F6-B498-43B3-948B-1728B52AA6E4}">
+                  <adec:decorative xmlns:adec="http://schemas.microsoft.com/office/drawing/2017/decorative" val="1"/>
+                </a:ext>
+              </a:extLst>
+            </p:cNvPr>
+            <p:cNvSpPr/>
+            <p:nvPr>
+              <p:extLst>
+                <p:ext uri="{386F3935-93C4-4BCD-93E2-E3B085C9AB24}">
+                  <p16:designElem xmlns:p16="http://schemas.microsoft.com/office/powerpoint/2015/main" val="1"/>
+                </p:ext>
+              </p:extLst>
+            </p:nvPr>
+          </p:nvSpPr>
+          <p:spPr>
+            <a:xfrm>
+              <a:off x="10898730" y="-8467"/>
+              <a:ext cx="1290094" cy="6866467"/>
+            </a:xfrm>
+            <a:custGeom>
+              <a:avLst/>
+              <a:gdLst/>
+              <a:ahLst/>
+              <a:cxnLst/>
+              <a:rect l="l" t="t" r="r" b="b"/>
+              <a:pathLst>
+                <a:path w="1290094" h="6858000">
+                  <a:moveTo>
+                    <a:pt x="1019735" y="0"/>
+                  </a:moveTo>
+                  <a:lnTo>
+                    <a:pt x="1290094" y="0"/>
+                  </a:lnTo>
+                  <a:lnTo>
+                    <a:pt x="1290094" y="6858000"/>
+                  </a:lnTo>
+                  <a:lnTo>
+                    <a:pt x="0" y="6858000"/>
+                  </a:lnTo>
+                  <a:lnTo>
+                    <a:pt x="1019735" y="0"/>
+                  </a:lnTo>
+                  <a:close/>
+                </a:path>
+              </a:pathLst>
+            </a:custGeom>
+            <a:solidFill>
+              <a:schemeClr val="accent2">
+                <a:alpha val="70000"/>
+              </a:schemeClr>
+            </a:solidFill>
+            <a:ln>
+              <a:noFill/>
+            </a:ln>
+            <a:effectLst/>
+          </p:spPr>
+          <p:style>
+            <a:lnRef idx="1">
+              <a:schemeClr val="accent1"/>
+            </a:lnRef>
+            <a:fillRef idx="3">
+              <a:schemeClr val="accent1"/>
+            </a:fillRef>
+            <a:effectRef idx="2">
+              <a:schemeClr val="accent1"/>
+            </a:effectRef>
+            <a:fontRef idx="minor">
+              <a:schemeClr val="lt1"/>
+            </a:fontRef>
+          </p:style>
+        </p:sp>
+        <p:sp>
+          <p:nvSpPr>
+            <p:cNvPr id="35" name="Rectangle 29">
+              <a:extLst>
+                <a:ext uri="{FF2B5EF4-FFF2-40B4-BE49-F238E27FC236}">
+                  <a16:creationId xmlns:a16="http://schemas.microsoft.com/office/drawing/2014/main" id="{2D743765-A245-4349-A5CE-4AB5F078F91E}"/>
+                </a:ext>
+                <a:ext uri="{C183D7F6-B498-43B3-948B-1728B52AA6E4}">
+                  <adec:decorative xmlns:adec="http://schemas.microsoft.com/office/drawing/2017/decorative" val="1"/>
+                </a:ext>
+              </a:extLst>
+            </p:cNvPr>
+            <p:cNvSpPr/>
+            <p:nvPr>
+              <p:extLst>
+                <p:ext uri="{386F3935-93C4-4BCD-93E2-E3B085C9AB24}">
+                  <p16:designElem xmlns:p16="http://schemas.microsoft.com/office/powerpoint/2015/main" val="1"/>
+                </p:ext>
+              </p:extLst>
+            </p:nvPr>
+          </p:nvSpPr>
+          <p:spPr>
+            <a:xfrm>
+              <a:off x="10938999" y="-8467"/>
+              <a:ext cx="1249825" cy="6866467"/>
+            </a:xfrm>
+            <a:custGeom>
+              <a:avLst/>
+              <a:gdLst/>
+              <a:ahLst/>
+              <a:cxnLst/>
+              <a:rect l="l" t="t" r="r" b="b"/>
+              <a:pathLst>
+                <a:path w="1249825" h="6858000">
+                  <a:moveTo>
+                    <a:pt x="0" y="0"/>
+                  </a:moveTo>
+                  <a:lnTo>
+                    <a:pt x="1249825" y="0"/>
+                  </a:lnTo>
+                  <a:lnTo>
+                    <a:pt x="1249825" y="6858000"/>
+                  </a:lnTo>
+                  <a:lnTo>
+                    <a:pt x="1109382" y="6858000"/>
+                  </a:lnTo>
+                  <a:lnTo>
+                    <a:pt x="0" y="0"/>
+                  </a:lnTo>
+                  <a:close/>
+                </a:path>
+              </a:pathLst>
+            </a:custGeom>
+            <a:solidFill>
+              <a:schemeClr val="accent2">
+                <a:lumMod val="75000"/>
+                <a:alpha val="80000"/>
+              </a:schemeClr>
+            </a:solidFill>
+            <a:ln>
+              <a:noFill/>
+            </a:ln>
+            <a:effectLst/>
+          </p:spPr>
+          <p:style>
+            <a:lnRef idx="1">
+              <a:schemeClr val="accent1"/>
+            </a:lnRef>
+            <a:fillRef idx="3">
+              <a:schemeClr val="accent1"/>
+            </a:fillRef>
+            <a:effectRef idx="2">
+              <a:schemeClr val="accent1"/>
+            </a:effectRef>
+            <a:fontRef idx="minor">
+              <a:schemeClr val="lt1"/>
+            </a:fontRef>
+          </p:style>
+        </p:sp>
+        <p:sp>
+          <p:nvSpPr>
+            <p:cNvPr id="36" name="Isosceles Triangle 35">
+              <a:extLst>
+                <a:ext uri="{FF2B5EF4-FFF2-40B4-BE49-F238E27FC236}">
+                  <a16:creationId xmlns:a16="http://schemas.microsoft.com/office/drawing/2014/main" id="{0AF7217B-D042-44D2-9FC7-71FAB6651A47}"/>
+                </a:ext>
+                <a:ext uri="{C183D7F6-B498-43B3-948B-1728B52AA6E4}">
+                  <adec:decorative xmlns:adec="http://schemas.microsoft.com/office/drawing/2017/decorative" val="1"/>
+                </a:ext>
+              </a:extLst>
+            </p:cNvPr>
+            <p:cNvSpPr/>
+            <p:nvPr>
+              <p:extLst>
+                <p:ext uri="{386F3935-93C4-4BCD-93E2-E3B085C9AB24}">
+                  <p16:designElem xmlns:p16="http://schemas.microsoft.com/office/powerpoint/2015/main" val="1"/>
+                </p:ext>
+              </p:extLst>
+            </p:nvPr>
+          </p:nvSpPr>
+          <p:spPr>
+            <a:xfrm>
+              <a:off x="10371666" y="3589867"/>
+              <a:ext cx="1817159" cy="3268133"/>
+            </a:xfrm>
+            <a:prstGeom prst="triangle">
+              <a:avLst>
+                <a:gd name="adj" fmla="val 100000"/>
+              </a:avLst>
+            </a:prstGeom>
+            <a:solidFill>
+              <a:schemeClr val="accent1">
+                <a:lumMod val="75000"/>
+                <a:alpha val="66000"/>
+              </a:schemeClr>
+            </a:solidFill>
+            <a:ln>
+              <a:noFill/>
+            </a:ln>
+            <a:effectLst/>
+          </p:spPr>
+          <p:style>
+            <a:lnRef idx="1">
+              <a:schemeClr val="accent1"/>
+            </a:lnRef>
+            <a:fillRef idx="3">
+              <a:schemeClr val="accent1"/>
+            </a:fillRef>
+            <a:effectRef idx="2">
+              <a:schemeClr val="accent1"/>
+            </a:effectRef>
+            <a:fontRef idx="minor">
+              <a:schemeClr val="lt1"/>
+            </a:fontRef>
+          </p:style>
+        </p:sp>
+        <p:sp>
+          <p:nvSpPr>
+            <p:cNvPr id="37" name="Isosceles Triangle 36">
+              <a:extLst>
+                <a:ext uri="{FF2B5EF4-FFF2-40B4-BE49-F238E27FC236}">
+                  <a16:creationId xmlns:a16="http://schemas.microsoft.com/office/drawing/2014/main" id="{1CC9171B-8BEB-48B1-B9BE-E9584522D074}"/>
+                </a:ext>
+                <a:ext uri="{C183D7F6-B498-43B3-948B-1728B52AA6E4}">
+                  <adec:decorative xmlns:adec="http://schemas.microsoft.com/office/drawing/2017/decorative" val="1"/>
+                </a:ext>
+              </a:extLst>
+            </p:cNvPr>
+            <p:cNvSpPr/>
+            <p:nvPr>
+              <p:extLst>
+                <p:ext uri="{386F3935-93C4-4BCD-93E2-E3B085C9AB24}">
+                  <p16:designElem xmlns:p16="http://schemas.microsoft.com/office/powerpoint/2015/main" val="1"/>
+                </p:ext>
+              </p:extLst>
+            </p:nvPr>
+          </p:nvSpPr>
+          <p:spPr>
+            <a:xfrm>
+              <a:off x="0" y="4013200"/>
+              <a:ext cx="448733" cy="2844800"/>
+            </a:xfrm>
+            <a:prstGeom prst="triangle">
+              <a:avLst>
+                <a:gd name="adj" fmla="val 0"/>
+              </a:avLst>
+            </a:prstGeom>
+            <a:solidFill>
+              <a:schemeClr val="accent1">
+                <a:alpha val="70000"/>
+              </a:schemeClr>
+            </a:solidFill>
+            <a:ln>
+              <a:noFill/>
+            </a:ln>
+            <a:effectLst/>
+          </p:spPr>
+          <p:style>
+            <a:lnRef idx="1">
+              <a:schemeClr val="accent1"/>
+            </a:lnRef>
+            <a:fillRef idx="3">
+              <a:schemeClr val="accent1"/>
+            </a:fillRef>
+            <a:effectRef idx="2">
+              <a:schemeClr val="accent1"/>
+            </a:effectRef>
+            <a:fontRef idx="minor">
+              <a:schemeClr val="lt1"/>
+            </a:fontRef>
+          </p:style>
+        </p:sp>
+      </p:grpSp>
+      <p:pic>
+        <p:nvPicPr>
+          <p:cNvPr id="5" name="Content Placeholder 4" descr="A screenshot of a social media post&#10;&#10;Description automatically generated">
+            <a:extLst>
+              <a:ext uri="{FF2B5EF4-FFF2-40B4-BE49-F238E27FC236}">
+                <a16:creationId xmlns:a16="http://schemas.microsoft.com/office/drawing/2014/main" id="{3F70C587-C039-4136-9F40-4FDB814E6114}"/>
+              </a:ext>
+            </a:extLst>
+          </p:cNvPr>
+          <p:cNvPicPr>
+            <a:picLocks noGrp="1" noChangeAspect="1"/>
+          </p:cNvPicPr>
+          <p:nvPr>
+            <p:ph idx="1"/>
+          </p:nvPr>
+        </p:nvPicPr>
+        <p:blipFill rotWithShape="1">
+          <a:blip r:embed="rId2"/>
+          <a:srcRect t="1418" b="15188"/>
+          <a:stretch/>
+        </p:blipFill>
+        <p:spPr>
+          <a:xfrm>
+            <a:off x="638126" y="1584796"/>
+            <a:ext cx="7478946" cy="3567961"/>
+          </a:xfrm>
+          <a:prstGeom prst="rect">
+            <a:avLst/>
+          </a:prstGeom>
+        </p:spPr>
+      </p:pic>
+    </p:spTree>
+    <p:extLst>
+      <p:ext uri="{BB962C8B-B14F-4D97-AF65-F5344CB8AC3E}">
+        <p14:creationId xmlns:p14="http://schemas.microsoft.com/office/powerpoint/2010/main" val="682107469"/>
+      </p:ext>
+    </p:extLst>
+  </p:cSld>
+  <p:clrMapOvr>
+    <a:masterClrMapping/>
+  </p:clrMapOvr>
+</p:sld>
+</file>
+
+<file path=ppt/slides/slide15.xml><?xml version="1.0" encoding="utf-8"?>
+<p:sld xmlns:a="http://schemas.openxmlformats.org/drawingml/2006/main" xmlns:r="http://schemas.openxmlformats.org/officeDocument/2006/relationships" xmlns:p="http://schemas.openxmlformats.org/presentationml/2006/main">
+  <p:cSld>
+    <p:bg>
+      <p:bgPr>
+        <a:solidFill>
+          <a:schemeClr val="bg1"/>
+        </a:solidFill>
+        <a:effectLst/>
+      </p:bgPr>
+    </p:bg>
+    <p:spTree>
+      <p:nvGrpSpPr>
+        <p:cNvPr id="1" name=""/>
+        <p:cNvGrpSpPr/>
+        <p:nvPr/>
+      </p:nvGrpSpPr>
+      <p:grpSpPr>
+        <a:xfrm>
+          <a:off x="0" y="0"/>
+          <a:ext cx="0" cy="0"/>
+          <a:chOff x="0" y="0"/>
+          <a:chExt cx="0" cy="0"/>
+        </a:xfrm>
+      </p:grpSpPr>
+      <p:grpSp>
+        <p:nvGrpSpPr>
+          <p:cNvPr id="21" name="Group 9">
+            <a:extLst>
+              <a:ext uri="{FF2B5EF4-FFF2-40B4-BE49-F238E27FC236}">
+                <a16:creationId xmlns:a16="http://schemas.microsoft.com/office/drawing/2014/main" id="{4815A7B4-532E-48C9-AC24-D78ACF3339DB}"/>
+              </a:ext>
+              <a:ext uri="{C183D7F6-B498-43B3-948B-1728B52AA6E4}">
+                <adec:decorative xmlns:adec="http://schemas.microsoft.com/office/drawing/2017/decorative" val="1"/>
+              </a:ext>
+            </a:extLst>
+          </p:cNvPr>
+          <p:cNvGrpSpPr>
+            <a:grpSpLocks noGrp="1" noUngrp="1" noRot="1" noChangeAspect="1" noMove="1" noResize="1"/>
+          </p:cNvGrpSpPr>
+          <p:nvPr>
+            <p:extLst>
+              <p:ext uri="{386F3935-93C4-4BCD-93E2-E3B085C9AB24}">
+                <p16:designElem xmlns:p16="http://schemas.microsoft.com/office/powerpoint/2015/main" val="1"/>
+              </p:ext>
+            </p:extLst>
+          </p:nvPr>
+        </p:nvGrpSpPr>
+        <p:grpSpPr>
+          <a:xfrm>
+            <a:off x="0" y="-8467"/>
+            <a:ext cx="12192000" cy="6866467"/>
+            <a:chOff x="0" y="-8467"/>
+            <a:chExt cx="12192000" cy="6866467"/>
+          </a:xfrm>
+        </p:grpSpPr>
+        <p:sp>
+          <p:nvSpPr>
+            <p:cNvPr id="11" name="Freeform 14">
+              <a:extLst>
+                <a:ext uri="{FF2B5EF4-FFF2-40B4-BE49-F238E27FC236}">
+                  <a16:creationId xmlns:a16="http://schemas.microsoft.com/office/drawing/2014/main" id="{D40109F4-CE5C-45F4-856E-F3F69C9FD4E1}"/>
+                </a:ext>
+                <a:ext uri="{C183D7F6-B498-43B3-948B-1728B52AA6E4}">
+                  <adec:decorative xmlns:adec="http://schemas.microsoft.com/office/drawing/2017/decorative" val="1"/>
+                </a:ext>
+              </a:extLst>
+            </p:cNvPr>
+            <p:cNvSpPr/>
+            <p:nvPr>
+              <p:extLst>
+                <p:ext uri="{386F3935-93C4-4BCD-93E2-E3B085C9AB24}">
+                  <p16:designElem xmlns:p16="http://schemas.microsoft.com/office/powerpoint/2015/main" val="1"/>
+                </p:ext>
+              </p:extLst>
+            </p:nvPr>
+          </p:nvSpPr>
+          <p:spPr>
+            <a:xfrm>
+              <a:off x="0" y="-7862"/>
+              <a:ext cx="863600" cy="5698067"/>
+            </a:xfrm>
+            <a:custGeom>
+              <a:avLst/>
+              <a:gdLst/>
+              <a:ahLst/>
+              <a:cxnLst/>
+              <a:rect l="l" t="t" r="r" b="b"/>
+              <a:pathLst>
+                <a:path w="863600" h="5698067">
+                  <a:moveTo>
+                    <a:pt x="0" y="8467"/>
+                  </a:moveTo>
+                  <a:lnTo>
+                    <a:pt x="863600" y="0"/>
+                  </a:lnTo>
+                  <a:lnTo>
+                    <a:pt x="863600" y="16934"/>
+                  </a:lnTo>
+                  <a:lnTo>
+                    <a:pt x="0" y="5698067"/>
+                  </a:lnTo>
+                  <a:lnTo>
+                    <a:pt x="0" y="8467"/>
+                  </a:lnTo>
+                  <a:close/>
+                </a:path>
+              </a:pathLst>
+            </a:custGeom>
+            <a:solidFill>
+              <a:schemeClr val="accent1">
+                <a:alpha val="70000"/>
+              </a:schemeClr>
+            </a:solidFill>
+            <a:ln>
+              <a:noFill/>
+            </a:ln>
+            <a:effectLst/>
+          </p:spPr>
+          <p:style>
+            <a:lnRef idx="1">
+              <a:schemeClr val="accent1"/>
+            </a:lnRef>
+            <a:fillRef idx="3">
+              <a:schemeClr val="accent1"/>
+            </a:fillRef>
+            <a:effectRef idx="2">
+              <a:schemeClr val="accent1"/>
+            </a:effectRef>
+            <a:fontRef idx="minor">
+              <a:schemeClr val="lt1"/>
+            </a:fontRef>
+          </p:style>
+        </p:sp>
+        <p:cxnSp>
+          <p:nvCxnSpPr>
+            <p:cNvPr id="12" name="Straight Connector 11">
+              <a:extLst>
+                <a:ext uri="{FF2B5EF4-FFF2-40B4-BE49-F238E27FC236}">
+                  <a16:creationId xmlns:a16="http://schemas.microsoft.com/office/drawing/2014/main" id="{3CBAA4DE-3D7B-460B-AE98-D9F9990C0B62}"/>
+                </a:ext>
+                <a:ext uri="{C183D7F6-B498-43B3-948B-1728B52AA6E4}">
+                  <adec:decorative xmlns:adec="http://schemas.microsoft.com/office/drawing/2017/decorative" val="1"/>
+                </a:ext>
+              </a:extLst>
+            </p:cNvPr>
+            <p:cNvCxnSpPr/>
+            <p:nvPr>
+              <p:extLst>
+                <p:ext uri="{386F3935-93C4-4BCD-93E2-E3B085C9AB24}">
+                  <p16:designElem xmlns:p16="http://schemas.microsoft.com/office/powerpoint/2015/main" val="1"/>
+                </p:ext>
+              </p:extLst>
+            </p:nvPr>
+          </p:nvCxnSpPr>
+          <p:spPr>
+            <a:xfrm>
+              <a:off x="9371012" y="0"/>
+              <a:ext cx="1219200" cy="6858000"/>
+            </a:xfrm>
+            <a:prstGeom prst="line">
+              <a:avLst/>
+            </a:prstGeom>
+            <a:ln w="9525">
+              <a:solidFill>
+                <a:schemeClr val="accent1">
+                  <a:alpha val="70000"/>
+                </a:schemeClr>
+              </a:solidFill>
+            </a:ln>
+          </p:spPr>
+          <p:style>
+            <a:lnRef idx="2">
+              <a:schemeClr val="accent1"/>
+            </a:lnRef>
+            <a:fillRef idx="0">
+              <a:schemeClr val="accent1"/>
+            </a:fillRef>
+            <a:effectRef idx="1">
+              <a:schemeClr val="accent1"/>
+            </a:effectRef>
+            <a:fontRef idx="minor">
+              <a:schemeClr val="tx1"/>
+            </a:fontRef>
+          </p:style>
+        </p:cxnSp>
+        <p:cxnSp>
+          <p:nvCxnSpPr>
+            <p:cNvPr id="13" name="Straight Connector 12">
+              <a:extLst>
+                <a:ext uri="{FF2B5EF4-FFF2-40B4-BE49-F238E27FC236}">
+                  <a16:creationId xmlns:a16="http://schemas.microsoft.com/office/drawing/2014/main" id="{7BF1ED3E-4F80-4AF6-A41B-44F53DDE610D}"/>
+                </a:ext>
+                <a:ext uri="{C183D7F6-B498-43B3-948B-1728B52AA6E4}">
+                  <adec:decorative xmlns:adec="http://schemas.microsoft.com/office/drawing/2017/decorative" val="1"/>
+                </a:ext>
+              </a:extLst>
+            </p:cNvPr>
+            <p:cNvCxnSpPr/>
+            <p:nvPr>
+              <p:extLst>
+                <p:ext uri="{386F3935-93C4-4BCD-93E2-E3B085C9AB24}">
+                  <p16:designElem xmlns:p16="http://schemas.microsoft.com/office/powerpoint/2015/main" val="1"/>
+                </p:ext>
+              </p:extLst>
+            </p:nvPr>
+          </p:nvCxnSpPr>
+          <p:spPr>
+            <a:xfrm flipH="1">
+              <a:off x="7425267" y="3681413"/>
+              <a:ext cx="4763558" cy="3176587"/>
+            </a:xfrm>
+            <a:prstGeom prst="line">
+              <a:avLst/>
+            </a:prstGeom>
+            <a:ln w="9525">
+              <a:solidFill>
+                <a:schemeClr val="accent1">
+                  <a:alpha val="70000"/>
+                </a:schemeClr>
+              </a:solidFill>
+            </a:ln>
+          </p:spPr>
+          <p:style>
+            <a:lnRef idx="2">
+              <a:schemeClr val="accent1"/>
+            </a:lnRef>
+            <a:fillRef idx="0">
+              <a:schemeClr val="accent1"/>
+            </a:fillRef>
+            <a:effectRef idx="1">
+              <a:schemeClr val="accent1"/>
+            </a:effectRef>
+            <a:fontRef idx="minor">
+              <a:schemeClr val="tx1"/>
+            </a:fontRef>
+          </p:style>
+        </p:cxnSp>
+        <p:sp>
+          <p:nvSpPr>
+            <p:cNvPr id="14" name="Rectangle 23">
+              <a:extLst>
+                <a:ext uri="{FF2B5EF4-FFF2-40B4-BE49-F238E27FC236}">
+                  <a16:creationId xmlns:a16="http://schemas.microsoft.com/office/drawing/2014/main" id="{C0B2D747-3E31-45C5-9A98-A9710A585FBB}"/>
+                </a:ext>
+                <a:ext uri="{C183D7F6-B498-43B3-948B-1728B52AA6E4}">
+                  <adec:decorative xmlns:adec="http://schemas.microsoft.com/office/drawing/2017/decorative" val="1"/>
+                </a:ext>
+              </a:extLst>
+            </p:cNvPr>
+            <p:cNvSpPr/>
+            <p:nvPr>
+              <p:extLst>
+                <p:ext uri="{386F3935-93C4-4BCD-93E2-E3B085C9AB24}">
+                  <p16:designElem xmlns:p16="http://schemas.microsoft.com/office/powerpoint/2015/main" val="1"/>
+                </p:ext>
+              </p:extLst>
+            </p:nvPr>
+          </p:nvSpPr>
+          <p:spPr>
+            <a:xfrm>
+              <a:off x="9181476" y="-8467"/>
+              <a:ext cx="3007349" cy="6866467"/>
+            </a:xfrm>
+            <a:custGeom>
+              <a:avLst/>
+              <a:gdLst/>
+              <a:ahLst/>
+              <a:cxnLst/>
+              <a:rect l="l" t="t" r="r" b="b"/>
+              <a:pathLst>
+                <a:path w="3007349" h="6866467">
+                  <a:moveTo>
+                    <a:pt x="2045532" y="0"/>
+                  </a:moveTo>
+                  <a:lnTo>
+                    <a:pt x="3007349" y="0"/>
+                  </a:lnTo>
+                  <a:lnTo>
+                    <a:pt x="3007349" y="6866467"/>
+                  </a:lnTo>
+                  <a:lnTo>
+                    <a:pt x="0" y="6866467"/>
+                  </a:lnTo>
+                  <a:lnTo>
+                    <a:pt x="2045532" y="0"/>
+                  </a:lnTo>
+                  <a:close/>
+                </a:path>
+              </a:pathLst>
+            </a:custGeom>
+            <a:solidFill>
+              <a:schemeClr val="accent1">
+                <a:alpha val="36000"/>
+              </a:schemeClr>
+            </a:solidFill>
+            <a:ln>
+              <a:noFill/>
+            </a:ln>
+            <a:effectLst/>
+          </p:spPr>
+          <p:style>
+            <a:lnRef idx="1">
+              <a:schemeClr val="accent1"/>
+            </a:lnRef>
+            <a:fillRef idx="3">
+              <a:schemeClr val="accent1"/>
+            </a:fillRef>
+            <a:effectRef idx="2">
+              <a:schemeClr val="accent1"/>
+            </a:effectRef>
+            <a:fontRef idx="minor">
+              <a:schemeClr val="lt1"/>
+            </a:fontRef>
+          </p:style>
+        </p:sp>
+        <p:sp>
+          <p:nvSpPr>
+            <p:cNvPr id="15" name="Rectangle 25">
+              <a:extLst>
+                <a:ext uri="{FF2B5EF4-FFF2-40B4-BE49-F238E27FC236}">
+                  <a16:creationId xmlns:a16="http://schemas.microsoft.com/office/drawing/2014/main" id="{A15FD4BA-3020-462D-8BE8-B3A65B8E492A}"/>
+                </a:ext>
+                <a:ext uri="{C183D7F6-B498-43B3-948B-1728B52AA6E4}">
+                  <adec:decorative xmlns:adec="http://schemas.microsoft.com/office/drawing/2017/decorative" val="1"/>
+                </a:ext>
+              </a:extLst>
+            </p:cNvPr>
+            <p:cNvSpPr/>
+            <p:nvPr>
+              <p:extLst>
+                <p:ext uri="{386F3935-93C4-4BCD-93E2-E3B085C9AB24}">
+                  <p16:designElem xmlns:p16="http://schemas.microsoft.com/office/powerpoint/2015/main" val="1"/>
+                </p:ext>
+              </p:extLst>
+            </p:nvPr>
+          </p:nvSpPr>
+          <p:spPr>
+            <a:xfrm>
+              <a:off x="9603442" y="-8467"/>
+              <a:ext cx="2588558" cy="6866467"/>
+            </a:xfrm>
+            <a:custGeom>
+              <a:avLst/>
+              <a:gdLst/>
+              <a:ahLst/>
+              <a:cxnLst/>
+              <a:rect l="l" t="t" r="r" b="b"/>
+              <a:pathLst>
+                <a:path w="2573311" h="6866467">
+                  <a:moveTo>
+                    <a:pt x="0" y="0"/>
+                  </a:moveTo>
+                  <a:lnTo>
+                    <a:pt x="2573311" y="0"/>
+                  </a:lnTo>
+                  <a:lnTo>
+                    <a:pt x="2573311" y="6866467"/>
+                  </a:lnTo>
+                  <a:lnTo>
+                    <a:pt x="1202336" y="6866467"/>
+                  </a:lnTo>
+                  <a:lnTo>
+                    <a:pt x="0" y="0"/>
+                  </a:lnTo>
+                  <a:close/>
+                </a:path>
+              </a:pathLst>
+            </a:custGeom>
+            <a:solidFill>
+              <a:schemeClr val="accent1">
+                <a:alpha val="20000"/>
+              </a:schemeClr>
+            </a:solidFill>
+            <a:ln>
+              <a:noFill/>
+            </a:ln>
+            <a:effectLst/>
+          </p:spPr>
+          <p:style>
+            <a:lnRef idx="1">
+              <a:schemeClr val="accent1"/>
+            </a:lnRef>
+            <a:fillRef idx="3">
+              <a:schemeClr val="accent1"/>
+            </a:fillRef>
+            <a:effectRef idx="2">
+              <a:schemeClr val="accent1"/>
+            </a:effectRef>
+            <a:fontRef idx="minor">
+              <a:schemeClr val="lt1"/>
+            </a:fontRef>
+          </p:style>
+        </p:sp>
+        <p:sp>
+          <p:nvSpPr>
+            <p:cNvPr id="16" name="Isosceles Triangle 15">
+              <a:extLst>
+                <a:ext uri="{FF2B5EF4-FFF2-40B4-BE49-F238E27FC236}">
+                  <a16:creationId xmlns:a16="http://schemas.microsoft.com/office/drawing/2014/main" id="{A304284A-7318-4DD5-898C-2F6B23C778FA}"/>
+                </a:ext>
+                <a:ext uri="{C183D7F6-B498-43B3-948B-1728B52AA6E4}">
+                  <adec:decorative xmlns:adec="http://schemas.microsoft.com/office/drawing/2017/decorative" val="1"/>
+                </a:ext>
+              </a:extLst>
+            </p:cNvPr>
+            <p:cNvSpPr/>
+            <p:nvPr>
+              <p:extLst>
+                <p:ext uri="{386F3935-93C4-4BCD-93E2-E3B085C9AB24}">
+                  <p16:designElem xmlns:p16="http://schemas.microsoft.com/office/powerpoint/2015/main" val="1"/>
+                </p:ext>
+              </p:extLst>
+            </p:nvPr>
+          </p:nvSpPr>
+          <p:spPr>
+            <a:xfrm>
+              <a:off x="8932333" y="3048000"/>
+              <a:ext cx="3259667" cy="3810000"/>
+            </a:xfrm>
+            <a:prstGeom prst="triangle">
+              <a:avLst>
+                <a:gd name="adj" fmla="val 100000"/>
+              </a:avLst>
+            </a:prstGeom>
+            <a:solidFill>
+              <a:schemeClr val="accent1">
+                <a:lumMod val="75000"/>
+                <a:alpha val="66000"/>
+              </a:schemeClr>
+            </a:solidFill>
+            <a:ln>
+              <a:noFill/>
+            </a:ln>
+            <a:effectLst/>
+          </p:spPr>
+          <p:style>
+            <a:lnRef idx="1">
+              <a:schemeClr val="accent1"/>
+            </a:lnRef>
+            <a:fillRef idx="3">
+              <a:schemeClr val="accent1"/>
+            </a:fillRef>
+            <a:effectRef idx="2">
+              <a:schemeClr val="accent1"/>
+            </a:effectRef>
+            <a:fontRef idx="minor">
+              <a:schemeClr val="lt1"/>
+            </a:fontRef>
+          </p:style>
+        </p:sp>
+        <p:sp>
+          <p:nvSpPr>
+            <p:cNvPr id="17" name="Rectangle 27">
+              <a:extLst>
+                <a:ext uri="{FF2B5EF4-FFF2-40B4-BE49-F238E27FC236}">
+                  <a16:creationId xmlns:a16="http://schemas.microsoft.com/office/drawing/2014/main" id="{9DF48E66-B635-4509-B115-E0987C014EBC}"/>
+                </a:ext>
+                <a:ext uri="{C183D7F6-B498-43B3-948B-1728B52AA6E4}">
+                  <adec:decorative xmlns:adec="http://schemas.microsoft.com/office/drawing/2017/decorative" val="1"/>
+                </a:ext>
+              </a:extLst>
+            </p:cNvPr>
+            <p:cNvSpPr/>
+            <p:nvPr>
+              <p:extLst>
+                <p:ext uri="{386F3935-93C4-4BCD-93E2-E3B085C9AB24}">
+                  <p16:designElem xmlns:p16="http://schemas.microsoft.com/office/powerpoint/2015/main" val="1"/>
+                </p:ext>
+              </p:extLst>
+            </p:nvPr>
+          </p:nvSpPr>
+          <p:spPr>
+            <a:xfrm>
+              <a:off x="9334500" y="-8467"/>
+              <a:ext cx="2854326" cy="6866467"/>
+            </a:xfrm>
+            <a:custGeom>
+              <a:avLst/>
+              <a:gdLst/>
+              <a:ahLst/>
+              <a:cxnLst/>
+              <a:rect l="l" t="t" r="r" b="b"/>
+              <a:pathLst>
+                <a:path w="2858013" h="6866467">
+                  <a:moveTo>
+                    <a:pt x="0" y="0"/>
+                  </a:moveTo>
+                  <a:lnTo>
+                    <a:pt x="2858013" y="0"/>
+                  </a:lnTo>
+                  <a:lnTo>
+                    <a:pt x="2858013" y="6866467"/>
+                  </a:lnTo>
+                  <a:lnTo>
+                    <a:pt x="2473942" y="6866467"/>
+                  </a:lnTo>
+                  <a:lnTo>
+                    <a:pt x="0" y="0"/>
+                  </a:lnTo>
+                  <a:close/>
+                </a:path>
+              </a:pathLst>
+            </a:custGeom>
+            <a:solidFill>
+              <a:schemeClr val="accent1">
+                <a:lumMod val="75000"/>
+                <a:alpha val="50000"/>
+              </a:schemeClr>
+            </a:solidFill>
+            <a:ln>
+              <a:noFill/>
+            </a:ln>
+            <a:effectLst/>
+          </p:spPr>
+          <p:style>
+            <a:lnRef idx="1">
+              <a:schemeClr val="accent1"/>
+            </a:lnRef>
+            <a:fillRef idx="3">
+              <a:schemeClr val="accent1"/>
+            </a:fillRef>
+            <a:effectRef idx="2">
+              <a:schemeClr val="accent1"/>
+            </a:effectRef>
+            <a:fontRef idx="minor">
+              <a:schemeClr val="lt1"/>
+            </a:fontRef>
+          </p:style>
+        </p:sp>
+        <p:sp>
+          <p:nvSpPr>
+            <p:cNvPr id="18" name="Rectangle 28">
+              <a:extLst>
+                <a:ext uri="{FF2B5EF4-FFF2-40B4-BE49-F238E27FC236}">
+                  <a16:creationId xmlns:a16="http://schemas.microsoft.com/office/drawing/2014/main" id="{E3B96D94-5F5A-4F4C-810C-917BF4D266C3}"/>
+                </a:ext>
+                <a:ext uri="{C183D7F6-B498-43B3-948B-1728B52AA6E4}">
+                  <adec:decorative xmlns:adec="http://schemas.microsoft.com/office/drawing/2017/decorative" val="1"/>
+                </a:ext>
+              </a:extLst>
+            </p:cNvPr>
+            <p:cNvSpPr/>
+            <p:nvPr>
+              <p:extLst>
+                <p:ext uri="{386F3935-93C4-4BCD-93E2-E3B085C9AB24}">
+                  <p16:designElem xmlns:p16="http://schemas.microsoft.com/office/powerpoint/2015/main" val="1"/>
+                </p:ext>
+              </p:extLst>
+            </p:nvPr>
+          </p:nvSpPr>
+          <p:spPr>
+            <a:xfrm>
+              <a:off x="10898730" y="-8467"/>
+              <a:ext cx="1290094" cy="6866467"/>
+            </a:xfrm>
+            <a:custGeom>
+              <a:avLst/>
+              <a:gdLst/>
+              <a:ahLst/>
+              <a:cxnLst/>
+              <a:rect l="l" t="t" r="r" b="b"/>
+              <a:pathLst>
+                <a:path w="1290094" h="6858000">
+                  <a:moveTo>
+                    <a:pt x="1019735" y="0"/>
+                  </a:moveTo>
+                  <a:lnTo>
+                    <a:pt x="1290094" y="0"/>
+                  </a:lnTo>
+                  <a:lnTo>
+                    <a:pt x="1290094" y="6858000"/>
+                  </a:lnTo>
+                  <a:lnTo>
+                    <a:pt x="0" y="6858000"/>
+                  </a:lnTo>
+                  <a:lnTo>
+                    <a:pt x="1019735" y="0"/>
+                  </a:lnTo>
+                  <a:close/>
+                </a:path>
+              </a:pathLst>
+            </a:custGeom>
+            <a:solidFill>
+              <a:schemeClr val="accent2">
+                <a:alpha val="70000"/>
+              </a:schemeClr>
+            </a:solidFill>
+            <a:ln>
+              <a:noFill/>
+            </a:ln>
+            <a:effectLst/>
+          </p:spPr>
+          <p:style>
+            <a:lnRef idx="1">
+              <a:schemeClr val="accent1"/>
+            </a:lnRef>
+            <a:fillRef idx="3">
+              <a:schemeClr val="accent1"/>
+            </a:fillRef>
+            <a:effectRef idx="2">
+              <a:schemeClr val="accent1"/>
+            </a:effectRef>
+            <a:fontRef idx="minor">
+              <a:schemeClr val="lt1"/>
+            </a:fontRef>
+          </p:style>
+        </p:sp>
+        <p:sp>
+          <p:nvSpPr>
+            <p:cNvPr id="19" name="Rectangle 29">
+              <a:extLst>
+                <a:ext uri="{FF2B5EF4-FFF2-40B4-BE49-F238E27FC236}">
+                  <a16:creationId xmlns:a16="http://schemas.microsoft.com/office/drawing/2014/main" id="{7F3782D6-BFF8-4389-9D39-A023ADAA92C1}"/>
+                </a:ext>
+                <a:ext uri="{C183D7F6-B498-43B3-948B-1728B52AA6E4}">
+                  <adec:decorative xmlns:adec="http://schemas.microsoft.com/office/drawing/2017/decorative" val="1"/>
+                </a:ext>
+              </a:extLst>
+            </p:cNvPr>
+            <p:cNvSpPr/>
+            <p:nvPr>
+              <p:extLst>
+                <p:ext uri="{386F3935-93C4-4BCD-93E2-E3B085C9AB24}">
+                  <p16:designElem xmlns:p16="http://schemas.microsoft.com/office/powerpoint/2015/main" val="1"/>
+                </p:ext>
+              </p:extLst>
+            </p:nvPr>
+          </p:nvSpPr>
+          <p:spPr>
+            <a:xfrm>
+              <a:off x="10938999" y="-8467"/>
+              <a:ext cx="1249825" cy="6866467"/>
+            </a:xfrm>
+            <a:custGeom>
+              <a:avLst/>
+              <a:gdLst/>
+              <a:ahLst/>
+              <a:cxnLst/>
+              <a:rect l="l" t="t" r="r" b="b"/>
+              <a:pathLst>
+                <a:path w="1249825" h="6858000">
+                  <a:moveTo>
+                    <a:pt x="0" y="0"/>
+                  </a:moveTo>
+                  <a:lnTo>
+                    <a:pt x="1249825" y="0"/>
+                  </a:lnTo>
+                  <a:lnTo>
+                    <a:pt x="1249825" y="6858000"/>
+                  </a:lnTo>
+                  <a:lnTo>
+                    <a:pt x="1109382" y="6858000"/>
+                  </a:lnTo>
+                  <a:lnTo>
+                    <a:pt x="0" y="0"/>
+                  </a:lnTo>
+                  <a:close/>
+                </a:path>
+              </a:pathLst>
+            </a:custGeom>
+            <a:solidFill>
+              <a:schemeClr val="accent2">
+                <a:lumMod val="75000"/>
+                <a:alpha val="80000"/>
+              </a:schemeClr>
+            </a:solidFill>
+            <a:ln>
+              <a:noFill/>
+            </a:ln>
+            <a:effectLst/>
+          </p:spPr>
+          <p:style>
+            <a:lnRef idx="1">
+              <a:schemeClr val="accent1"/>
+            </a:lnRef>
+            <a:fillRef idx="3">
+              <a:schemeClr val="accent1"/>
+            </a:fillRef>
+            <a:effectRef idx="2">
+              <a:schemeClr val="accent1"/>
+            </a:effectRef>
+            <a:fontRef idx="minor">
+              <a:schemeClr val="lt1"/>
+            </a:fontRef>
+          </p:style>
+        </p:sp>
+        <p:sp>
+          <p:nvSpPr>
+            <p:cNvPr id="20" name="Isosceles Triangle 19">
+              <a:extLst>
+                <a:ext uri="{FF2B5EF4-FFF2-40B4-BE49-F238E27FC236}">
+                  <a16:creationId xmlns:a16="http://schemas.microsoft.com/office/drawing/2014/main" id="{ECE162D4-FCAE-441B-B5E9-C91DE62124EF}"/>
+                </a:ext>
+                <a:ext uri="{C183D7F6-B498-43B3-948B-1728B52AA6E4}">
+                  <adec:decorative xmlns:adec="http://schemas.microsoft.com/office/drawing/2017/decorative" val="1"/>
+                </a:ext>
+              </a:extLst>
+            </p:cNvPr>
+            <p:cNvSpPr/>
+            <p:nvPr>
+              <p:extLst>
+                <p:ext uri="{386F3935-93C4-4BCD-93E2-E3B085C9AB24}">
+                  <p16:designElem xmlns:p16="http://schemas.microsoft.com/office/powerpoint/2015/main" val="1"/>
+                </p:ext>
+              </p:extLst>
+            </p:nvPr>
+          </p:nvSpPr>
+          <p:spPr>
+            <a:xfrm>
+              <a:off x="10371666" y="3589867"/>
+              <a:ext cx="1817159" cy="3268133"/>
+            </a:xfrm>
+            <a:prstGeom prst="triangle">
+              <a:avLst>
+                <a:gd name="adj" fmla="val 100000"/>
+              </a:avLst>
+            </a:prstGeom>
+            <a:solidFill>
+              <a:schemeClr val="accent1">
+                <a:lumMod val="75000"/>
+                <a:alpha val="66000"/>
+              </a:schemeClr>
+            </a:solidFill>
+            <a:ln>
+              <a:noFill/>
+            </a:ln>
+            <a:effectLst/>
+          </p:spPr>
+          <p:style>
+            <a:lnRef idx="1">
+              <a:schemeClr val="accent1"/>
+            </a:lnRef>
+            <a:fillRef idx="3">
+              <a:schemeClr val="accent1"/>
+            </a:fillRef>
+            <a:effectRef idx="2">
+              <a:schemeClr val="accent1"/>
+            </a:effectRef>
+            <a:fontRef idx="minor">
+              <a:schemeClr val="lt1"/>
+            </a:fontRef>
+          </p:style>
+        </p:sp>
+      </p:grpSp>
+      <p:sp>
+        <p:nvSpPr>
+          <p:cNvPr id="2" name="Title 1">
+            <a:extLst>
+              <a:ext uri="{FF2B5EF4-FFF2-40B4-BE49-F238E27FC236}">
+                <a16:creationId xmlns:a16="http://schemas.microsoft.com/office/drawing/2014/main" id="{7447E770-2A86-4FBE-8841-578E3B1AF8E5}"/>
+              </a:ext>
+            </a:extLst>
+          </p:cNvPr>
+          <p:cNvSpPr>
+            <a:spLocks noGrp="1"/>
+          </p:cNvSpPr>
+          <p:nvPr>
+            <p:ph type="title"/>
+          </p:nvPr>
+        </p:nvSpPr>
+        <p:spPr>
+          <a:xfrm>
+            <a:off x="1600199" y="4571999"/>
+            <a:ext cx="7673801" cy="1087656"/>
+          </a:xfrm>
+        </p:spPr>
+        <p:txBody>
+          <a:bodyPr vert="horz" lIns="91440" tIns="45720" rIns="91440" bIns="45720" rtlCol="0" anchor="b">
+            <a:normAutofit/>
+          </a:bodyPr>
+          <a:lstStyle/>
+          <a:p>
+            <a:pPr>
+              <a:lnSpc>
+                <a:spcPct val="90000"/>
+              </a:lnSpc>
+            </a:pPr>
+            <a:r>
+              <a:rPr lang="en-US" sz="3400"/>
+              <a:t>Increment and Decrement Operators</a:t>
+            </a:r>
+          </a:p>
+        </p:txBody>
+      </p:sp>
+      <p:pic>
+        <p:nvPicPr>
+          <p:cNvPr id="22" name="Content Placeholder 4" descr="A screenshot of a cell phone&#10;&#10;Description automatically generated">
+            <a:extLst>
+              <a:ext uri="{FF2B5EF4-FFF2-40B4-BE49-F238E27FC236}">
+                <a16:creationId xmlns:a16="http://schemas.microsoft.com/office/drawing/2014/main" id="{9C591183-F5C1-4A26-9932-112062D39166}"/>
+              </a:ext>
+            </a:extLst>
+          </p:cNvPr>
+          <p:cNvPicPr>
+            <a:picLocks noGrp="1" noChangeAspect="1"/>
+          </p:cNvPicPr>
+          <p:nvPr>
+            <p:ph idx="1"/>
+          </p:nvPr>
+        </p:nvPicPr>
+        <p:blipFill>
+          <a:blip r:embed="rId2"/>
+          <a:stretch>
+            <a:fillRect/>
+          </a:stretch>
+        </p:blipFill>
+        <p:spPr>
+          <a:xfrm>
+            <a:off x="1600201" y="609600"/>
+            <a:ext cx="6840108" cy="3642357"/>
+          </a:xfrm>
+          <a:prstGeom prst="rect">
+            <a:avLst/>
+          </a:prstGeom>
+        </p:spPr>
+      </p:pic>
+    </p:spTree>
+    <p:extLst>
+      <p:ext uri="{BB962C8B-B14F-4D97-AF65-F5344CB8AC3E}">
+        <p14:creationId xmlns:p14="http://schemas.microsoft.com/office/powerpoint/2010/main" val="684763441"/>
       </p:ext>
     </p:extLst>
   </p:cSld>

--- a/Slides/Lesson1.2.pptx
+++ b/Slides/Lesson1.2.pptx
@@ -20,6 +20,8 @@
     <p:sldId id="268" r:id="rId14"/>
     <p:sldId id="270" r:id="rId15"/>
     <p:sldId id="269" r:id="rId16"/>
+    <p:sldId id="271" r:id="rId17"/>
+    <p:sldId id="272" r:id="rId18"/>
   </p:sldIdLst>
   <p:sldSz cx="12192000" cy="6858000"/>
   <p:notesSz cx="6858000" cy="9144000"/>
@@ -10381,6 +10383,333 @@
 </p:sld>
 </file>
 
+<file path=ppt/slides/slide16.xml><?xml version="1.0" encoding="utf-8"?>
+<p:sld xmlns:a="http://schemas.openxmlformats.org/drawingml/2006/main" xmlns:r="http://schemas.openxmlformats.org/officeDocument/2006/relationships" xmlns:p="http://schemas.openxmlformats.org/presentationml/2006/main">
+  <p:cSld>
+    <p:bg>
+      <p:bgPr>
+        <a:solidFill>
+          <a:schemeClr val="bg1"/>
+        </a:solidFill>
+        <a:effectLst/>
+      </p:bgPr>
+    </p:bg>
+    <p:spTree>
+      <p:nvGrpSpPr>
+        <p:cNvPr id="1" name=""/>
+        <p:cNvGrpSpPr/>
+        <p:nvPr/>
+      </p:nvGrpSpPr>
+      <p:grpSpPr>
+        <a:xfrm>
+          <a:off x="0" y="0"/>
+          <a:ext cx="0" cy="0"/>
+          <a:chOff x="0" y="0"/>
+          <a:chExt cx="0" cy="0"/>
+        </a:xfrm>
+      </p:grpSpPr>
+      <p:sp>
+        <p:nvSpPr>
+          <p:cNvPr id="2" name="Title 1">
+            <a:extLst>
+              <a:ext uri="{FF2B5EF4-FFF2-40B4-BE49-F238E27FC236}">
+                <a16:creationId xmlns:a16="http://schemas.microsoft.com/office/drawing/2014/main" id="{13AF7681-6EFB-4A62-B6A8-65F5433A9875}"/>
+              </a:ext>
+            </a:extLst>
+          </p:cNvPr>
+          <p:cNvSpPr>
+            <a:spLocks noGrp="1"/>
+          </p:cNvSpPr>
+          <p:nvPr>
+            <p:ph type="title"/>
+          </p:nvPr>
+        </p:nvSpPr>
+        <p:spPr>
+          <a:xfrm>
+            <a:off x="677334" y="609600"/>
+            <a:ext cx="8596668" cy="1320800"/>
+          </a:xfrm>
+        </p:spPr>
+        <p:txBody>
+          <a:bodyPr anchor="t">
+            <a:normAutofit/>
+          </a:bodyPr>
+          <a:lstStyle/>
+          <a:p>
+            <a:r>
+              <a:rPr lang="en-US" dirty="0"/>
+              <a:t>Strings</a:t>
+            </a:r>
+          </a:p>
+        </p:txBody>
+      </p:sp>
+      <p:sp>
+        <p:nvSpPr>
+          <p:cNvPr id="3" name="Content Placeholder 2">
+            <a:extLst>
+              <a:ext uri="{FF2B5EF4-FFF2-40B4-BE49-F238E27FC236}">
+                <a16:creationId xmlns:a16="http://schemas.microsoft.com/office/drawing/2014/main" id="{F7B6043E-2208-4AE5-8480-D73FC79A99CE}"/>
+              </a:ext>
+            </a:extLst>
+          </p:cNvPr>
+          <p:cNvSpPr>
+            <a:spLocks noGrp="1"/>
+          </p:cNvSpPr>
+          <p:nvPr>
+            <p:ph idx="1"/>
+          </p:nvPr>
+        </p:nvSpPr>
+        <p:spPr>
+          <a:xfrm>
+            <a:off x="677334" y="2160589"/>
+            <a:ext cx="3957349" cy="3749323"/>
+          </a:xfrm>
+        </p:spPr>
+        <p:txBody>
+          <a:bodyPr>
+            <a:normAutofit/>
+          </a:bodyPr>
+          <a:lstStyle/>
+          <a:p>
+            <a:pPr>
+              <a:lnSpc>
+                <a:spcPct val="90000"/>
+              </a:lnSpc>
+            </a:pPr>
+            <a:r>
+              <a:rPr lang="en-US" sz="1500" dirty="0"/>
+              <a:t>Think of a string as a list of chars.</a:t>
+            </a:r>
+          </a:p>
+          <a:p>
+            <a:pPr>
+              <a:lnSpc>
+                <a:spcPct val="90000"/>
+              </a:lnSpc>
+            </a:pPr>
+            <a:r>
+              <a:rPr lang="en-US" sz="1500" dirty="0"/>
+              <a:t>Strings are non-primitive, making them different from the variables we have been looking at. </a:t>
+            </a:r>
+          </a:p>
+          <a:p>
+            <a:pPr>
+              <a:lnSpc>
+                <a:spcPct val="90000"/>
+              </a:lnSpc>
+            </a:pPr>
+            <a:r>
+              <a:rPr lang="en-US" sz="1500" dirty="0"/>
+              <a:t>The value at the variable in memory is not the string itself, but a </a:t>
+            </a:r>
+            <a:r>
+              <a:rPr lang="en-US" sz="1500" b="1" u="sng" dirty="0"/>
+              <a:t>reference</a:t>
+            </a:r>
+            <a:r>
+              <a:rPr lang="en-US" sz="1500" dirty="0"/>
+              <a:t> to the string.</a:t>
+            </a:r>
+          </a:p>
+          <a:p>
+            <a:pPr>
+              <a:lnSpc>
+                <a:spcPct val="90000"/>
+              </a:lnSpc>
+            </a:pPr>
+            <a:r>
+              <a:rPr lang="en-US" sz="1500" dirty="0"/>
+              <a:t>String literals are double quotes surrounding characters.</a:t>
+            </a:r>
+          </a:p>
+          <a:p>
+            <a:pPr>
+              <a:lnSpc>
+                <a:spcPct val="90000"/>
+              </a:lnSpc>
+            </a:pPr>
+            <a:r>
+              <a:rPr lang="en-US" sz="1500" dirty="0"/>
+              <a:t>Strings are </a:t>
+            </a:r>
+            <a:r>
+              <a:rPr lang="en-US" sz="1500" b="1" u="sng" dirty="0"/>
+              <a:t>immutable</a:t>
+            </a:r>
+            <a:r>
+              <a:rPr lang="en-US" sz="1500" dirty="0"/>
+              <a:t>, meaning their values cannot be changed, to update the value of a string, a new one must be created and the reference must be reassigned.</a:t>
+            </a:r>
+          </a:p>
+        </p:txBody>
+      </p:sp>
+      <p:pic>
+        <p:nvPicPr>
+          <p:cNvPr id="5" name="Picture 4" descr="A screenshot of a cell phone&#10;&#10;Description automatically generated">
+            <a:extLst>
+              <a:ext uri="{FF2B5EF4-FFF2-40B4-BE49-F238E27FC236}">
+                <a16:creationId xmlns:a16="http://schemas.microsoft.com/office/drawing/2014/main" id="{09804B3F-63D8-4C54-86F1-8C2D417CE5A2}"/>
+              </a:ext>
+            </a:extLst>
+          </p:cNvPr>
+          <p:cNvPicPr>
+            <a:picLocks noChangeAspect="1"/>
+          </p:cNvPicPr>
+          <p:nvPr/>
+        </p:nvPicPr>
+        <p:blipFill>
+          <a:blip r:embed="rId2"/>
+          <a:stretch>
+            <a:fillRect/>
+          </a:stretch>
+        </p:blipFill>
+        <p:spPr>
+          <a:xfrm>
+            <a:off x="4987137" y="2159331"/>
+            <a:ext cx="4204989" cy="3530114"/>
+          </a:xfrm>
+          <a:prstGeom prst="rect">
+            <a:avLst/>
+          </a:prstGeom>
+        </p:spPr>
+      </p:pic>
+    </p:spTree>
+    <p:extLst>
+      <p:ext uri="{BB962C8B-B14F-4D97-AF65-F5344CB8AC3E}">
+        <p14:creationId xmlns:p14="http://schemas.microsoft.com/office/powerpoint/2010/main" val="374365518"/>
+      </p:ext>
+    </p:extLst>
+  </p:cSld>
+  <p:clrMapOvr>
+    <a:masterClrMapping/>
+  </p:clrMapOvr>
+</p:sld>
+</file>
+
+<file path=ppt/slides/slide17.xml><?xml version="1.0" encoding="utf-8"?>
+<p:sld xmlns:a="http://schemas.openxmlformats.org/drawingml/2006/main" xmlns:r="http://schemas.openxmlformats.org/officeDocument/2006/relationships" xmlns:p="http://schemas.openxmlformats.org/presentationml/2006/main">
+  <p:cSld>
+    <p:spTree>
+      <p:nvGrpSpPr>
+        <p:cNvPr id="1" name=""/>
+        <p:cNvGrpSpPr/>
+        <p:nvPr/>
+      </p:nvGrpSpPr>
+      <p:grpSpPr>
+        <a:xfrm>
+          <a:off x="0" y="0"/>
+          <a:ext cx="0" cy="0"/>
+          <a:chOff x="0" y="0"/>
+          <a:chExt cx="0" cy="0"/>
+        </a:xfrm>
+      </p:grpSpPr>
+      <p:sp>
+        <p:nvSpPr>
+          <p:cNvPr id="2" name="Title 1">
+            <a:extLst>
+              <a:ext uri="{FF2B5EF4-FFF2-40B4-BE49-F238E27FC236}">
+                <a16:creationId xmlns:a16="http://schemas.microsoft.com/office/drawing/2014/main" id="{C6197057-B763-4EC3-8A2B-F080FB39F5BA}"/>
+              </a:ext>
+            </a:extLst>
+          </p:cNvPr>
+          <p:cNvSpPr>
+            <a:spLocks noGrp="1"/>
+          </p:cNvSpPr>
+          <p:nvPr>
+            <p:ph type="title"/>
+          </p:nvPr>
+        </p:nvSpPr>
+        <p:spPr/>
+        <p:txBody>
+          <a:bodyPr/>
+          <a:lstStyle/>
+          <a:p>
+            <a:r>
+              <a:rPr lang="en-US" dirty="0"/>
+              <a:t>String Concatenation</a:t>
+            </a:r>
+          </a:p>
+        </p:txBody>
+      </p:sp>
+      <p:sp>
+        <p:nvSpPr>
+          <p:cNvPr id="3" name="Content Placeholder 2">
+            <a:extLst>
+              <a:ext uri="{FF2B5EF4-FFF2-40B4-BE49-F238E27FC236}">
+                <a16:creationId xmlns:a16="http://schemas.microsoft.com/office/drawing/2014/main" id="{63B9B418-CC28-4B79-BE29-0F1A9C5C9F4B}"/>
+              </a:ext>
+            </a:extLst>
+          </p:cNvPr>
+          <p:cNvSpPr>
+            <a:spLocks noGrp="1"/>
+          </p:cNvSpPr>
+          <p:nvPr>
+            <p:ph idx="1"/>
+          </p:nvPr>
+        </p:nvSpPr>
+        <p:spPr/>
+        <p:txBody>
+          <a:bodyPr/>
+          <a:lstStyle/>
+          <a:p>
+            <a:r>
+              <a:rPr lang="en-US" dirty="0"/>
+              <a:t>The String Concatenation Operator (+) is used to combine two strings together. </a:t>
+            </a:r>
+          </a:p>
+          <a:p>
+            <a:r>
+              <a:rPr lang="en-US" dirty="0"/>
+              <a:t>Other data can also concatenated with a string, which is perfect for printing data to the console.</a:t>
+            </a:r>
+          </a:p>
+          <a:p>
+            <a:r>
+              <a:rPr lang="en-US" dirty="0"/>
+              <a:t>Be careful, the concatenation operator has the same precedence as the addition operator, which can yield strange results</a:t>
+            </a:r>
+          </a:p>
+          <a:p>
+            <a:pPr lvl="1"/>
+            <a:r>
+              <a:rPr lang="en-US" dirty="0"/>
+              <a:t>Example: </a:t>
+            </a:r>
+            <a:r>
+              <a:rPr lang="en-US" dirty="0">
+                <a:latin typeface="Consolas" panose="020B0609020204030204" pitchFamily="49" charset="0"/>
+              </a:rPr>
+              <a:t>String s=50+30+"Hello"+40+40;</a:t>
+            </a:r>
+          </a:p>
+          <a:p>
+            <a:pPr lvl="2"/>
+            <a:r>
+              <a:rPr lang="en-US" dirty="0"/>
+              <a:t>s has a value of 80Hello4040</a:t>
+            </a:r>
+          </a:p>
+          <a:p>
+            <a:r>
+              <a:rPr lang="en-US" dirty="0"/>
+              <a:t>Using parentheses can force desired results.</a:t>
+            </a:r>
+          </a:p>
+        </p:txBody>
+      </p:sp>
+    </p:spTree>
+    <p:extLst>
+      <p:ext uri="{BB962C8B-B14F-4D97-AF65-F5344CB8AC3E}">
+        <p14:creationId xmlns:p14="http://schemas.microsoft.com/office/powerpoint/2010/main" val="2835220355"/>
+      </p:ext>
+    </p:extLst>
+  </p:cSld>
+  <p:clrMapOvr>
+    <a:masterClrMapping/>
+  </p:clrMapOvr>
+</p:sld>
+</file>
+
 <file path=ppt/slides/slide2.xml><?xml version="1.0" encoding="utf-8"?>
 <p:sld xmlns:a="http://schemas.openxmlformats.org/drawingml/2006/main" xmlns:r="http://schemas.openxmlformats.org/officeDocument/2006/relationships" xmlns:p="http://schemas.openxmlformats.org/presentationml/2006/main">
   <p:cSld>

--- a/Slides/Lesson1.2.pptx
+++ b/Slides/Lesson1.2.pptx
@@ -4,6 +4,9 @@
   <p:sldMasterIdLst>
     <p:sldMasterId id="2147483648" r:id="rId1"/>
   </p:sldMasterIdLst>
+  <p:notesMasterIdLst>
+    <p:notesMasterId r:id="rId20"/>
+  </p:notesMasterIdLst>
   <p:sldIdLst>
     <p:sldId id="256" r:id="rId2"/>
     <p:sldId id="257" r:id="rId3"/>
@@ -22,6 +25,7 @@
     <p:sldId id="269" r:id="rId16"/>
     <p:sldId id="271" r:id="rId17"/>
     <p:sldId id="272" r:id="rId18"/>
+    <p:sldId id="273" r:id="rId19"/>
   </p:sldIdLst>
   <p:sldSz cx="12192000" cy="6858000"/>
   <p:notesSz cx="6858000" cy="9144000"/>
@@ -128,6 +132,442 @@
 </p:presentation>
 </file>
 
+<file path=ppt/notesMasters/notesMaster1.xml><?xml version="1.0" encoding="utf-8"?>
+<p:notesMaster xmlns:a="http://schemas.openxmlformats.org/drawingml/2006/main" xmlns:r="http://schemas.openxmlformats.org/officeDocument/2006/relationships" xmlns:p="http://schemas.openxmlformats.org/presentationml/2006/main">
+  <p:cSld>
+    <p:bg>
+      <p:bgRef idx="1001">
+        <a:schemeClr val="bg1"/>
+      </p:bgRef>
+    </p:bg>
+    <p:spTree>
+      <p:nvGrpSpPr>
+        <p:cNvPr id="1" name=""/>
+        <p:cNvGrpSpPr/>
+        <p:nvPr/>
+      </p:nvGrpSpPr>
+      <p:grpSpPr>
+        <a:xfrm>
+          <a:off x="0" y="0"/>
+          <a:ext cx="0" cy="0"/>
+          <a:chOff x="0" y="0"/>
+          <a:chExt cx="0" cy="0"/>
+        </a:xfrm>
+      </p:grpSpPr>
+      <p:sp>
+        <p:nvSpPr>
+          <p:cNvPr id="2" name="Header Placeholder 1"/>
+          <p:cNvSpPr>
+            <a:spLocks noGrp="1"/>
+          </p:cNvSpPr>
+          <p:nvPr>
+            <p:ph type="hdr" sz="quarter"/>
+          </p:nvPr>
+        </p:nvSpPr>
+        <p:spPr>
+          <a:xfrm>
+            <a:off x="0" y="0"/>
+            <a:ext cx="2971800" cy="458788"/>
+          </a:xfrm>
+          <a:prstGeom prst="rect">
+            <a:avLst/>
+          </a:prstGeom>
+        </p:spPr>
+        <p:txBody>
+          <a:bodyPr vert="horz" lIns="91440" tIns="45720" rIns="91440" bIns="45720" rtlCol="0"/>
+          <a:lstStyle>
+            <a:lvl1pPr algn="l">
+              <a:defRPr sz="1200"/>
+            </a:lvl1pPr>
+          </a:lstStyle>
+          <a:p>
+            <a:endParaRPr lang="en-US"/>
+          </a:p>
+        </p:txBody>
+      </p:sp>
+      <p:sp>
+        <p:nvSpPr>
+          <p:cNvPr id="3" name="Date Placeholder 2"/>
+          <p:cNvSpPr>
+            <a:spLocks noGrp="1"/>
+          </p:cNvSpPr>
+          <p:nvPr>
+            <p:ph type="dt" idx="1"/>
+          </p:nvPr>
+        </p:nvSpPr>
+        <p:spPr>
+          <a:xfrm>
+            <a:off x="3884613" y="0"/>
+            <a:ext cx="2971800" cy="458788"/>
+          </a:xfrm>
+          <a:prstGeom prst="rect">
+            <a:avLst/>
+          </a:prstGeom>
+        </p:spPr>
+        <p:txBody>
+          <a:bodyPr vert="horz" lIns="91440" tIns="45720" rIns="91440" bIns="45720" rtlCol="0"/>
+          <a:lstStyle>
+            <a:lvl1pPr algn="r">
+              <a:defRPr sz="1200"/>
+            </a:lvl1pPr>
+          </a:lstStyle>
+          <a:p>
+            <a:fld id="{974E9575-A1B6-4AC1-BDBA-B0980DEAC9C1}" type="datetimeFigureOut">
+              <a:rPr lang="en-US" smtClean="0"/>
+              <a:t>4/8/2019</a:t>
+            </a:fld>
+            <a:endParaRPr lang="en-US"/>
+          </a:p>
+        </p:txBody>
+      </p:sp>
+      <p:sp>
+        <p:nvSpPr>
+          <p:cNvPr id="4" name="Slide Image Placeholder 3"/>
+          <p:cNvSpPr>
+            <a:spLocks noGrp="1" noRot="1" noChangeAspect="1"/>
+          </p:cNvSpPr>
+          <p:nvPr>
+            <p:ph type="sldImg" idx="2"/>
+          </p:nvPr>
+        </p:nvSpPr>
+        <p:spPr>
+          <a:xfrm>
+            <a:off x="685800" y="1143000"/>
+            <a:ext cx="5486400" cy="3086100"/>
+          </a:xfrm>
+          <a:prstGeom prst="rect">
+            <a:avLst/>
+          </a:prstGeom>
+          <a:noFill/>
+          <a:ln w="12700">
+            <a:solidFill>
+              <a:prstClr val="black"/>
+            </a:solidFill>
+          </a:ln>
+        </p:spPr>
+        <p:txBody>
+          <a:bodyPr vert="horz" lIns="91440" tIns="45720" rIns="91440" bIns="45720" rtlCol="0" anchor="ctr"/>
+          <a:lstStyle/>
+          <a:p>
+            <a:endParaRPr lang="en-US"/>
+          </a:p>
+        </p:txBody>
+      </p:sp>
+      <p:sp>
+        <p:nvSpPr>
+          <p:cNvPr id="5" name="Notes Placeholder 4"/>
+          <p:cNvSpPr>
+            <a:spLocks noGrp="1"/>
+          </p:cNvSpPr>
+          <p:nvPr>
+            <p:ph type="body" sz="quarter" idx="3"/>
+          </p:nvPr>
+        </p:nvSpPr>
+        <p:spPr>
+          <a:xfrm>
+            <a:off x="685800" y="4400550"/>
+            <a:ext cx="5486400" cy="3600450"/>
+          </a:xfrm>
+          <a:prstGeom prst="rect">
+            <a:avLst/>
+          </a:prstGeom>
+        </p:spPr>
+        <p:txBody>
+          <a:bodyPr vert="horz" lIns="91440" tIns="45720" rIns="91440" bIns="45720" rtlCol="0"/>
+          <a:lstStyle/>
+          <a:p>
+            <a:pPr lvl="0"/>
+            <a:r>
+              <a:rPr lang="en-US"/>
+              <a:t>Click to edit Master text styles</a:t>
+            </a:r>
+          </a:p>
+          <a:p>
+            <a:pPr lvl="1"/>
+            <a:r>
+              <a:rPr lang="en-US"/>
+              <a:t>Second level</a:t>
+            </a:r>
+          </a:p>
+          <a:p>
+            <a:pPr lvl="2"/>
+            <a:r>
+              <a:rPr lang="en-US"/>
+              <a:t>Third level</a:t>
+            </a:r>
+          </a:p>
+          <a:p>
+            <a:pPr lvl="3"/>
+            <a:r>
+              <a:rPr lang="en-US"/>
+              <a:t>Fourth level</a:t>
+            </a:r>
+          </a:p>
+          <a:p>
+            <a:pPr lvl="4"/>
+            <a:r>
+              <a:rPr lang="en-US"/>
+              <a:t>Fifth level</a:t>
+            </a:r>
+          </a:p>
+        </p:txBody>
+      </p:sp>
+      <p:sp>
+        <p:nvSpPr>
+          <p:cNvPr id="6" name="Footer Placeholder 5"/>
+          <p:cNvSpPr>
+            <a:spLocks noGrp="1"/>
+          </p:cNvSpPr>
+          <p:nvPr>
+            <p:ph type="ftr" sz="quarter" idx="4"/>
+          </p:nvPr>
+        </p:nvSpPr>
+        <p:spPr>
+          <a:xfrm>
+            <a:off x="0" y="8685213"/>
+            <a:ext cx="2971800" cy="458787"/>
+          </a:xfrm>
+          <a:prstGeom prst="rect">
+            <a:avLst/>
+          </a:prstGeom>
+        </p:spPr>
+        <p:txBody>
+          <a:bodyPr vert="horz" lIns="91440" tIns="45720" rIns="91440" bIns="45720" rtlCol="0" anchor="b"/>
+          <a:lstStyle>
+            <a:lvl1pPr algn="l">
+              <a:defRPr sz="1200"/>
+            </a:lvl1pPr>
+          </a:lstStyle>
+          <a:p>
+            <a:endParaRPr lang="en-US"/>
+          </a:p>
+        </p:txBody>
+      </p:sp>
+      <p:sp>
+        <p:nvSpPr>
+          <p:cNvPr id="7" name="Slide Number Placeholder 6"/>
+          <p:cNvSpPr>
+            <a:spLocks noGrp="1"/>
+          </p:cNvSpPr>
+          <p:nvPr>
+            <p:ph type="sldNum" sz="quarter" idx="5"/>
+          </p:nvPr>
+        </p:nvSpPr>
+        <p:spPr>
+          <a:xfrm>
+            <a:off x="3884613" y="8685213"/>
+            <a:ext cx="2971800" cy="458787"/>
+          </a:xfrm>
+          <a:prstGeom prst="rect">
+            <a:avLst/>
+          </a:prstGeom>
+        </p:spPr>
+        <p:txBody>
+          <a:bodyPr vert="horz" lIns="91440" tIns="45720" rIns="91440" bIns="45720" rtlCol="0" anchor="b"/>
+          <a:lstStyle>
+            <a:lvl1pPr algn="r">
+              <a:defRPr sz="1200"/>
+            </a:lvl1pPr>
+          </a:lstStyle>
+          <a:p>
+            <a:fld id="{EE03CAB7-9EB7-412B-877E-EB37D4E5C527}" type="slidenum">
+              <a:rPr lang="en-US" smtClean="0"/>
+              <a:t>‹#›</a:t>
+            </a:fld>
+            <a:endParaRPr lang="en-US"/>
+          </a:p>
+        </p:txBody>
+      </p:sp>
+    </p:spTree>
+    <p:extLst>
+      <p:ext uri="{BB962C8B-B14F-4D97-AF65-F5344CB8AC3E}">
+        <p14:creationId xmlns:p14="http://schemas.microsoft.com/office/powerpoint/2010/main" val="3818634875"/>
+      </p:ext>
+    </p:extLst>
+  </p:cSld>
+  <p:clrMap bg1="lt1" tx1="dk1" bg2="lt2" tx2="dk2" accent1="accent1" accent2="accent2" accent3="accent3" accent4="accent4" accent5="accent5" accent6="accent6" hlink="hlink" folHlink="folHlink"/>
+  <p:notesStyle>
+    <a:lvl1pPr marL="0" algn="l" defTabSz="914400" rtl="0" eaLnBrk="1" latinLnBrk="0" hangingPunct="1">
+      <a:defRPr sz="1200" kern="1200">
+        <a:solidFill>
+          <a:schemeClr val="tx1"/>
+        </a:solidFill>
+        <a:latin typeface="+mn-lt"/>
+        <a:ea typeface="+mn-ea"/>
+        <a:cs typeface="+mn-cs"/>
+      </a:defRPr>
+    </a:lvl1pPr>
+    <a:lvl2pPr marL="457200" algn="l" defTabSz="914400" rtl="0" eaLnBrk="1" latinLnBrk="0" hangingPunct="1">
+      <a:defRPr sz="1200" kern="1200">
+        <a:solidFill>
+          <a:schemeClr val="tx1"/>
+        </a:solidFill>
+        <a:latin typeface="+mn-lt"/>
+        <a:ea typeface="+mn-ea"/>
+        <a:cs typeface="+mn-cs"/>
+      </a:defRPr>
+    </a:lvl2pPr>
+    <a:lvl3pPr marL="914400" algn="l" defTabSz="914400" rtl="0" eaLnBrk="1" latinLnBrk="0" hangingPunct="1">
+      <a:defRPr sz="1200" kern="1200">
+        <a:solidFill>
+          <a:schemeClr val="tx1"/>
+        </a:solidFill>
+        <a:latin typeface="+mn-lt"/>
+        <a:ea typeface="+mn-ea"/>
+        <a:cs typeface="+mn-cs"/>
+      </a:defRPr>
+    </a:lvl3pPr>
+    <a:lvl4pPr marL="1371600" algn="l" defTabSz="914400" rtl="0" eaLnBrk="1" latinLnBrk="0" hangingPunct="1">
+      <a:defRPr sz="1200" kern="1200">
+        <a:solidFill>
+          <a:schemeClr val="tx1"/>
+        </a:solidFill>
+        <a:latin typeface="+mn-lt"/>
+        <a:ea typeface="+mn-ea"/>
+        <a:cs typeface="+mn-cs"/>
+      </a:defRPr>
+    </a:lvl4pPr>
+    <a:lvl5pPr marL="1828800" algn="l" defTabSz="914400" rtl="0" eaLnBrk="1" latinLnBrk="0" hangingPunct="1">
+      <a:defRPr sz="1200" kern="1200">
+        <a:solidFill>
+          <a:schemeClr val="tx1"/>
+        </a:solidFill>
+        <a:latin typeface="+mn-lt"/>
+        <a:ea typeface="+mn-ea"/>
+        <a:cs typeface="+mn-cs"/>
+      </a:defRPr>
+    </a:lvl5pPr>
+    <a:lvl6pPr marL="2286000" algn="l" defTabSz="914400" rtl="0" eaLnBrk="1" latinLnBrk="0" hangingPunct="1">
+      <a:defRPr sz="1200" kern="1200">
+        <a:solidFill>
+          <a:schemeClr val="tx1"/>
+        </a:solidFill>
+        <a:latin typeface="+mn-lt"/>
+        <a:ea typeface="+mn-ea"/>
+        <a:cs typeface="+mn-cs"/>
+      </a:defRPr>
+    </a:lvl6pPr>
+    <a:lvl7pPr marL="2743200" algn="l" defTabSz="914400" rtl="0" eaLnBrk="1" latinLnBrk="0" hangingPunct="1">
+      <a:defRPr sz="1200" kern="1200">
+        <a:solidFill>
+          <a:schemeClr val="tx1"/>
+        </a:solidFill>
+        <a:latin typeface="+mn-lt"/>
+        <a:ea typeface="+mn-ea"/>
+        <a:cs typeface="+mn-cs"/>
+      </a:defRPr>
+    </a:lvl7pPr>
+    <a:lvl8pPr marL="3200400" algn="l" defTabSz="914400" rtl="0" eaLnBrk="1" latinLnBrk="0" hangingPunct="1">
+      <a:defRPr sz="1200" kern="1200">
+        <a:solidFill>
+          <a:schemeClr val="tx1"/>
+        </a:solidFill>
+        <a:latin typeface="+mn-lt"/>
+        <a:ea typeface="+mn-ea"/>
+        <a:cs typeface="+mn-cs"/>
+      </a:defRPr>
+    </a:lvl8pPr>
+    <a:lvl9pPr marL="3657600" algn="l" defTabSz="914400" rtl="0" eaLnBrk="1" latinLnBrk="0" hangingPunct="1">
+      <a:defRPr sz="1200" kern="1200">
+        <a:solidFill>
+          <a:schemeClr val="tx1"/>
+        </a:solidFill>
+        <a:latin typeface="+mn-lt"/>
+        <a:ea typeface="+mn-ea"/>
+        <a:cs typeface="+mn-cs"/>
+      </a:defRPr>
+    </a:lvl9pPr>
+  </p:notesStyle>
+</p:notesMaster>
+</file>
+
+<file path=ppt/notesSlides/notesSlide1.xml><?xml version="1.0" encoding="utf-8"?>
+<p:notes xmlns:a="http://schemas.openxmlformats.org/drawingml/2006/main" xmlns:r="http://schemas.openxmlformats.org/officeDocument/2006/relationships" xmlns:p="http://schemas.openxmlformats.org/presentationml/2006/main">
+  <p:cSld>
+    <p:spTree>
+      <p:nvGrpSpPr>
+        <p:cNvPr id="1" name=""/>
+        <p:cNvGrpSpPr/>
+        <p:nvPr/>
+      </p:nvGrpSpPr>
+      <p:grpSpPr>
+        <a:xfrm>
+          <a:off x="0" y="0"/>
+          <a:ext cx="0" cy="0"/>
+          <a:chOff x="0" y="0"/>
+          <a:chExt cx="0" cy="0"/>
+        </a:xfrm>
+      </p:grpSpPr>
+      <p:sp>
+        <p:nvSpPr>
+          <p:cNvPr id="2" name="Slide Image Placeholder 1"/>
+          <p:cNvSpPr>
+            <a:spLocks noGrp="1" noRot="1" noChangeAspect="1"/>
+          </p:cNvSpPr>
+          <p:nvPr>
+            <p:ph type="sldImg"/>
+          </p:nvPr>
+        </p:nvSpPr>
+        <p:spPr/>
+      </p:sp>
+      <p:sp>
+        <p:nvSpPr>
+          <p:cNvPr id="3" name="Notes Placeholder 2"/>
+          <p:cNvSpPr>
+            <a:spLocks noGrp="1"/>
+          </p:cNvSpPr>
+          <p:nvPr>
+            <p:ph type="body" idx="1"/>
+          </p:nvPr>
+        </p:nvSpPr>
+        <p:spPr/>
+        <p:txBody>
+          <a:bodyPr/>
+          <a:lstStyle/>
+          <a:p>
+            <a:r>
+              <a:rPr lang="en-US" dirty="0"/>
+              <a:t>Go Over Code Examples</a:t>
+            </a:r>
+          </a:p>
+        </p:txBody>
+      </p:sp>
+      <p:sp>
+        <p:nvSpPr>
+          <p:cNvPr id="4" name="Slide Number Placeholder 3"/>
+          <p:cNvSpPr>
+            <a:spLocks noGrp="1"/>
+          </p:cNvSpPr>
+          <p:nvPr>
+            <p:ph type="sldNum" sz="quarter" idx="5"/>
+          </p:nvPr>
+        </p:nvSpPr>
+        <p:spPr/>
+        <p:txBody>
+          <a:bodyPr/>
+          <a:lstStyle/>
+          <a:p>
+            <a:fld id="{EE03CAB7-9EB7-412B-877E-EB37D4E5C527}" type="slidenum">
+              <a:rPr lang="en-US" smtClean="0"/>
+              <a:t>17</a:t>
+            </a:fld>
+            <a:endParaRPr lang="en-US"/>
+          </a:p>
+        </p:txBody>
+      </p:sp>
+    </p:spTree>
+    <p:extLst>
+      <p:ext uri="{BB962C8B-B14F-4D97-AF65-F5344CB8AC3E}">
+        <p14:creationId xmlns:p14="http://schemas.microsoft.com/office/powerpoint/2010/main" val="1971434099"/>
+      </p:ext>
+    </p:extLst>
+  </p:cSld>
+  <p:clrMapOvr>
+    <a:masterClrMapping/>
+  </p:clrMapOvr>
+</p:notes>
+</file>
+
 <file path=ppt/slideLayouts/slideLayout1.xml><?xml version="1.0" encoding="utf-8"?>
 <p:sldLayout xmlns:a="http://schemas.openxmlformats.org/drawingml/2006/main" xmlns:r="http://schemas.openxmlformats.org/officeDocument/2006/relationships" xmlns:p="http://schemas.openxmlformats.org/presentationml/2006/main" showMasterSp="0" type="title" preserve="1">
   <p:cSld name="Title Slide">
@@ -874,7 +1314,7 @@
             <a:fld id="{B61BEF0D-F0BB-DE4B-95CE-6DB70DBA9567}" type="datetimeFigureOut">
               <a:rPr lang="en-US" dirty="0"/>
               <a:pPr/>
-              <a:t>3/30/2019</a:t>
+              <a:t>4/8/2019</a:t>
             </a:fld>
             <a:endParaRPr lang="en-US" dirty="0"/>
           </a:p>
@@ -1122,7 +1562,7 @@
             <a:fld id="{B61BEF0D-F0BB-DE4B-95CE-6DB70DBA9567}" type="datetimeFigureOut">
               <a:rPr lang="en-US" dirty="0"/>
               <a:pPr/>
-              <a:t>3/30/2019</a:t>
+              <a:t>4/8/2019</a:t>
             </a:fld>
             <a:endParaRPr lang="en-US" dirty="0"/>
           </a:p>
@@ -1433,7 +1873,7 @@
             <a:fld id="{B61BEF0D-F0BB-DE4B-95CE-6DB70DBA9567}" type="datetimeFigureOut">
               <a:rPr lang="en-US" dirty="0"/>
               <a:pPr/>
-              <a:t>3/30/2019</a:t>
+              <a:t>4/8/2019</a:t>
             </a:fld>
             <a:endParaRPr lang="en-US" dirty="0"/>
           </a:p>
@@ -1763,7 +2203,7 @@
             <a:fld id="{B61BEF0D-F0BB-DE4B-95CE-6DB70DBA9567}" type="datetimeFigureOut">
               <a:rPr lang="en-US" dirty="0"/>
               <a:pPr/>
-              <a:t>3/30/2019</a:t>
+              <a:t>4/8/2019</a:t>
             </a:fld>
             <a:endParaRPr lang="en-US" dirty="0"/>
           </a:p>
@@ -2074,7 +2514,7 @@
             <a:fld id="{B61BEF0D-F0BB-DE4B-95CE-6DB70DBA9567}" type="datetimeFigureOut">
               <a:rPr lang="en-US" dirty="0"/>
               <a:pPr/>
-              <a:t>3/30/2019</a:t>
+              <a:t>4/8/2019</a:t>
             </a:fld>
             <a:endParaRPr lang="en-US" dirty="0"/>
           </a:p>
@@ -2464,7 +2904,7 @@
             <a:fld id="{B61BEF0D-F0BB-DE4B-95CE-6DB70DBA9567}" type="datetimeFigureOut">
               <a:rPr lang="en-US" dirty="0"/>
               <a:pPr/>
-              <a:t>3/30/2019</a:t>
+              <a:t>4/8/2019</a:t>
             </a:fld>
             <a:endParaRPr lang="en-US" dirty="0"/>
           </a:p>
@@ -2630,7 +3070,7 @@
           <a:p>
             <a:fld id="{55C6B4A9-1611-4792-9094-5F34BCA07E0B}" type="datetimeFigureOut">
               <a:rPr lang="en-US" dirty="0"/>
-              <a:t>3/30/2019</a:t>
+              <a:t>4/8/2019</a:t>
             </a:fld>
             <a:endParaRPr lang="en-US" dirty="0"/>
           </a:p>
@@ -2806,7 +3246,7 @@
             <a:fld id="{B61BEF0D-F0BB-DE4B-95CE-6DB70DBA9567}" type="datetimeFigureOut">
               <a:rPr lang="en-US" dirty="0"/>
               <a:pPr/>
-              <a:t>3/30/2019</a:t>
+              <a:t>4/8/2019</a:t>
             </a:fld>
             <a:endParaRPr lang="en-US" dirty="0"/>
           </a:p>
@@ -2972,7 +3412,7 @@
           <a:p>
             <a:fld id="{42A54C80-263E-416B-A8E0-580EDEADCBDC}" type="datetimeFigureOut">
               <a:rPr lang="en-US" dirty="0"/>
-              <a:t>3/30/2019</a:t>
+              <a:t>4/8/2019</a:t>
             </a:fld>
             <a:endParaRPr lang="en-US" dirty="0"/>
           </a:p>
@@ -3215,7 +3655,7 @@
             <a:fld id="{B61BEF0D-F0BB-DE4B-95CE-6DB70DBA9567}" type="datetimeFigureOut">
               <a:rPr lang="en-US" dirty="0"/>
               <a:pPr/>
-              <a:t>3/30/2019</a:t>
+              <a:t>4/8/2019</a:t>
             </a:fld>
             <a:endParaRPr lang="en-US" dirty="0"/>
           </a:p>
@@ -3443,7 +3883,7 @@
           <a:p>
             <a:fld id="{42A54C80-263E-416B-A8E0-580EDEADCBDC}" type="datetimeFigureOut">
               <a:rPr lang="en-US" dirty="0"/>
-              <a:t>3/30/2019</a:t>
+              <a:t>4/8/2019</a:t>
             </a:fld>
             <a:endParaRPr lang="en-US" dirty="0"/>
           </a:p>
@@ -3813,7 +4253,7 @@
             <a:fld id="{B61BEF0D-F0BB-DE4B-95CE-6DB70DBA9567}" type="datetimeFigureOut">
               <a:rPr lang="en-US" dirty="0"/>
               <a:pPr/>
-              <a:t>3/30/2019</a:t>
+              <a:t>4/8/2019</a:t>
             </a:fld>
             <a:endParaRPr lang="en-US" dirty="0"/>
           </a:p>
@@ -3933,7 +4373,7 @@
             <a:fld id="{B61BEF0D-F0BB-DE4B-95CE-6DB70DBA9567}" type="datetimeFigureOut">
               <a:rPr lang="en-US" dirty="0"/>
               <a:pPr/>
-              <a:t>3/30/2019</a:t>
+              <a:t>4/8/2019</a:t>
             </a:fld>
             <a:endParaRPr lang="en-US" dirty="0"/>
           </a:p>
@@ -4025,7 +4465,7 @@
             <a:fld id="{B61BEF0D-F0BB-DE4B-95CE-6DB70DBA9567}" type="datetimeFigureOut">
               <a:rPr lang="en-US" dirty="0"/>
               <a:pPr/>
-              <a:t>3/30/2019</a:t>
+              <a:t>4/8/2019</a:t>
             </a:fld>
             <a:endParaRPr lang="en-US" dirty="0"/>
           </a:p>
@@ -4276,7 +4716,7 @@
           <a:p>
             <a:fld id="{42A54C80-263E-416B-A8E0-580EDEADCBDC}" type="datetimeFigureOut">
               <a:rPr lang="en-US" dirty="0"/>
-              <a:t>3/30/2019</a:t>
+              <a:t>4/8/2019</a:t>
             </a:fld>
             <a:endParaRPr lang="en-US" dirty="0"/>
           </a:p>
@@ -4578,7 +5018,7 @@
             <a:fld id="{B61BEF0D-F0BB-DE4B-95CE-6DB70DBA9567}" type="datetimeFigureOut">
               <a:rPr lang="en-US" dirty="0"/>
               <a:pPr/>
-              <a:t>3/30/2019</a:t>
+              <a:t>4/8/2019</a:t>
             </a:fld>
             <a:endParaRPr lang="en-US" dirty="0"/>
           </a:p>
@@ -5276,7 +5716,7 @@
             <a:fld id="{B61BEF0D-F0BB-DE4B-95CE-6DB70DBA9567}" type="datetimeFigureOut">
               <a:rPr lang="en-US" dirty="0"/>
               <a:pPr/>
-              <a:t>3/30/2019</a:t>
+              <a:t>4/8/2019</a:t>
             </a:fld>
             <a:endParaRPr lang="en-US" dirty="0"/>
           </a:p>
@@ -10710,6 +11150,889 @@
 </p:sld>
 </file>
 
+<file path=ppt/slides/slide18.xml><?xml version="1.0" encoding="utf-8"?>
+<p:sld xmlns:a="http://schemas.openxmlformats.org/drawingml/2006/main" xmlns:r="http://schemas.openxmlformats.org/officeDocument/2006/relationships" xmlns:p="http://schemas.openxmlformats.org/presentationml/2006/main">
+  <p:cSld>
+    <p:bg>
+      <p:bgPr>
+        <a:solidFill>
+          <a:schemeClr val="bg1"/>
+        </a:solidFill>
+        <a:effectLst/>
+      </p:bgPr>
+    </p:bg>
+    <p:spTree>
+      <p:nvGrpSpPr>
+        <p:cNvPr id="1" name=""/>
+        <p:cNvGrpSpPr/>
+        <p:nvPr/>
+      </p:nvGrpSpPr>
+      <p:grpSpPr>
+        <a:xfrm>
+          <a:off x="0" y="0"/>
+          <a:ext cx="0" cy="0"/>
+          <a:chOff x="0" y="0"/>
+          <a:chExt cx="0" cy="0"/>
+        </a:xfrm>
+      </p:grpSpPr>
+      <p:grpSp>
+        <p:nvGrpSpPr>
+          <p:cNvPr id="10" name="Group 9">
+            <a:extLst>
+              <a:ext uri="{FF2B5EF4-FFF2-40B4-BE49-F238E27FC236}">
+                <a16:creationId xmlns:a16="http://schemas.microsoft.com/office/drawing/2014/main" id="{4815A7B4-532E-48C9-AC24-D78ACF3339DB}"/>
+              </a:ext>
+              <a:ext uri="{C183D7F6-B498-43B3-948B-1728B52AA6E4}">
+                <adec:decorative xmlns:adec="http://schemas.microsoft.com/office/drawing/2017/decorative" val="1"/>
+              </a:ext>
+            </a:extLst>
+          </p:cNvPr>
+          <p:cNvGrpSpPr>
+            <a:grpSpLocks noGrp="1" noUngrp="1" noRot="1" noChangeAspect="1" noMove="1" noResize="1"/>
+          </p:cNvGrpSpPr>
+          <p:nvPr>
+            <p:extLst>
+              <p:ext uri="{386F3935-93C4-4BCD-93E2-E3B085C9AB24}">
+                <p16:designElem xmlns:p16="http://schemas.microsoft.com/office/powerpoint/2015/main" val="1"/>
+              </p:ext>
+            </p:extLst>
+          </p:nvPr>
+        </p:nvGrpSpPr>
+        <p:grpSpPr>
+          <a:xfrm>
+            <a:off x="0" y="-8467"/>
+            <a:ext cx="12192000" cy="6866467"/>
+            <a:chOff x="0" y="-8467"/>
+            <a:chExt cx="12192000" cy="6866467"/>
+          </a:xfrm>
+        </p:grpSpPr>
+        <p:sp>
+          <p:nvSpPr>
+            <p:cNvPr id="11" name="Freeform 14">
+              <a:extLst>
+                <a:ext uri="{FF2B5EF4-FFF2-40B4-BE49-F238E27FC236}">
+                  <a16:creationId xmlns:a16="http://schemas.microsoft.com/office/drawing/2014/main" id="{D40109F4-CE5C-45F4-856E-F3F69C9FD4E1}"/>
+                </a:ext>
+                <a:ext uri="{C183D7F6-B498-43B3-948B-1728B52AA6E4}">
+                  <adec:decorative xmlns:adec="http://schemas.microsoft.com/office/drawing/2017/decorative" val="1"/>
+                </a:ext>
+              </a:extLst>
+            </p:cNvPr>
+            <p:cNvSpPr/>
+            <p:nvPr>
+              <p:extLst>
+                <p:ext uri="{386F3935-93C4-4BCD-93E2-E3B085C9AB24}">
+                  <p16:designElem xmlns:p16="http://schemas.microsoft.com/office/powerpoint/2015/main" val="1"/>
+                </p:ext>
+              </p:extLst>
+            </p:nvPr>
+          </p:nvSpPr>
+          <p:spPr>
+            <a:xfrm>
+              <a:off x="0" y="-7862"/>
+              <a:ext cx="863600" cy="5698067"/>
+            </a:xfrm>
+            <a:custGeom>
+              <a:avLst/>
+              <a:gdLst/>
+              <a:ahLst/>
+              <a:cxnLst/>
+              <a:rect l="l" t="t" r="r" b="b"/>
+              <a:pathLst>
+                <a:path w="863600" h="5698067">
+                  <a:moveTo>
+                    <a:pt x="0" y="8467"/>
+                  </a:moveTo>
+                  <a:lnTo>
+                    <a:pt x="863600" y="0"/>
+                  </a:lnTo>
+                  <a:lnTo>
+                    <a:pt x="863600" y="16934"/>
+                  </a:lnTo>
+                  <a:lnTo>
+                    <a:pt x="0" y="5698067"/>
+                  </a:lnTo>
+                  <a:lnTo>
+                    <a:pt x="0" y="8467"/>
+                  </a:lnTo>
+                  <a:close/>
+                </a:path>
+              </a:pathLst>
+            </a:custGeom>
+            <a:solidFill>
+              <a:schemeClr val="accent1">
+                <a:alpha val="70000"/>
+              </a:schemeClr>
+            </a:solidFill>
+            <a:ln>
+              <a:noFill/>
+            </a:ln>
+            <a:effectLst/>
+          </p:spPr>
+          <p:style>
+            <a:lnRef idx="1">
+              <a:schemeClr val="accent1"/>
+            </a:lnRef>
+            <a:fillRef idx="3">
+              <a:schemeClr val="accent1"/>
+            </a:fillRef>
+            <a:effectRef idx="2">
+              <a:schemeClr val="accent1"/>
+            </a:effectRef>
+            <a:fontRef idx="minor">
+              <a:schemeClr val="lt1"/>
+            </a:fontRef>
+          </p:style>
+        </p:sp>
+        <p:cxnSp>
+          <p:nvCxnSpPr>
+            <p:cNvPr id="12" name="Straight Connector 11">
+              <a:extLst>
+                <a:ext uri="{FF2B5EF4-FFF2-40B4-BE49-F238E27FC236}">
+                  <a16:creationId xmlns:a16="http://schemas.microsoft.com/office/drawing/2014/main" id="{3CBAA4DE-3D7B-460B-AE98-D9F9990C0B62}"/>
+                </a:ext>
+                <a:ext uri="{C183D7F6-B498-43B3-948B-1728B52AA6E4}">
+                  <adec:decorative xmlns:adec="http://schemas.microsoft.com/office/drawing/2017/decorative" val="1"/>
+                </a:ext>
+              </a:extLst>
+            </p:cNvPr>
+            <p:cNvCxnSpPr/>
+            <p:nvPr>
+              <p:extLst>
+                <p:ext uri="{386F3935-93C4-4BCD-93E2-E3B085C9AB24}">
+                  <p16:designElem xmlns:p16="http://schemas.microsoft.com/office/powerpoint/2015/main" val="1"/>
+                </p:ext>
+              </p:extLst>
+            </p:nvPr>
+          </p:nvCxnSpPr>
+          <p:spPr>
+            <a:xfrm>
+              <a:off x="9371012" y="0"/>
+              <a:ext cx="1219200" cy="6858000"/>
+            </a:xfrm>
+            <a:prstGeom prst="line">
+              <a:avLst/>
+            </a:prstGeom>
+            <a:ln w="9525">
+              <a:solidFill>
+                <a:schemeClr val="accent1">
+                  <a:alpha val="70000"/>
+                </a:schemeClr>
+              </a:solidFill>
+            </a:ln>
+          </p:spPr>
+          <p:style>
+            <a:lnRef idx="2">
+              <a:schemeClr val="accent1"/>
+            </a:lnRef>
+            <a:fillRef idx="0">
+              <a:schemeClr val="accent1"/>
+            </a:fillRef>
+            <a:effectRef idx="1">
+              <a:schemeClr val="accent1"/>
+            </a:effectRef>
+            <a:fontRef idx="minor">
+              <a:schemeClr val="tx1"/>
+            </a:fontRef>
+          </p:style>
+        </p:cxnSp>
+        <p:cxnSp>
+          <p:nvCxnSpPr>
+            <p:cNvPr id="13" name="Straight Connector 12">
+              <a:extLst>
+                <a:ext uri="{FF2B5EF4-FFF2-40B4-BE49-F238E27FC236}">
+                  <a16:creationId xmlns:a16="http://schemas.microsoft.com/office/drawing/2014/main" id="{7BF1ED3E-4F80-4AF6-A41B-44F53DDE610D}"/>
+                </a:ext>
+                <a:ext uri="{C183D7F6-B498-43B3-948B-1728B52AA6E4}">
+                  <adec:decorative xmlns:adec="http://schemas.microsoft.com/office/drawing/2017/decorative" val="1"/>
+                </a:ext>
+              </a:extLst>
+            </p:cNvPr>
+            <p:cNvCxnSpPr/>
+            <p:nvPr>
+              <p:extLst>
+                <p:ext uri="{386F3935-93C4-4BCD-93E2-E3B085C9AB24}">
+                  <p16:designElem xmlns:p16="http://schemas.microsoft.com/office/powerpoint/2015/main" val="1"/>
+                </p:ext>
+              </p:extLst>
+            </p:nvPr>
+          </p:nvCxnSpPr>
+          <p:spPr>
+            <a:xfrm flipH="1">
+              <a:off x="7425267" y="3681413"/>
+              <a:ext cx="4763558" cy="3176587"/>
+            </a:xfrm>
+            <a:prstGeom prst="line">
+              <a:avLst/>
+            </a:prstGeom>
+            <a:ln w="9525">
+              <a:solidFill>
+                <a:schemeClr val="accent1">
+                  <a:alpha val="70000"/>
+                </a:schemeClr>
+              </a:solidFill>
+            </a:ln>
+          </p:spPr>
+          <p:style>
+            <a:lnRef idx="2">
+              <a:schemeClr val="accent1"/>
+            </a:lnRef>
+            <a:fillRef idx="0">
+              <a:schemeClr val="accent1"/>
+            </a:fillRef>
+            <a:effectRef idx="1">
+              <a:schemeClr val="accent1"/>
+            </a:effectRef>
+            <a:fontRef idx="minor">
+              <a:schemeClr val="tx1"/>
+            </a:fontRef>
+          </p:style>
+        </p:cxnSp>
+        <p:sp>
+          <p:nvSpPr>
+            <p:cNvPr id="14" name="Rectangle 23">
+              <a:extLst>
+                <a:ext uri="{FF2B5EF4-FFF2-40B4-BE49-F238E27FC236}">
+                  <a16:creationId xmlns:a16="http://schemas.microsoft.com/office/drawing/2014/main" id="{C0B2D747-3E31-45C5-9A98-A9710A585FBB}"/>
+                </a:ext>
+                <a:ext uri="{C183D7F6-B498-43B3-948B-1728B52AA6E4}">
+                  <adec:decorative xmlns:adec="http://schemas.microsoft.com/office/drawing/2017/decorative" val="1"/>
+                </a:ext>
+              </a:extLst>
+            </p:cNvPr>
+            <p:cNvSpPr/>
+            <p:nvPr>
+              <p:extLst>
+                <p:ext uri="{386F3935-93C4-4BCD-93E2-E3B085C9AB24}">
+                  <p16:designElem xmlns:p16="http://schemas.microsoft.com/office/powerpoint/2015/main" val="1"/>
+                </p:ext>
+              </p:extLst>
+            </p:nvPr>
+          </p:nvSpPr>
+          <p:spPr>
+            <a:xfrm>
+              <a:off x="9181476" y="-8467"/>
+              <a:ext cx="3007349" cy="6866467"/>
+            </a:xfrm>
+            <a:custGeom>
+              <a:avLst/>
+              <a:gdLst/>
+              <a:ahLst/>
+              <a:cxnLst/>
+              <a:rect l="l" t="t" r="r" b="b"/>
+              <a:pathLst>
+                <a:path w="3007349" h="6866467">
+                  <a:moveTo>
+                    <a:pt x="2045532" y="0"/>
+                  </a:moveTo>
+                  <a:lnTo>
+                    <a:pt x="3007349" y="0"/>
+                  </a:lnTo>
+                  <a:lnTo>
+                    <a:pt x="3007349" y="6866467"/>
+                  </a:lnTo>
+                  <a:lnTo>
+                    <a:pt x="0" y="6866467"/>
+                  </a:lnTo>
+                  <a:lnTo>
+                    <a:pt x="2045532" y="0"/>
+                  </a:lnTo>
+                  <a:close/>
+                </a:path>
+              </a:pathLst>
+            </a:custGeom>
+            <a:solidFill>
+              <a:schemeClr val="accent1">
+                <a:alpha val="36000"/>
+              </a:schemeClr>
+            </a:solidFill>
+            <a:ln>
+              <a:noFill/>
+            </a:ln>
+            <a:effectLst/>
+          </p:spPr>
+          <p:style>
+            <a:lnRef idx="1">
+              <a:schemeClr val="accent1"/>
+            </a:lnRef>
+            <a:fillRef idx="3">
+              <a:schemeClr val="accent1"/>
+            </a:fillRef>
+            <a:effectRef idx="2">
+              <a:schemeClr val="accent1"/>
+            </a:effectRef>
+            <a:fontRef idx="minor">
+              <a:schemeClr val="lt1"/>
+            </a:fontRef>
+          </p:style>
+        </p:sp>
+        <p:sp>
+          <p:nvSpPr>
+            <p:cNvPr id="15" name="Rectangle 25">
+              <a:extLst>
+                <a:ext uri="{FF2B5EF4-FFF2-40B4-BE49-F238E27FC236}">
+                  <a16:creationId xmlns:a16="http://schemas.microsoft.com/office/drawing/2014/main" id="{A15FD4BA-3020-462D-8BE8-B3A65B8E492A}"/>
+                </a:ext>
+                <a:ext uri="{C183D7F6-B498-43B3-948B-1728B52AA6E4}">
+                  <adec:decorative xmlns:adec="http://schemas.microsoft.com/office/drawing/2017/decorative" val="1"/>
+                </a:ext>
+              </a:extLst>
+            </p:cNvPr>
+            <p:cNvSpPr/>
+            <p:nvPr>
+              <p:extLst>
+                <p:ext uri="{386F3935-93C4-4BCD-93E2-E3B085C9AB24}">
+                  <p16:designElem xmlns:p16="http://schemas.microsoft.com/office/powerpoint/2015/main" val="1"/>
+                </p:ext>
+              </p:extLst>
+            </p:nvPr>
+          </p:nvSpPr>
+          <p:spPr>
+            <a:xfrm>
+              <a:off x="9603442" y="-8467"/>
+              <a:ext cx="2588558" cy="6866467"/>
+            </a:xfrm>
+            <a:custGeom>
+              <a:avLst/>
+              <a:gdLst/>
+              <a:ahLst/>
+              <a:cxnLst/>
+              <a:rect l="l" t="t" r="r" b="b"/>
+              <a:pathLst>
+                <a:path w="2573311" h="6866467">
+                  <a:moveTo>
+                    <a:pt x="0" y="0"/>
+                  </a:moveTo>
+                  <a:lnTo>
+                    <a:pt x="2573311" y="0"/>
+                  </a:lnTo>
+                  <a:lnTo>
+                    <a:pt x="2573311" y="6866467"/>
+                  </a:lnTo>
+                  <a:lnTo>
+                    <a:pt x="1202336" y="6866467"/>
+                  </a:lnTo>
+                  <a:lnTo>
+                    <a:pt x="0" y="0"/>
+                  </a:lnTo>
+                  <a:close/>
+                </a:path>
+              </a:pathLst>
+            </a:custGeom>
+            <a:solidFill>
+              <a:schemeClr val="accent1">
+                <a:alpha val="20000"/>
+              </a:schemeClr>
+            </a:solidFill>
+            <a:ln>
+              <a:noFill/>
+            </a:ln>
+            <a:effectLst/>
+          </p:spPr>
+          <p:style>
+            <a:lnRef idx="1">
+              <a:schemeClr val="accent1"/>
+            </a:lnRef>
+            <a:fillRef idx="3">
+              <a:schemeClr val="accent1"/>
+            </a:fillRef>
+            <a:effectRef idx="2">
+              <a:schemeClr val="accent1"/>
+            </a:effectRef>
+            <a:fontRef idx="minor">
+              <a:schemeClr val="lt1"/>
+            </a:fontRef>
+          </p:style>
+        </p:sp>
+        <p:sp>
+          <p:nvSpPr>
+            <p:cNvPr id="16" name="Isosceles Triangle 15">
+              <a:extLst>
+                <a:ext uri="{FF2B5EF4-FFF2-40B4-BE49-F238E27FC236}">
+                  <a16:creationId xmlns:a16="http://schemas.microsoft.com/office/drawing/2014/main" id="{A304284A-7318-4DD5-898C-2F6B23C778FA}"/>
+                </a:ext>
+                <a:ext uri="{C183D7F6-B498-43B3-948B-1728B52AA6E4}">
+                  <adec:decorative xmlns:adec="http://schemas.microsoft.com/office/drawing/2017/decorative" val="1"/>
+                </a:ext>
+              </a:extLst>
+            </p:cNvPr>
+            <p:cNvSpPr/>
+            <p:nvPr>
+              <p:extLst>
+                <p:ext uri="{386F3935-93C4-4BCD-93E2-E3B085C9AB24}">
+                  <p16:designElem xmlns:p16="http://schemas.microsoft.com/office/powerpoint/2015/main" val="1"/>
+                </p:ext>
+              </p:extLst>
+            </p:nvPr>
+          </p:nvSpPr>
+          <p:spPr>
+            <a:xfrm>
+              <a:off x="8932333" y="3048000"/>
+              <a:ext cx="3259667" cy="3810000"/>
+            </a:xfrm>
+            <a:prstGeom prst="triangle">
+              <a:avLst>
+                <a:gd name="adj" fmla="val 100000"/>
+              </a:avLst>
+            </a:prstGeom>
+            <a:solidFill>
+              <a:schemeClr val="accent1">
+                <a:lumMod val="75000"/>
+                <a:alpha val="66000"/>
+              </a:schemeClr>
+            </a:solidFill>
+            <a:ln>
+              <a:noFill/>
+            </a:ln>
+            <a:effectLst/>
+          </p:spPr>
+          <p:style>
+            <a:lnRef idx="1">
+              <a:schemeClr val="accent1"/>
+            </a:lnRef>
+            <a:fillRef idx="3">
+              <a:schemeClr val="accent1"/>
+            </a:fillRef>
+            <a:effectRef idx="2">
+              <a:schemeClr val="accent1"/>
+            </a:effectRef>
+            <a:fontRef idx="minor">
+              <a:schemeClr val="lt1"/>
+            </a:fontRef>
+          </p:style>
+        </p:sp>
+        <p:sp>
+          <p:nvSpPr>
+            <p:cNvPr id="17" name="Rectangle 27">
+              <a:extLst>
+                <a:ext uri="{FF2B5EF4-FFF2-40B4-BE49-F238E27FC236}">
+                  <a16:creationId xmlns:a16="http://schemas.microsoft.com/office/drawing/2014/main" id="{9DF48E66-B635-4509-B115-E0987C014EBC}"/>
+                </a:ext>
+                <a:ext uri="{C183D7F6-B498-43B3-948B-1728B52AA6E4}">
+                  <adec:decorative xmlns:adec="http://schemas.microsoft.com/office/drawing/2017/decorative" val="1"/>
+                </a:ext>
+              </a:extLst>
+            </p:cNvPr>
+            <p:cNvSpPr/>
+            <p:nvPr>
+              <p:extLst>
+                <p:ext uri="{386F3935-93C4-4BCD-93E2-E3B085C9AB24}">
+                  <p16:designElem xmlns:p16="http://schemas.microsoft.com/office/powerpoint/2015/main" val="1"/>
+                </p:ext>
+              </p:extLst>
+            </p:nvPr>
+          </p:nvSpPr>
+          <p:spPr>
+            <a:xfrm>
+              <a:off x="9334500" y="-8467"/>
+              <a:ext cx="2854326" cy="6866467"/>
+            </a:xfrm>
+            <a:custGeom>
+              <a:avLst/>
+              <a:gdLst/>
+              <a:ahLst/>
+              <a:cxnLst/>
+              <a:rect l="l" t="t" r="r" b="b"/>
+              <a:pathLst>
+                <a:path w="2858013" h="6866467">
+                  <a:moveTo>
+                    <a:pt x="0" y="0"/>
+                  </a:moveTo>
+                  <a:lnTo>
+                    <a:pt x="2858013" y="0"/>
+                  </a:lnTo>
+                  <a:lnTo>
+                    <a:pt x="2858013" y="6866467"/>
+                  </a:lnTo>
+                  <a:lnTo>
+                    <a:pt x="2473942" y="6866467"/>
+                  </a:lnTo>
+                  <a:lnTo>
+                    <a:pt x="0" y="0"/>
+                  </a:lnTo>
+                  <a:close/>
+                </a:path>
+              </a:pathLst>
+            </a:custGeom>
+            <a:solidFill>
+              <a:schemeClr val="accent1">
+                <a:lumMod val="75000"/>
+                <a:alpha val="50000"/>
+              </a:schemeClr>
+            </a:solidFill>
+            <a:ln>
+              <a:noFill/>
+            </a:ln>
+            <a:effectLst/>
+          </p:spPr>
+          <p:style>
+            <a:lnRef idx="1">
+              <a:schemeClr val="accent1"/>
+            </a:lnRef>
+            <a:fillRef idx="3">
+              <a:schemeClr val="accent1"/>
+            </a:fillRef>
+            <a:effectRef idx="2">
+              <a:schemeClr val="accent1"/>
+            </a:effectRef>
+            <a:fontRef idx="minor">
+              <a:schemeClr val="lt1"/>
+            </a:fontRef>
+          </p:style>
+        </p:sp>
+        <p:sp>
+          <p:nvSpPr>
+            <p:cNvPr id="18" name="Rectangle 28">
+              <a:extLst>
+                <a:ext uri="{FF2B5EF4-FFF2-40B4-BE49-F238E27FC236}">
+                  <a16:creationId xmlns:a16="http://schemas.microsoft.com/office/drawing/2014/main" id="{E3B96D94-5F5A-4F4C-810C-917BF4D266C3}"/>
+                </a:ext>
+                <a:ext uri="{C183D7F6-B498-43B3-948B-1728B52AA6E4}">
+                  <adec:decorative xmlns:adec="http://schemas.microsoft.com/office/drawing/2017/decorative" val="1"/>
+                </a:ext>
+              </a:extLst>
+            </p:cNvPr>
+            <p:cNvSpPr/>
+            <p:nvPr>
+              <p:extLst>
+                <p:ext uri="{386F3935-93C4-4BCD-93E2-E3B085C9AB24}">
+                  <p16:designElem xmlns:p16="http://schemas.microsoft.com/office/powerpoint/2015/main" val="1"/>
+                </p:ext>
+              </p:extLst>
+            </p:nvPr>
+          </p:nvSpPr>
+          <p:spPr>
+            <a:xfrm>
+              <a:off x="10898730" y="-8467"/>
+              <a:ext cx="1290094" cy="6866467"/>
+            </a:xfrm>
+            <a:custGeom>
+              <a:avLst/>
+              <a:gdLst/>
+              <a:ahLst/>
+              <a:cxnLst/>
+              <a:rect l="l" t="t" r="r" b="b"/>
+              <a:pathLst>
+                <a:path w="1290094" h="6858000">
+                  <a:moveTo>
+                    <a:pt x="1019735" y="0"/>
+                  </a:moveTo>
+                  <a:lnTo>
+                    <a:pt x="1290094" y="0"/>
+                  </a:lnTo>
+                  <a:lnTo>
+                    <a:pt x="1290094" y="6858000"/>
+                  </a:lnTo>
+                  <a:lnTo>
+                    <a:pt x="0" y="6858000"/>
+                  </a:lnTo>
+                  <a:lnTo>
+                    <a:pt x="1019735" y="0"/>
+                  </a:lnTo>
+                  <a:close/>
+                </a:path>
+              </a:pathLst>
+            </a:custGeom>
+            <a:solidFill>
+              <a:schemeClr val="accent2">
+                <a:alpha val="70000"/>
+              </a:schemeClr>
+            </a:solidFill>
+            <a:ln>
+              <a:noFill/>
+            </a:ln>
+            <a:effectLst/>
+          </p:spPr>
+          <p:style>
+            <a:lnRef idx="1">
+              <a:schemeClr val="accent1"/>
+            </a:lnRef>
+            <a:fillRef idx="3">
+              <a:schemeClr val="accent1"/>
+            </a:fillRef>
+            <a:effectRef idx="2">
+              <a:schemeClr val="accent1"/>
+            </a:effectRef>
+            <a:fontRef idx="minor">
+              <a:schemeClr val="lt1"/>
+            </a:fontRef>
+          </p:style>
+        </p:sp>
+        <p:sp>
+          <p:nvSpPr>
+            <p:cNvPr id="19" name="Rectangle 29">
+              <a:extLst>
+                <a:ext uri="{FF2B5EF4-FFF2-40B4-BE49-F238E27FC236}">
+                  <a16:creationId xmlns:a16="http://schemas.microsoft.com/office/drawing/2014/main" id="{7F3782D6-BFF8-4389-9D39-A023ADAA92C1}"/>
+                </a:ext>
+                <a:ext uri="{C183D7F6-B498-43B3-948B-1728B52AA6E4}">
+                  <adec:decorative xmlns:adec="http://schemas.microsoft.com/office/drawing/2017/decorative" val="1"/>
+                </a:ext>
+              </a:extLst>
+            </p:cNvPr>
+            <p:cNvSpPr/>
+            <p:nvPr>
+              <p:extLst>
+                <p:ext uri="{386F3935-93C4-4BCD-93E2-E3B085C9AB24}">
+                  <p16:designElem xmlns:p16="http://schemas.microsoft.com/office/powerpoint/2015/main" val="1"/>
+                </p:ext>
+              </p:extLst>
+            </p:nvPr>
+          </p:nvSpPr>
+          <p:spPr>
+            <a:xfrm>
+              <a:off x="10938999" y="-8467"/>
+              <a:ext cx="1249825" cy="6866467"/>
+            </a:xfrm>
+            <a:custGeom>
+              <a:avLst/>
+              <a:gdLst/>
+              <a:ahLst/>
+              <a:cxnLst/>
+              <a:rect l="l" t="t" r="r" b="b"/>
+              <a:pathLst>
+                <a:path w="1249825" h="6858000">
+                  <a:moveTo>
+                    <a:pt x="0" y="0"/>
+                  </a:moveTo>
+                  <a:lnTo>
+                    <a:pt x="1249825" y="0"/>
+                  </a:lnTo>
+                  <a:lnTo>
+                    <a:pt x="1249825" y="6858000"/>
+                  </a:lnTo>
+                  <a:lnTo>
+                    <a:pt x="1109382" y="6858000"/>
+                  </a:lnTo>
+                  <a:lnTo>
+                    <a:pt x="0" y="0"/>
+                  </a:lnTo>
+                  <a:close/>
+                </a:path>
+              </a:pathLst>
+            </a:custGeom>
+            <a:solidFill>
+              <a:schemeClr val="accent2">
+                <a:lumMod val="75000"/>
+                <a:alpha val="80000"/>
+              </a:schemeClr>
+            </a:solidFill>
+            <a:ln>
+              <a:noFill/>
+            </a:ln>
+            <a:effectLst/>
+          </p:spPr>
+          <p:style>
+            <a:lnRef idx="1">
+              <a:schemeClr val="accent1"/>
+            </a:lnRef>
+            <a:fillRef idx="3">
+              <a:schemeClr val="accent1"/>
+            </a:fillRef>
+            <a:effectRef idx="2">
+              <a:schemeClr val="accent1"/>
+            </a:effectRef>
+            <a:fontRef idx="minor">
+              <a:schemeClr val="lt1"/>
+            </a:fontRef>
+          </p:style>
+        </p:sp>
+        <p:sp>
+          <p:nvSpPr>
+            <p:cNvPr id="20" name="Isosceles Triangle 19">
+              <a:extLst>
+                <a:ext uri="{FF2B5EF4-FFF2-40B4-BE49-F238E27FC236}">
+                  <a16:creationId xmlns:a16="http://schemas.microsoft.com/office/drawing/2014/main" id="{ECE162D4-FCAE-441B-B5E9-C91DE62124EF}"/>
+                </a:ext>
+                <a:ext uri="{C183D7F6-B498-43B3-948B-1728B52AA6E4}">
+                  <adec:decorative xmlns:adec="http://schemas.microsoft.com/office/drawing/2017/decorative" val="1"/>
+                </a:ext>
+              </a:extLst>
+            </p:cNvPr>
+            <p:cNvSpPr/>
+            <p:nvPr>
+              <p:extLst>
+                <p:ext uri="{386F3935-93C4-4BCD-93E2-E3B085C9AB24}">
+                  <p16:designElem xmlns:p16="http://schemas.microsoft.com/office/powerpoint/2015/main" val="1"/>
+                </p:ext>
+              </p:extLst>
+            </p:nvPr>
+          </p:nvSpPr>
+          <p:spPr>
+            <a:xfrm>
+              <a:off x="10371666" y="3589867"/>
+              <a:ext cx="1817159" cy="3268133"/>
+            </a:xfrm>
+            <a:prstGeom prst="triangle">
+              <a:avLst>
+                <a:gd name="adj" fmla="val 100000"/>
+              </a:avLst>
+            </a:prstGeom>
+            <a:solidFill>
+              <a:schemeClr val="accent1">
+                <a:lumMod val="75000"/>
+                <a:alpha val="66000"/>
+              </a:schemeClr>
+            </a:solidFill>
+            <a:ln>
+              <a:noFill/>
+            </a:ln>
+            <a:effectLst/>
+          </p:spPr>
+          <p:style>
+            <a:lnRef idx="1">
+              <a:schemeClr val="accent1"/>
+            </a:lnRef>
+            <a:fillRef idx="3">
+              <a:schemeClr val="accent1"/>
+            </a:fillRef>
+            <a:effectRef idx="2">
+              <a:schemeClr val="accent1"/>
+            </a:effectRef>
+            <a:fontRef idx="minor">
+              <a:schemeClr val="lt1"/>
+            </a:fontRef>
+          </p:style>
+        </p:sp>
+      </p:grpSp>
+      <p:sp>
+        <p:nvSpPr>
+          <p:cNvPr id="2" name="Title 1">
+            <a:extLst>
+              <a:ext uri="{FF2B5EF4-FFF2-40B4-BE49-F238E27FC236}">
+                <a16:creationId xmlns:a16="http://schemas.microsoft.com/office/drawing/2014/main" id="{67250A5F-73E3-40F9-8978-602863835D12}"/>
+              </a:ext>
+            </a:extLst>
+          </p:cNvPr>
+          <p:cNvSpPr>
+            <a:spLocks noGrp="1"/>
+          </p:cNvSpPr>
+          <p:nvPr>
+            <p:ph type="title"/>
+          </p:nvPr>
+        </p:nvSpPr>
+        <p:spPr>
+          <a:xfrm>
+            <a:off x="6094855" y="1261331"/>
+            <a:ext cx="3497565" cy="3002662"/>
+          </a:xfrm>
+        </p:spPr>
+        <p:txBody>
+          <a:bodyPr vert="horz" lIns="91440" tIns="45720" rIns="91440" bIns="45720" rtlCol="0" anchor="b">
+            <a:normAutofit/>
+          </a:bodyPr>
+          <a:lstStyle/>
+          <a:p>
+            <a:r>
+              <a:rPr lang="en-US" sz="4400"/>
+              <a:t>Any Questions?</a:t>
+            </a:r>
+          </a:p>
+        </p:txBody>
+      </p:sp>
+      <p:sp>
+        <p:nvSpPr>
+          <p:cNvPr id="22" name="Isosceles Triangle 21">
+            <a:extLst>
+              <a:ext uri="{FF2B5EF4-FFF2-40B4-BE49-F238E27FC236}">
+                <a16:creationId xmlns:a16="http://schemas.microsoft.com/office/drawing/2014/main" id="{F6E918B1-FA59-42EF-8A8E-B0F3D1E54084}"/>
+              </a:ext>
+              <a:ext uri="{C183D7F6-B498-43B3-948B-1728B52AA6E4}">
+                <adec:decorative xmlns:adec="http://schemas.microsoft.com/office/drawing/2017/decorative" val="1"/>
+              </a:ext>
+            </a:extLst>
+          </p:cNvPr>
+          <p:cNvSpPr>
+            <a:spLocks noGrp="1" noRot="1" noChangeAspect="1" noMove="1" noResize="1" noEditPoints="1" noAdjustHandles="1" noChangeArrowheads="1" noChangeShapeType="1" noTextEdit="1"/>
+          </p:cNvSpPr>
+          <p:nvPr>
+            <p:extLst>
+              <p:ext uri="{386F3935-93C4-4BCD-93E2-E3B085C9AB24}">
+                <p16:designElem xmlns:p16="http://schemas.microsoft.com/office/powerpoint/2015/main" val="1"/>
+              </p:ext>
+            </p:extLst>
+          </p:nvPr>
+        </p:nvSpPr>
+        <p:spPr>
+          <a:xfrm rot="10800000">
+            <a:off x="3174" y="12700"/>
+            <a:ext cx="842596" cy="5666154"/>
+          </a:xfrm>
+          <a:prstGeom prst="triangle">
+            <a:avLst>
+              <a:gd name="adj" fmla="val 100000"/>
+            </a:avLst>
+          </a:prstGeom>
+          <a:solidFill>
+            <a:schemeClr val="accent1">
+              <a:alpha val="85000"/>
+            </a:schemeClr>
+          </a:solidFill>
+          <a:ln>
+            <a:noFill/>
+          </a:ln>
+          <a:effectLst/>
+        </p:spPr>
+        <p:style>
+          <a:lnRef idx="1">
+            <a:schemeClr val="accent1"/>
+          </a:lnRef>
+          <a:fillRef idx="3">
+            <a:schemeClr val="accent1"/>
+          </a:fillRef>
+          <a:effectRef idx="2">
+            <a:schemeClr val="accent1"/>
+          </a:effectRef>
+          <a:fontRef idx="minor">
+            <a:schemeClr val="lt1"/>
+          </a:fontRef>
+        </p:style>
+      </p:sp>
+      <p:pic>
+        <p:nvPicPr>
+          <p:cNvPr id="5" name="Content Placeholder 4">
+            <a:extLst>
+              <a:ext uri="{FF2B5EF4-FFF2-40B4-BE49-F238E27FC236}">
+                <a16:creationId xmlns:a16="http://schemas.microsoft.com/office/drawing/2014/main" id="{A5C8CB98-77B0-49C7-8C0F-4CDCA38D29E6}"/>
+              </a:ext>
+            </a:extLst>
+          </p:cNvPr>
+          <p:cNvPicPr>
+            <a:picLocks noGrp="1" noChangeAspect="1"/>
+          </p:cNvPicPr>
+          <p:nvPr>
+            <p:ph idx="1"/>
+          </p:nvPr>
+        </p:nvPicPr>
+        <p:blipFill>
+          <a:blip r:embed="rId2"/>
+          <a:stretch>
+            <a:fillRect/>
+          </a:stretch>
+        </p:blipFill>
+        <p:spPr>
+          <a:xfrm>
+            <a:off x="888603" y="1577914"/>
+            <a:ext cx="4887354" cy="3702171"/>
+          </a:xfrm>
+          <a:prstGeom prst="rect">
+            <a:avLst/>
+          </a:prstGeom>
+        </p:spPr>
+      </p:pic>
+    </p:spTree>
+    <p:extLst>
+      <p:ext uri="{BB962C8B-B14F-4D97-AF65-F5344CB8AC3E}">
+        <p14:creationId xmlns:p14="http://schemas.microsoft.com/office/powerpoint/2010/main" val="1270055135"/>
+      </p:ext>
+    </p:extLst>
+  </p:cSld>
+  <p:clrMapOvr>
+    <a:masterClrMapping/>
+  </p:clrMapOvr>
+</p:sld>
+</file>
+
 <file path=ppt/slides/slide2.xml><?xml version="1.0" encoding="utf-8"?>
 <p:sld xmlns:a="http://schemas.openxmlformats.org/drawingml/2006/main" xmlns:r="http://schemas.openxmlformats.org/officeDocument/2006/relationships" xmlns:p="http://schemas.openxmlformats.org/presentationml/2006/main">
   <p:cSld>
@@ -13448,4 +14771,299 @@
     </a:ext>
   </a:extLst>
 </a:theme>
+</file>
+
+<file path=ppt/theme/theme2.xml><?xml version="1.0" encoding="utf-8"?>
+<a:theme xmlns:a="http://schemas.openxmlformats.org/drawingml/2006/main" name="Office Theme">
+  <a:themeElements>
+    <a:clrScheme name="Office">
+      <a:dk1>
+        <a:sysClr val="windowText" lastClr="000000"/>
+      </a:dk1>
+      <a:lt1>
+        <a:sysClr val="window" lastClr="FFFFFF"/>
+      </a:lt1>
+      <a:dk2>
+        <a:srgbClr val="44546A"/>
+      </a:dk2>
+      <a:lt2>
+        <a:srgbClr val="E7E6E6"/>
+      </a:lt2>
+      <a:accent1>
+        <a:srgbClr val="4472C4"/>
+      </a:accent1>
+      <a:accent2>
+        <a:srgbClr val="ED7D31"/>
+      </a:accent2>
+      <a:accent3>
+        <a:srgbClr val="A5A5A5"/>
+      </a:accent3>
+      <a:accent4>
+        <a:srgbClr val="FFC000"/>
+      </a:accent4>
+      <a:accent5>
+        <a:srgbClr val="5B9BD5"/>
+      </a:accent5>
+      <a:accent6>
+        <a:srgbClr val="70AD47"/>
+      </a:accent6>
+      <a:hlink>
+        <a:srgbClr val="0563C1"/>
+      </a:hlink>
+      <a:folHlink>
+        <a:srgbClr val="954F72"/>
+      </a:folHlink>
+    </a:clrScheme>
+    <a:fontScheme name="Office">
+      <a:majorFont>
+        <a:latin typeface="Calibri Light" panose="020F0302020204030204"/>
+        <a:ea typeface=""/>
+        <a:cs typeface=""/>
+        <a:font script="Jpan" typeface="游ゴシック Light"/>
+        <a:font script="Hang" typeface="맑은 고딕"/>
+        <a:font script="Hans" typeface="等线 Light"/>
+        <a:font script="Hant" typeface="新細明體"/>
+        <a:font script="Arab" typeface="Times New Roman"/>
+        <a:font script="Hebr" typeface="Times New Roman"/>
+        <a:font script="Thai" typeface="Angsana New"/>
+        <a:font script="Ethi" typeface="Nyala"/>
+        <a:font script="Beng" typeface="Vrinda"/>
+        <a:font script="Gujr" typeface="Shruti"/>
+        <a:font script="Khmr" typeface="MoolBoran"/>
+        <a:font script="Knda" typeface="Tunga"/>
+        <a:font script="Guru" typeface="Raavi"/>
+        <a:font script="Cans" typeface="Euphemia"/>
+        <a:font script="Cher" typeface="Plantagenet Cherokee"/>
+        <a:font script="Yiii" typeface="Microsoft Yi Baiti"/>
+        <a:font script="Tibt" typeface="Microsoft Himalaya"/>
+        <a:font script="Thaa" typeface="MV Boli"/>
+        <a:font script="Deva" typeface="Mangal"/>
+        <a:font script="Telu" typeface="Gautami"/>
+        <a:font script="Taml" typeface="Latha"/>
+        <a:font script="Syrc" typeface="Estrangelo Edessa"/>
+        <a:font script="Orya" typeface="Kalinga"/>
+        <a:font script="Mlym" typeface="Kartika"/>
+        <a:font script="Laoo" typeface="DokChampa"/>
+        <a:font script="Sinh" typeface="Iskoola Pota"/>
+        <a:font script="Mong" typeface="Mongolian Baiti"/>
+        <a:font script="Viet" typeface="Times New Roman"/>
+        <a:font script="Uigh" typeface="Microsoft Uighur"/>
+        <a:font script="Geor" typeface="Sylfaen"/>
+        <a:font script="Armn" typeface="Arial"/>
+        <a:font script="Bugi" typeface="Leelawadee UI"/>
+        <a:font script="Bopo" typeface="Microsoft JhengHei"/>
+        <a:font script="Java" typeface="Javanese Text"/>
+        <a:font script="Lisu" typeface="Segoe UI"/>
+        <a:font script="Mymr" typeface="Myanmar Text"/>
+        <a:font script="Nkoo" typeface="Ebrima"/>
+        <a:font script="Olck" typeface="Nirmala UI"/>
+        <a:font script="Osma" typeface="Ebrima"/>
+        <a:font script="Phag" typeface="Phagspa"/>
+        <a:font script="Syrn" typeface="Estrangelo Edessa"/>
+        <a:font script="Syrj" typeface="Estrangelo Edessa"/>
+        <a:font script="Syre" typeface="Estrangelo Edessa"/>
+        <a:font script="Sora" typeface="Nirmala UI"/>
+        <a:font script="Tale" typeface="Microsoft Tai Le"/>
+        <a:font script="Talu" typeface="Microsoft New Tai Lue"/>
+        <a:font script="Tfng" typeface="Ebrima"/>
+      </a:majorFont>
+      <a:minorFont>
+        <a:latin typeface="Calibri" panose="020F0502020204030204"/>
+        <a:ea typeface=""/>
+        <a:cs typeface=""/>
+        <a:font script="Jpan" typeface="游ゴシック"/>
+        <a:font script="Hang" typeface="맑은 고딕"/>
+        <a:font script="Hans" typeface="等线"/>
+        <a:font script="Hant" typeface="新細明體"/>
+        <a:font script="Arab" typeface="Arial"/>
+        <a:font script="Hebr" typeface="Arial"/>
+        <a:font script="Thai" typeface="Cordia New"/>
+        <a:font script="Ethi" typeface="Nyala"/>
+        <a:font script="Beng" typeface="Vrinda"/>
+        <a:font script="Gujr" typeface="Shruti"/>
+        <a:font script="Khmr" typeface="DaunPenh"/>
+        <a:font script="Knda" typeface="Tunga"/>
+        <a:font script="Guru" typeface="Raavi"/>
+        <a:font script="Cans" typeface="Euphemia"/>
+        <a:font script="Cher" typeface="Plantagenet Cherokee"/>
+        <a:font script="Yiii" typeface="Microsoft Yi Baiti"/>
+        <a:font script="Tibt" typeface="Microsoft Himalaya"/>
+        <a:font script="Thaa" typeface="MV Boli"/>
+        <a:font script="Deva" typeface="Mangal"/>
+        <a:font script="Telu" typeface="Gautami"/>
+        <a:font script="Taml" typeface="Latha"/>
+        <a:font script="Syrc" typeface="Estrangelo Edessa"/>
+        <a:font script="Orya" typeface="Kalinga"/>
+        <a:font script="Mlym" typeface="Kartika"/>
+        <a:font script="Laoo" typeface="DokChampa"/>
+        <a:font script="Sinh" typeface="Iskoola Pota"/>
+        <a:font script="Mong" typeface="Mongolian Baiti"/>
+        <a:font script="Viet" typeface="Arial"/>
+        <a:font script="Uigh" typeface="Microsoft Uighur"/>
+        <a:font script="Geor" typeface="Sylfaen"/>
+        <a:font script="Armn" typeface="Arial"/>
+        <a:font script="Bugi" typeface="Leelawadee UI"/>
+        <a:font script="Bopo" typeface="Microsoft JhengHei"/>
+        <a:font script="Java" typeface="Javanese Text"/>
+        <a:font script="Lisu" typeface="Segoe UI"/>
+        <a:font script="Mymr" typeface="Myanmar Text"/>
+        <a:font script="Nkoo" typeface="Ebrima"/>
+        <a:font script="Olck" typeface="Nirmala UI"/>
+        <a:font script="Osma" typeface="Ebrima"/>
+        <a:font script="Phag" typeface="Phagspa"/>
+        <a:font script="Syrn" typeface="Estrangelo Edessa"/>
+        <a:font script="Syrj" typeface="Estrangelo Edessa"/>
+        <a:font script="Syre" typeface="Estrangelo Edessa"/>
+        <a:font script="Sora" typeface="Nirmala UI"/>
+        <a:font script="Tale" typeface="Microsoft Tai Le"/>
+        <a:font script="Talu" typeface="Microsoft New Tai Lue"/>
+        <a:font script="Tfng" typeface="Ebrima"/>
+      </a:minorFont>
+    </a:fontScheme>
+    <a:fmtScheme name="Office">
+      <a:fillStyleLst>
+        <a:solidFill>
+          <a:schemeClr val="phClr"/>
+        </a:solidFill>
+        <a:gradFill rotWithShape="1">
+          <a:gsLst>
+            <a:gs pos="0">
+              <a:schemeClr val="phClr">
+                <a:lumMod val="110000"/>
+                <a:satMod val="105000"/>
+                <a:tint val="67000"/>
+              </a:schemeClr>
+            </a:gs>
+            <a:gs pos="50000">
+              <a:schemeClr val="phClr">
+                <a:lumMod val="105000"/>
+                <a:satMod val="103000"/>
+                <a:tint val="73000"/>
+              </a:schemeClr>
+            </a:gs>
+            <a:gs pos="100000">
+              <a:schemeClr val="phClr">
+                <a:lumMod val="105000"/>
+                <a:satMod val="109000"/>
+                <a:tint val="81000"/>
+              </a:schemeClr>
+            </a:gs>
+          </a:gsLst>
+          <a:lin ang="5400000" scaled="0"/>
+        </a:gradFill>
+        <a:gradFill rotWithShape="1">
+          <a:gsLst>
+            <a:gs pos="0">
+              <a:schemeClr val="phClr">
+                <a:satMod val="103000"/>
+                <a:lumMod val="102000"/>
+                <a:tint val="94000"/>
+              </a:schemeClr>
+            </a:gs>
+            <a:gs pos="50000">
+              <a:schemeClr val="phClr">
+                <a:satMod val="110000"/>
+                <a:lumMod val="100000"/>
+                <a:shade val="100000"/>
+              </a:schemeClr>
+            </a:gs>
+            <a:gs pos="100000">
+              <a:schemeClr val="phClr">
+                <a:lumMod val="99000"/>
+                <a:satMod val="120000"/>
+                <a:shade val="78000"/>
+              </a:schemeClr>
+            </a:gs>
+          </a:gsLst>
+          <a:lin ang="5400000" scaled="0"/>
+        </a:gradFill>
+      </a:fillStyleLst>
+      <a:lnStyleLst>
+        <a:ln w="6350" cap="flat" cmpd="sng" algn="ctr">
+          <a:solidFill>
+            <a:schemeClr val="phClr"/>
+          </a:solidFill>
+          <a:prstDash val="solid"/>
+          <a:miter lim="800000"/>
+        </a:ln>
+        <a:ln w="12700" cap="flat" cmpd="sng" algn="ctr">
+          <a:solidFill>
+            <a:schemeClr val="phClr"/>
+          </a:solidFill>
+          <a:prstDash val="solid"/>
+          <a:miter lim="800000"/>
+        </a:ln>
+        <a:ln w="19050" cap="flat" cmpd="sng" algn="ctr">
+          <a:solidFill>
+            <a:schemeClr val="phClr"/>
+          </a:solidFill>
+          <a:prstDash val="solid"/>
+          <a:miter lim="800000"/>
+        </a:ln>
+      </a:lnStyleLst>
+      <a:effectStyleLst>
+        <a:effectStyle>
+          <a:effectLst/>
+        </a:effectStyle>
+        <a:effectStyle>
+          <a:effectLst/>
+        </a:effectStyle>
+        <a:effectStyle>
+          <a:effectLst>
+            <a:outerShdw blurRad="57150" dist="19050" dir="5400000" algn="ctr" rotWithShape="0">
+              <a:srgbClr val="000000">
+                <a:alpha val="63000"/>
+              </a:srgbClr>
+            </a:outerShdw>
+          </a:effectLst>
+        </a:effectStyle>
+      </a:effectStyleLst>
+      <a:bgFillStyleLst>
+        <a:solidFill>
+          <a:schemeClr val="phClr"/>
+        </a:solidFill>
+        <a:solidFill>
+          <a:schemeClr val="phClr">
+            <a:tint val="95000"/>
+            <a:satMod val="170000"/>
+          </a:schemeClr>
+        </a:solidFill>
+        <a:gradFill rotWithShape="1">
+          <a:gsLst>
+            <a:gs pos="0">
+              <a:schemeClr val="phClr">
+                <a:tint val="93000"/>
+                <a:satMod val="150000"/>
+                <a:shade val="98000"/>
+                <a:lumMod val="102000"/>
+              </a:schemeClr>
+            </a:gs>
+            <a:gs pos="50000">
+              <a:schemeClr val="phClr">
+                <a:tint val="98000"/>
+                <a:satMod val="130000"/>
+                <a:shade val="90000"/>
+                <a:lumMod val="103000"/>
+              </a:schemeClr>
+            </a:gs>
+            <a:gs pos="100000">
+              <a:schemeClr val="phClr">
+                <a:shade val="63000"/>
+                <a:satMod val="120000"/>
+              </a:schemeClr>
+            </a:gs>
+          </a:gsLst>
+          <a:lin ang="5400000" scaled="0"/>
+        </a:gradFill>
+      </a:bgFillStyleLst>
+    </a:fmtScheme>
+  </a:themeElements>
+  <a:objectDefaults/>
+  <a:extraClrSchemeLst/>
+  <a:extLst>
+    <a:ext uri="{05A4C25C-085E-4340-85A3-A5531E510DB2}">
+      <thm15:themeFamily xmlns:thm15="http://schemas.microsoft.com/office/thememl/2012/main" name="Office Theme" id="{62F939B6-93AF-4DB8-9C6B-D6C7DFDC589F}" vid="{4A3C46E8-61CC-4603-A589-7422A47A8E4A}"/>
+    </a:ext>
+  </a:extLst>
+</a:theme>
 </file>
--- a/Slides/Lesson1.2.pptx
+++ b/Slides/Lesson1.2.pptx
@@ -214,7 +214,7 @@
           <a:p>
             <a:fld id="{974E9575-A1B6-4AC1-BDBA-B0980DEAC9C1}" type="datetimeFigureOut">
               <a:rPr lang="en-US" smtClean="0"/>
-              <a:t>4/8/2019</a:t>
+              <a:t>4/17/2019</a:t>
             </a:fld>
             <a:endParaRPr lang="en-US"/>
           </a:p>
@@ -1314,7 +1314,7 @@
             <a:fld id="{B61BEF0D-F0BB-DE4B-95CE-6DB70DBA9567}" type="datetimeFigureOut">
               <a:rPr lang="en-US" dirty="0"/>
               <a:pPr/>
-              <a:t>4/8/2019</a:t>
+              <a:t>4/17/2019</a:t>
             </a:fld>
             <a:endParaRPr lang="en-US" dirty="0"/>
           </a:p>
@@ -1562,7 +1562,7 @@
             <a:fld id="{B61BEF0D-F0BB-DE4B-95CE-6DB70DBA9567}" type="datetimeFigureOut">
               <a:rPr lang="en-US" dirty="0"/>
               <a:pPr/>
-              <a:t>4/8/2019</a:t>
+              <a:t>4/17/2019</a:t>
             </a:fld>
             <a:endParaRPr lang="en-US" dirty="0"/>
           </a:p>
@@ -1873,7 +1873,7 @@
             <a:fld id="{B61BEF0D-F0BB-DE4B-95CE-6DB70DBA9567}" type="datetimeFigureOut">
               <a:rPr lang="en-US" dirty="0"/>
               <a:pPr/>
-              <a:t>4/8/2019</a:t>
+              <a:t>4/17/2019</a:t>
             </a:fld>
             <a:endParaRPr lang="en-US" dirty="0"/>
           </a:p>
@@ -2203,7 +2203,7 @@
             <a:fld id="{B61BEF0D-F0BB-DE4B-95CE-6DB70DBA9567}" type="datetimeFigureOut">
               <a:rPr lang="en-US" dirty="0"/>
               <a:pPr/>
-              <a:t>4/8/2019</a:t>
+              <a:t>4/17/2019</a:t>
             </a:fld>
             <a:endParaRPr lang="en-US" dirty="0"/>
           </a:p>
@@ -2514,7 +2514,7 @@
             <a:fld id="{B61BEF0D-F0BB-DE4B-95CE-6DB70DBA9567}" type="datetimeFigureOut">
               <a:rPr lang="en-US" dirty="0"/>
               <a:pPr/>
-              <a:t>4/8/2019</a:t>
+              <a:t>4/17/2019</a:t>
             </a:fld>
             <a:endParaRPr lang="en-US" dirty="0"/>
           </a:p>
@@ -2904,7 +2904,7 @@
             <a:fld id="{B61BEF0D-F0BB-DE4B-95CE-6DB70DBA9567}" type="datetimeFigureOut">
               <a:rPr lang="en-US" dirty="0"/>
               <a:pPr/>
-              <a:t>4/8/2019</a:t>
+              <a:t>4/17/2019</a:t>
             </a:fld>
             <a:endParaRPr lang="en-US" dirty="0"/>
           </a:p>
@@ -3070,7 +3070,7 @@
           <a:p>
             <a:fld id="{55C6B4A9-1611-4792-9094-5F34BCA07E0B}" type="datetimeFigureOut">
               <a:rPr lang="en-US" dirty="0"/>
-              <a:t>4/8/2019</a:t>
+              <a:t>4/17/2019</a:t>
             </a:fld>
             <a:endParaRPr lang="en-US" dirty="0"/>
           </a:p>
@@ -3246,7 +3246,7 @@
             <a:fld id="{B61BEF0D-F0BB-DE4B-95CE-6DB70DBA9567}" type="datetimeFigureOut">
               <a:rPr lang="en-US" dirty="0"/>
               <a:pPr/>
-              <a:t>4/8/2019</a:t>
+              <a:t>4/17/2019</a:t>
             </a:fld>
             <a:endParaRPr lang="en-US" dirty="0"/>
           </a:p>
@@ -3412,7 +3412,7 @@
           <a:p>
             <a:fld id="{42A54C80-263E-416B-A8E0-580EDEADCBDC}" type="datetimeFigureOut">
               <a:rPr lang="en-US" dirty="0"/>
-              <a:t>4/8/2019</a:t>
+              <a:t>4/17/2019</a:t>
             </a:fld>
             <a:endParaRPr lang="en-US" dirty="0"/>
           </a:p>
@@ -3655,7 +3655,7 @@
             <a:fld id="{B61BEF0D-F0BB-DE4B-95CE-6DB70DBA9567}" type="datetimeFigureOut">
               <a:rPr lang="en-US" dirty="0"/>
               <a:pPr/>
-              <a:t>4/8/2019</a:t>
+              <a:t>4/17/2019</a:t>
             </a:fld>
             <a:endParaRPr lang="en-US" dirty="0"/>
           </a:p>
@@ -3883,7 +3883,7 @@
           <a:p>
             <a:fld id="{42A54C80-263E-416B-A8E0-580EDEADCBDC}" type="datetimeFigureOut">
               <a:rPr lang="en-US" dirty="0"/>
-              <a:t>4/8/2019</a:t>
+              <a:t>4/17/2019</a:t>
             </a:fld>
             <a:endParaRPr lang="en-US" dirty="0"/>
           </a:p>
@@ -4253,7 +4253,7 @@
             <a:fld id="{B61BEF0D-F0BB-DE4B-95CE-6DB70DBA9567}" type="datetimeFigureOut">
               <a:rPr lang="en-US" dirty="0"/>
               <a:pPr/>
-              <a:t>4/8/2019</a:t>
+              <a:t>4/17/2019</a:t>
             </a:fld>
             <a:endParaRPr lang="en-US" dirty="0"/>
           </a:p>
@@ -4373,7 +4373,7 @@
             <a:fld id="{B61BEF0D-F0BB-DE4B-95CE-6DB70DBA9567}" type="datetimeFigureOut">
               <a:rPr lang="en-US" dirty="0"/>
               <a:pPr/>
-              <a:t>4/8/2019</a:t>
+              <a:t>4/17/2019</a:t>
             </a:fld>
             <a:endParaRPr lang="en-US" dirty="0"/>
           </a:p>
@@ -4465,7 +4465,7 @@
             <a:fld id="{B61BEF0D-F0BB-DE4B-95CE-6DB70DBA9567}" type="datetimeFigureOut">
               <a:rPr lang="en-US" dirty="0"/>
               <a:pPr/>
-              <a:t>4/8/2019</a:t>
+              <a:t>4/17/2019</a:t>
             </a:fld>
             <a:endParaRPr lang="en-US" dirty="0"/>
           </a:p>
@@ -4716,7 +4716,7 @@
           <a:p>
             <a:fld id="{42A54C80-263E-416B-A8E0-580EDEADCBDC}" type="datetimeFigureOut">
               <a:rPr lang="en-US" dirty="0"/>
-              <a:t>4/8/2019</a:t>
+              <a:t>4/17/2019</a:t>
             </a:fld>
             <a:endParaRPr lang="en-US" dirty="0"/>
           </a:p>
@@ -5018,7 +5018,7 @@
             <a:fld id="{B61BEF0D-F0BB-DE4B-95CE-6DB70DBA9567}" type="datetimeFigureOut">
               <a:rPr lang="en-US" dirty="0"/>
               <a:pPr/>
-              <a:t>4/8/2019</a:t>
+              <a:t>4/17/2019</a:t>
             </a:fld>
             <a:endParaRPr lang="en-US" dirty="0"/>
           </a:p>
@@ -5716,7 +5716,7 @@
             <a:fld id="{B61BEF0D-F0BB-DE4B-95CE-6DB70DBA9567}" type="datetimeFigureOut">
               <a:rPr lang="en-US" dirty="0"/>
               <a:pPr/>
-              <a:t>4/8/2019</a:t>
+              <a:t>4/17/2019</a:t>
             </a:fld>
             <a:endParaRPr lang="en-US" dirty="0"/>
           </a:p>
@@ -14340,7 +14340,15 @@
             <a:pPr lvl="3"/>
             <a:r>
               <a:rPr lang="en-US" dirty="0"/>
-              <a:t>Floats are how we used real numbers in Java they can either be written in standard notation or in scientific notation with an E. For example, we can have either 120.5f or 1.205E2f. Note all floating point literals must end in the letter f, without the f, the literal would be treated as a double.</a:t>
+              <a:t>Floats are how </a:t>
+            </a:r>
+            <a:r>
+              <a:rPr lang="en-US"/>
+              <a:t>we use </a:t>
+            </a:r>
+            <a:r>
+              <a:rPr lang="en-US" dirty="0"/>
+              <a:t>real numbers in Java they can either be written in standard notation or in scientific notation with an E. For example, we can have either 120.5f or 1.205E2f. Note all floating point literals must end in the letter f, without the f, the literal would be treated as a double.</a:t>
             </a:r>
           </a:p>
           <a:p>
